--- a/애니원 고등학교 강의 자료1.pptx
+++ b/애니원 고등학교 강의 자료1.pptx
@@ -5,42 +5,41 @@
     <p:sldMasterId id="2147483648" r:id="rId4"/>
   </p:sldMasterIdLst>
   <p:notesMasterIdLst>
-    <p:notesMasterId r:id="rId35"/>
+    <p:notesMasterId r:id="rId34"/>
   </p:notesMasterIdLst>
   <p:handoutMasterIdLst>
-    <p:handoutMasterId r:id="rId36"/>
+    <p:handoutMasterId r:id="rId35"/>
   </p:handoutMasterIdLst>
   <p:sldIdLst>
     <p:sldId id="260" r:id="rId5"/>
-    <p:sldId id="261" r:id="rId6"/>
-    <p:sldId id="267" r:id="rId7"/>
-    <p:sldId id="262" r:id="rId8"/>
-    <p:sldId id="279" r:id="rId9"/>
-    <p:sldId id="280" r:id="rId10"/>
-    <p:sldId id="282" r:id="rId11"/>
-    <p:sldId id="284" r:id="rId12"/>
-    <p:sldId id="285" r:id="rId13"/>
-    <p:sldId id="286" r:id="rId14"/>
-    <p:sldId id="288" r:id="rId15"/>
-    <p:sldId id="289" r:id="rId16"/>
-    <p:sldId id="290" r:id="rId17"/>
-    <p:sldId id="291" r:id="rId18"/>
-    <p:sldId id="293" r:id="rId19"/>
-    <p:sldId id="294" r:id="rId20"/>
-    <p:sldId id="264" r:id="rId21"/>
-    <p:sldId id="263" r:id="rId22"/>
-    <p:sldId id="266" r:id="rId23"/>
-    <p:sldId id="265" r:id="rId24"/>
-    <p:sldId id="268" r:id="rId25"/>
-    <p:sldId id="270" r:id="rId26"/>
-    <p:sldId id="271" r:id="rId27"/>
-    <p:sldId id="272" r:id="rId28"/>
-    <p:sldId id="273" r:id="rId29"/>
-    <p:sldId id="274" r:id="rId30"/>
-    <p:sldId id="275" r:id="rId31"/>
-    <p:sldId id="276" r:id="rId32"/>
-    <p:sldId id="277" r:id="rId33"/>
-    <p:sldId id="269" r:id="rId34"/>
+    <p:sldId id="262" r:id="rId6"/>
+    <p:sldId id="261" r:id="rId7"/>
+    <p:sldId id="267" r:id="rId8"/>
+    <p:sldId id="296" r:id="rId9"/>
+    <p:sldId id="279" r:id="rId10"/>
+    <p:sldId id="280" r:id="rId11"/>
+    <p:sldId id="282" r:id="rId12"/>
+    <p:sldId id="284" r:id="rId13"/>
+    <p:sldId id="285" r:id="rId14"/>
+    <p:sldId id="286" r:id="rId15"/>
+    <p:sldId id="288" r:id="rId16"/>
+    <p:sldId id="289" r:id="rId17"/>
+    <p:sldId id="290" r:id="rId18"/>
+    <p:sldId id="291" r:id="rId19"/>
+    <p:sldId id="293" r:id="rId20"/>
+    <p:sldId id="294" r:id="rId21"/>
+    <p:sldId id="295" r:id="rId22"/>
+    <p:sldId id="298" r:id="rId23"/>
+    <p:sldId id="264" r:id="rId24"/>
+    <p:sldId id="263" r:id="rId25"/>
+    <p:sldId id="266" r:id="rId26"/>
+    <p:sldId id="300" r:id="rId27"/>
+    <p:sldId id="265" r:id="rId28"/>
+    <p:sldId id="268" r:id="rId29"/>
+    <p:sldId id="270" r:id="rId30"/>
+    <p:sldId id="271" r:id="rId31"/>
+    <p:sldId id="272" r:id="rId32"/>
+    <p:sldId id="273" r:id="rId33"/>
   </p:sldIdLst>
   <p:sldSz cx="12192000" cy="6858000"/>
   <p:notesSz cx="6858000" cy="9144000"/>
@@ -240,7 +239,7 @@
                 <a:latin typeface="맑은 고딕" panose="020B0503020000020004" pitchFamily="50" charset="-127"/>
                 <a:ea typeface="맑은 고딕" panose="020B0503020000020004" pitchFamily="50" charset="-127"/>
               </a:rPr>
-              <a:t>2020-02-01</a:t>
+              <a:t>2020-02-05</a:t>
             </a:fld>
             <a:endParaRPr lang="ko-KR" altLang="en-US" dirty="0">
               <a:latin typeface="맑은 고딕" panose="020B0503020000020004" pitchFamily="50" charset="-127"/>
@@ -427,7 +426,7 @@
             <a:fld id="{F982D051-E7AC-4810-90EF-69A20AD37526}" type="datetime1">
               <a:rPr lang="ko-KR" altLang="en-US" smtClean="0"/>
               <a:pPr/>
-              <a:t>2020-02-01</a:t>
+              <a:t>2020-02-05</a:t>
             </a:fld>
             <a:endParaRPr lang="ko-KR" altLang="en-US" dirty="0"/>
           </a:p>
@@ -1311,7 +1310,7 @@
             <a:fld id="{EEB2207E-CB41-4C91-B7CD-77F94AAA1D8A}" type="datetime1">
               <a:rPr lang="ko-KR" altLang="en-US" smtClean="0"/>
               <a:pPr/>
-              <a:t>2020-02-01</a:t>
+              <a:t>2020-02-05</a:t>
             </a:fld>
             <a:endParaRPr lang="ko-KR" altLang="en-US" dirty="0"/>
           </a:p>
@@ -1612,7 +1611,7 @@
             <a:fld id="{279AEAF1-139C-43D6-A1AE-EB03D6288722}" type="datetime1">
               <a:rPr lang="ko-KR" altLang="en-US" smtClean="0"/>
               <a:pPr/>
-              <a:t>2020-02-01</a:t>
+              <a:t>2020-02-05</a:t>
             </a:fld>
             <a:endParaRPr lang="ko-KR" altLang="en-US" dirty="0"/>
           </a:p>
@@ -1864,7 +1863,7 @@
             <a:fld id="{E4BDD81A-B9EA-4E7B-9806-24597CC5581A}" type="datetime1">
               <a:rPr lang="ko-KR" altLang="en-US" smtClean="0"/>
               <a:pPr/>
-              <a:t>2020-02-01</a:t>
+              <a:t>2020-02-05</a:t>
             </a:fld>
             <a:endParaRPr lang="ko-KR" altLang="en-US" dirty="0"/>
           </a:p>
@@ -2422,7 +2421,7 @@
             <a:fld id="{4838EC3F-749E-40F0-9FC4-13DD48752285}" type="datetime1">
               <a:rPr lang="ko-KR" altLang="en-US" smtClean="0"/>
               <a:pPr/>
-              <a:t>2020-02-01</a:t>
+              <a:t>2020-02-05</a:t>
             </a:fld>
             <a:endParaRPr lang="ko-KR" altLang="en-US" dirty="0"/>
           </a:p>
@@ -2686,7 +2685,7 @@
             <a:fld id="{2FB0C9B0-519D-4017-A833-70329831492C}" type="datetime1">
               <a:rPr lang="ko-KR" altLang="en-US" smtClean="0"/>
               <a:pPr/>
-              <a:t>2020-02-01</a:t>
+              <a:t>2020-02-05</a:t>
             </a:fld>
             <a:endParaRPr lang="ko-KR" altLang="en-US" dirty="0"/>
           </a:p>
@@ -3235,7 +3234,7 @@
             <a:fld id="{DD5CDD6C-5731-4FEC-B57E-BD3C1113222C}" type="datetime1">
               <a:rPr lang="ko-KR" altLang="en-US" smtClean="0"/>
               <a:pPr/>
-              <a:t>2020-02-01</a:t>
+              <a:t>2020-02-05</a:t>
             </a:fld>
             <a:endParaRPr lang="ko-KR" altLang="en-US" dirty="0"/>
           </a:p>
@@ -3547,7 +3546,7 @@
             <a:fld id="{80B24BF9-F119-47BE-81AC-69885F34D01E}" type="datetime1">
               <a:rPr lang="ko-KR" altLang="en-US" smtClean="0"/>
               <a:pPr/>
-              <a:t>2020-02-01</a:t>
+              <a:t>2020-02-05</a:t>
             </a:fld>
             <a:endParaRPr lang="ko-KR" altLang="en-US" dirty="0"/>
           </a:p>
@@ -3725,7 +3724,7 @@
             <a:fld id="{E322ECF5-B670-4E41-8562-EC4E8C060A69}" type="datetime1">
               <a:rPr lang="ko-KR" altLang="en-US" smtClean="0"/>
               <a:pPr/>
-              <a:t>2020-02-01</a:t>
+              <a:t>2020-02-05</a:t>
             </a:fld>
             <a:endParaRPr lang="ko-KR" altLang="en-US" dirty="0"/>
           </a:p>
@@ -3909,7 +3908,7 @@
             <a:fld id="{05286E99-FDF3-4278-8385-23074F8A8372}" type="datetime1">
               <a:rPr lang="ko-KR" altLang="en-US" smtClean="0"/>
               <a:pPr/>
-              <a:t>2020-02-01</a:t>
+              <a:t>2020-02-05</a:t>
             </a:fld>
             <a:endParaRPr lang="ko-KR" altLang="en-US" dirty="0"/>
           </a:p>
@@ -4083,7 +4082,7 @@
             <a:fld id="{0576D295-1BE8-4422-BBA3-4C4166E1FFBA}" type="datetime1">
               <a:rPr lang="ko-KR" altLang="en-US" smtClean="0"/>
               <a:pPr/>
-              <a:t>2020-02-01</a:t>
+              <a:t>2020-02-05</a:t>
             </a:fld>
             <a:endParaRPr lang="ko-KR" altLang="en-US" dirty="0"/>
           </a:p>
@@ -4338,7 +4337,7 @@
             <a:fld id="{B518F889-CF6D-48B4-9DBA-7DAFA8901B75}" type="datetime1">
               <a:rPr lang="ko-KR" altLang="en-US" smtClean="0"/>
               <a:pPr/>
-              <a:t>2020-02-01</a:t>
+              <a:t>2020-02-05</a:t>
             </a:fld>
             <a:endParaRPr lang="ko-KR" altLang="en-US" dirty="0"/>
           </a:p>
@@ -4639,7 +4638,7 @@
             <a:fld id="{9EF13524-8E5F-4A18-81DB-5C7BE141FE1E}" type="datetime1">
               <a:rPr lang="ko-KR" altLang="en-US" smtClean="0"/>
               <a:pPr/>
-              <a:t>2020-02-01</a:t>
+              <a:t>2020-02-05</a:t>
             </a:fld>
             <a:endParaRPr lang="ko-KR" altLang="en-US" dirty="0"/>
           </a:p>
@@ -5085,7 +5084,7 @@
             <a:fld id="{55ED2EB9-DB8A-41FB-9C3A-C831B0BB6AA9}" type="datetime1">
               <a:rPr lang="ko-KR" altLang="en-US" smtClean="0"/>
               <a:pPr/>
-              <a:t>2020-02-01</a:t>
+              <a:t>2020-02-05</a:t>
             </a:fld>
             <a:endParaRPr lang="ko-KR" altLang="en-US" dirty="0"/>
           </a:p>
@@ -5207,7 +5206,7 @@
             <a:fld id="{3FF0D3B1-2164-4F34-BF9E-E14C52C38144}" type="datetime1">
               <a:rPr lang="ko-KR" altLang="en-US" smtClean="0"/>
               <a:pPr/>
-              <a:t>2020-02-01</a:t>
+              <a:t>2020-02-05</a:t>
             </a:fld>
             <a:endParaRPr lang="ko-KR" altLang="en-US" dirty="0"/>
           </a:p>
@@ -5305,7 +5304,7 @@
             <a:fld id="{3F7823E7-13E4-45D6-9E0C-8EEAB8B26D64}" type="datetime1">
               <a:rPr lang="ko-KR" altLang="en-US" smtClean="0"/>
               <a:pPr/>
-              <a:t>2020-02-01</a:t>
+              <a:t>2020-02-05</a:t>
             </a:fld>
             <a:endParaRPr lang="ko-KR" altLang="en-US" dirty="0"/>
           </a:p>
@@ -5592,7 +5591,7 @@
             <a:fld id="{FD12C05C-C40A-4C9C-84B1-0ECF8370CE26}" type="datetime1">
               <a:rPr lang="ko-KR" altLang="en-US" smtClean="0"/>
               <a:pPr/>
-              <a:t>2020-02-01</a:t>
+              <a:t>2020-02-05</a:t>
             </a:fld>
             <a:endParaRPr lang="ko-KR" altLang="en-US" dirty="0"/>
           </a:p>
@@ -5888,7 +5887,7 @@
             <a:fld id="{E7712BA4-0DC9-4120-89EB-458D19650DFC}" type="datetime1">
               <a:rPr lang="ko-KR" altLang="en-US" smtClean="0"/>
               <a:pPr/>
-              <a:t>2020-02-01</a:t>
+              <a:t>2020-02-05</a:t>
             </a:fld>
             <a:endParaRPr lang="ko-KR" altLang="en-US" dirty="0"/>
           </a:p>
@@ -6421,7 +6420,7 @@
             <a:fld id="{97C58CB5-B5AE-4D5E-9590-3F33817D9FD0}" type="datetime1">
               <a:rPr lang="ko-KR" altLang="en-US" smtClean="0"/>
               <a:pPr/>
-              <a:t>2020-02-01</a:t>
+              <a:t>2020-02-05</a:t>
             </a:fld>
             <a:endParaRPr lang="ko-KR" altLang="en-US" dirty="0"/>
           </a:p>
@@ -6967,7 +6966,7 @@
                 <a16:creationId xmlns:a16="http://schemas.microsoft.com/office/drawing/2014/main" id="{E5A92FE9-DB05-4D0D-AF5A-BE8664B9FFB4}"/>
               </a:ext>
               <a:ext uri="{C183D7F6-B498-43B3-948B-1728B52AA6E4}">
-                <adec:decorative xmlns:adec="http://schemas.microsoft.com/office/drawing/2017/decorative" xmlns="" val="1"/>
+                <adec:decorative xmlns="" xmlns:adec="http://schemas.microsoft.com/office/drawing/2017/decorative" val="1"/>
               </a:ext>
             </a:extLst>
           </p:cNvPr>
@@ -7030,7 +7029,7 @@
                 <a16:creationId xmlns:a16="http://schemas.microsoft.com/office/drawing/2014/main" id="{53D9B26A-5143-49A7-BA98-D871D5BD719A}"/>
               </a:ext>
               <a:ext uri="{C183D7F6-B498-43B3-948B-1728B52AA6E4}">
-                <adec:decorative xmlns:adec="http://schemas.microsoft.com/office/drawing/2017/decorative" xmlns="" val="1"/>
+                <adec:decorative xmlns="" xmlns:adec="http://schemas.microsoft.com/office/drawing/2017/decorative" val="1"/>
               </a:ext>
             </a:extLst>
           </p:cNvPr>
@@ -7061,7 +7060,7 @@
                   <a16:creationId xmlns:a16="http://schemas.microsoft.com/office/drawing/2014/main" id="{68B85E55-A2A1-4682-B891-F201358A92D5}"/>
                 </a:ext>
                 <a:ext uri="{C183D7F6-B498-43B3-948B-1728B52AA6E4}">
-                  <adec:decorative xmlns:adec="http://schemas.microsoft.com/office/drawing/2017/decorative" xmlns="" val="1"/>
+                  <adec:decorative xmlns="" xmlns:adec="http://schemas.microsoft.com/office/drawing/2017/decorative" val="1"/>
                 </a:ext>
               </a:extLst>
             </p:cNvPr>
@@ -7122,7 +7121,7 @@
                   <a16:creationId xmlns:a16="http://schemas.microsoft.com/office/drawing/2014/main" id="{45EF6EDB-9B5D-49E9-96FA-1AE08BF95E57}"/>
                 </a:ext>
                 <a:ext uri="{C183D7F6-B498-43B3-948B-1728B52AA6E4}">
-                  <adec:decorative xmlns:adec="http://schemas.microsoft.com/office/drawing/2017/decorative" xmlns="" val="1"/>
+                  <adec:decorative xmlns="" xmlns:adec="http://schemas.microsoft.com/office/drawing/2017/decorative" val="1"/>
                 </a:ext>
               </a:extLst>
             </p:cNvPr>
@@ -7186,7 +7185,7 @@
                   <a16:creationId xmlns:a16="http://schemas.microsoft.com/office/drawing/2014/main" id="{38338226-D6E2-4EEE-B271-DB4BD096DBA1}"/>
                 </a:ext>
                 <a:ext uri="{C183D7F6-B498-43B3-948B-1728B52AA6E4}">
-                  <adec:decorative xmlns:adec="http://schemas.microsoft.com/office/drawing/2017/decorative" xmlns="" val="1"/>
+                  <adec:decorative xmlns="" xmlns:adec="http://schemas.microsoft.com/office/drawing/2017/decorative" val="1"/>
                 </a:ext>
               </a:extLst>
             </p:cNvPr>
@@ -7244,7 +7243,7 @@
                   <a16:creationId xmlns:a16="http://schemas.microsoft.com/office/drawing/2014/main" id="{4878FB48-17B3-4A11-8025-DE0945CD4E71}"/>
                 </a:ext>
                 <a:ext uri="{C183D7F6-B498-43B3-948B-1728B52AA6E4}">
-                  <adec:decorative xmlns:adec="http://schemas.microsoft.com/office/drawing/2017/decorative" xmlns="" val="1"/>
+                  <adec:decorative xmlns="" xmlns:adec="http://schemas.microsoft.com/office/drawing/2017/decorative" val="1"/>
                 </a:ext>
               </a:extLst>
             </p:cNvPr>
@@ -7304,7 +7303,7 @@
                   <a16:creationId xmlns:a16="http://schemas.microsoft.com/office/drawing/2014/main" id="{4150A21C-DD6D-4D3C-9E95-7A3CA263BEB9}"/>
                 </a:ext>
                 <a:ext uri="{C183D7F6-B498-43B3-948B-1728B52AA6E4}">
-                  <adec:decorative xmlns:adec="http://schemas.microsoft.com/office/drawing/2017/decorative" xmlns="" val="1"/>
+                  <adec:decorative xmlns="" xmlns:adec="http://schemas.microsoft.com/office/drawing/2017/decorative" val="1"/>
                 </a:ext>
               </a:extLst>
             </p:cNvPr>
@@ -7370,7 +7369,7 @@
                   <a16:creationId xmlns:a16="http://schemas.microsoft.com/office/drawing/2014/main" id="{7505BF04-104D-4180-A284-42FCD6B04DD6}"/>
                 </a:ext>
                 <a:ext uri="{C183D7F6-B498-43B3-948B-1728B52AA6E4}">
-                  <adec:decorative xmlns:adec="http://schemas.microsoft.com/office/drawing/2017/decorative" xmlns="" val="1"/>
+                  <adec:decorative xmlns="" xmlns:adec="http://schemas.microsoft.com/office/drawing/2017/decorative" val="1"/>
                 </a:ext>
               </a:extLst>
             </p:cNvPr>
@@ -7591,6 +7590,182 @@
                 <a:ea typeface="KoPubWorld돋움체 Light" panose="00000300000000000000" pitchFamily="2" charset="-127"/>
                 <a:cs typeface="KoPubWorld돋움체 Light" panose="00000300000000000000" pitchFamily="2" charset="-127"/>
               </a:rPr>
+              <a:t>- 1</a:t>
+            </a:r>
+            <a:endParaRPr lang="ko-KR" altLang="en-US" sz="6000" dirty="0">
+              <a:latin typeface="KoPubWorld돋움체 Light" panose="00000300000000000000" pitchFamily="2" charset="-127"/>
+              <a:ea typeface="KoPubWorld돋움체 Light" panose="00000300000000000000" pitchFamily="2" charset="-127"/>
+              <a:cs typeface="KoPubWorld돋움체 Light" panose="00000300000000000000" pitchFamily="2" charset="-127"/>
+            </a:endParaRPr>
+          </a:p>
+        </p:txBody>
+      </p:sp>
+      <p:sp>
+        <p:nvSpPr>
+          <p:cNvPr id="3" name="내용 개체 틀 2"/>
+          <p:cNvSpPr>
+            <a:spLocks noGrp="1"/>
+          </p:cNvSpPr>
+          <p:nvPr>
+            <p:ph idx="1"/>
+          </p:nvPr>
+        </p:nvSpPr>
+        <p:spPr>
+          <a:xfrm>
+            <a:off x="1484310" y="3733799"/>
+            <a:ext cx="10621099" cy="3124201"/>
+          </a:xfrm>
+        </p:spPr>
+        <p:txBody>
+          <a:bodyPr>
+            <a:normAutofit/>
+          </a:bodyPr>
+          <a:lstStyle/>
+          <a:p>
+            <a:r>
+              <a:rPr lang="en-US" altLang="ko-KR" sz="2800" dirty="0" smtClean="0">
+                <a:latin typeface="KoPubWorld돋움체 Light" panose="00000300000000000000" pitchFamily="2" charset="-127"/>
+                <a:ea typeface="KoPubWorld돋움체 Light" panose="00000300000000000000" pitchFamily="2" charset="-127"/>
+                <a:cs typeface="KoPubWorld돋움체 Light" panose="00000300000000000000" pitchFamily="2" charset="-127"/>
+              </a:rPr>
+              <a:t>GitHub </a:t>
+            </a:r>
+            <a:r>
+              <a:rPr lang="ko-KR" altLang="en-US" sz="2800" dirty="0" smtClean="0">
+                <a:latin typeface="KoPubWorld돋움체 Light" panose="00000300000000000000" pitchFamily="2" charset="-127"/>
+                <a:ea typeface="KoPubWorld돋움체 Light" panose="00000300000000000000" pitchFamily="2" charset="-127"/>
+                <a:cs typeface="KoPubWorld돋움체 Light" panose="00000300000000000000" pitchFamily="2" charset="-127"/>
+              </a:rPr>
+              <a:t>홈페이지에 가서 로그인 하고 왼쪽에</a:t>
+            </a:r>
+            <a:r>
+              <a:rPr lang="en-US" altLang="ko-KR" sz="2800" dirty="0" smtClean="0">
+                <a:latin typeface="KoPubWorld돋움체 Light" panose="00000300000000000000" pitchFamily="2" charset="-127"/>
+                <a:ea typeface="KoPubWorld돋움체 Light" panose="00000300000000000000" pitchFamily="2" charset="-127"/>
+                <a:cs typeface="KoPubWorld돋움체 Light" panose="00000300000000000000" pitchFamily="2" charset="-127"/>
+              </a:rPr>
+              <a:t>Repositories New </a:t>
+            </a:r>
+            <a:r>
+              <a:rPr lang="ko-KR" altLang="en-US" sz="2800" dirty="0" smtClean="0">
+                <a:latin typeface="KoPubWorld돋움체 Light" panose="00000300000000000000" pitchFamily="2" charset="-127"/>
+                <a:ea typeface="KoPubWorld돋움체 Light" panose="00000300000000000000" pitchFamily="2" charset="-127"/>
+                <a:cs typeface="KoPubWorld돋움체 Light" panose="00000300000000000000" pitchFamily="2" charset="-127"/>
+              </a:rPr>
+              <a:t>버튼 클릭</a:t>
+            </a:r>
+            <a:endParaRPr lang="en-US" altLang="ko-KR" sz="2800" dirty="0" smtClean="0">
+              <a:latin typeface="KoPubWorld돋움체 Light" panose="00000300000000000000" pitchFamily="2" charset="-127"/>
+              <a:ea typeface="KoPubWorld돋움체 Light" panose="00000300000000000000" pitchFamily="2" charset="-127"/>
+              <a:cs typeface="KoPubWorld돋움체 Light" panose="00000300000000000000" pitchFamily="2" charset="-127"/>
+            </a:endParaRPr>
+          </a:p>
+        </p:txBody>
+      </p:sp>
+      <p:pic>
+        <p:nvPicPr>
+          <p:cNvPr id="4" name="그림 3"/>
+          <p:cNvPicPr>
+            <a:picLocks noChangeAspect="1"/>
+          </p:cNvPicPr>
+          <p:nvPr/>
+        </p:nvPicPr>
+        <p:blipFill>
+          <a:blip r:embed="rId2">
+            <a:extLst>
+              <a:ext uri="{28A0092B-C50C-407E-A947-70E740481C1C}">
+                <a14:useLocalDpi xmlns:a14="http://schemas.microsoft.com/office/drawing/2010/main" val="0"/>
+              </a:ext>
+            </a:extLst>
+          </a:blip>
+          <a:stretch>
+            <a:fillRect/>
+          </a:stretch>
+        </p:blipFill>
+        <p:spPr>
+          <a:xfrm>
+            <a:off x="4377865" y="2074717"/>
+            <a:ext cx="4231601" cy="2128624"/>
+          </a:xfrm>
+          <a:prstGeom prst="rect">
+            <a:avLst/>
+          </a:prstGeom>
+        </p:spPr>
+      </p:pic>
+    </p:spTree>
+    <p:extLst>
+      <p:ext uri="{BB962C8B-B14F-4D97-AF65-F5344CB8AC3E}">
+        <p14:creationId xmlns:p14="http://schemas.microsoft.com/office/powerpoint/2010/main" val="3156514853"/>
+      </p:ext>
+    </p:extLst>
+  </p:cSld>
+  <p:clrMapOvr>
+    <a:masterClrMapping/>
+  </p:clrMapOvr>
+</p:sld>
+</file>
+
+<file path=ppt/slides/slide11.xml><?xml version="1.0" encoding="utf-8"?>
+<p:sld xmlns:a="http://schemas.openxmlformats.org/drawingml/2006/main" xmlns:r="http://schemas.openxmlformats.org/officeDocument/2006/relationships" xmlns:p="http://schemas.openxmlformats.org/presentationml/2006/main">
+  <p:cSld>
+    <p:spTree>
+      <p:nvGrpSpPr>
+        <p:cNvPr id="1" name=""/>
+        <p:cNvGrpSpPr/>
+        <p:nvPr/>
+      </p:nvGrpSpPr>
+      <p:grpSpPr>
+        <a:xfrm>
+          <a:off x="0" y="0"/>
+          <a:ext cx="0" cy="0"/>
+          <a:chOff x="0" y="0"/>
+          <a:chExt cx="0" cy="0"/>
+        </a:xfrm>
+      </p:grpSpPr>
+      <p:sp>
+        <p:nvSpPr>
+          <p:cNvPr id="2" name="제목 1"/>
+          <p:cNvSpPr>
+            <a:spLocks noGrp="1"/>
+          </p:cNvSpPr>
+          <p:nvPr>
+            <p:ph type="title"/>
+          </p:nvPr>
+        </p:nvSpPr>
+        <p:spPr>
+          <a:xfrm>
+            <a:off x="1484310" y="0"/>
+            <a:ext cx="10018713" cy="1752599"/>
+          </a:xfrm>
+        </p:spPr>
+        <p:txBody>
+          <a:bodyPr>
+            <a:normAutofit/>
+          </a:bodyPr>
+          <a:lstStyle/>
+          <a:p>
+            <a:r>
+              <a:rPr lang="en-US" altLang="ko-KR" sz="6000" dirty="0" smtClean="0">
+                <a:latin typeface="KoPubWorld돋움체 Light" panose="00000300000000000000" pitchFamily="2" charset="-127"/>
+                <a:ea typeface="KoPubWorld돋움체 Light" panose="00000300000000000000" pitchFamily="2" charset="-127"/>
+                <a:cs typeface="KoPubWorld돋움체 Light" panose="00000300000000000000" pitchFamily="2" charset="-127"/>
+              </a:rPr>
+              <a:t>GitHub </a:t>
+            </a:r>
+            <a:r>
+              <a:rPr lang="ko-KR" altLang="en-US" sz="6000" dirty="0" smtClean="0">
+                <a:latin typeface="KoPubWorld돋움체 Light" panose="00000300000000000000" pitchFamily="2" charset="-127"/>
+                <a:ea typeface="KoPubWorld돋움체 Light" panose="00000300000000000000" pitchFamily="2" charset="-127"/>
+                <a:cs typeface="KoPubWorld돋움체 Light" panose="00000300000000000000" pitchFamily="2" charset="-127"/>
+              </a:rPr>
+              <a:t>저장소 생성 </a:t>
+            </a:r>
+            <a:r>
+              <a:rPr lang="en-US" altLang="ko-KR" sz="6000" dirty="0" smtClean="0">
+                <a:latin typeface="KoPubWorld돋움체 Light" panose="00000300000000000000" pitchFamily="2" charset="-127"/>
+                <a:ea typeface="KoPubWorld돋움체 Light" panose="00000300000000000000" pitchFamily="2" charset="-127"/>
+                <a:cs typeface="KoPubWorld돋움체 Light" panose="00000300000000000000" pitchFamily="2" charset="-127"/>
+              </a:rPr>
               <a:t>- 2</a:t>
             </a:r>
             <a:endParaRPr lang="ko-KR" altLang="en-US" sz="6000" dirty="0">
@@ -7827,7 +8002,7 @@
 </p:sld>
 </file>
 
-<file path=ppt/slides/slide11.xml><?xml version="1.0" encoding="utf-8"?>
+<file path=ppt/slides/slide12.xml><?xml version="1.0" encoding="utf-8"?>
 <p:sld xmlns:a="http://schemas.openxmlformats.org/drawingml/2006/main" xmlns:r="http://schemas.openxmlformats.org/officeDocument/2006/relationships" xmlns:p="http://schemas.openxmlformats.org/presentationml/2006/main">
   <p:cSld>
     <p:spTree>
@@ -8058,7 +8233,7 @@
 </p:sld>
 </file>
 
-<file path=ppt/slides/slide12.xml><?xml version="1.0" encoding="utf-8"?>
+<file path=ppt/slides/slide13.xml><?xml version="1.0" encoding="utf-8"?>
 <p:sld xmlns:a="http://schemas.openxmlformats.org/drawingml/2006/main" xmlns:r="http://schemas.openxmlformats.org/officeDocument/2006/relationships" xmlns:p="http://schemas.openxmlformats.org/presentationml/2006/main">
   <p:cSld>
     <p:spTree>
@@ -8289,7 +8464,7 @@
 </p:sld>
 </file>
 
-<file path=ppt/slides/slide13.xml><?xml version="1.0" encoding="utf-8"?>
+<file path=ppt/slides/slide14.xml><?xml version="1.0" encoding="utf-8"?>
 <p:sld xmlns:a="http://schemas.openxmlformats.org/drawingml/2006/main" xmlns:r="http://schemas.openxmlformats.org/officeDocument/2006/relationships" xmlns:p="http://schemas.openxmlformats.org/presentationml/2006/main">
   <p:cSld>
     <p:spTree>
@@ -8488,7 +8663,7 @@
 </p:sld>
 </file>
 
-<file path=ppt/slides/slide14.xml><?xml version="1.0" encoding="utf-8"?>
+<file path=ppt/slides/slide15.xml><?xml version="1.0" encoding="utf-8"?>
 <p:sld xmlns:a="http://schemas.openxmlformats.org/drawingml/2006/main" xmlns:r="http://schemas.openxmlformats.org/officeDocument/2006/relationships" xmlns:p="http://schemas.openxmlformats.org/presentationml/2006/main">
   <p:cSld>
     <p:spTree>
@@ -8681,7 +8856,7 @@
 </p:sld>
 </file>
 
-<file path=ppt/slides/slide15.xml><?xml version="1.0" encoding="utf-8"?>
+<file path=ppt/slides/slide16.xml><?xml version="1.0" encoding="utf-8"?>
 <p:sld xmlns:a="http://schemas.openxmlformats.org/drawingml/2006/main" xmlns:r="http://schemas.openxmlformats.org/officeDocument/2006/relationships" xmlns:p="http://schemas.openxmlformats.org/presentationml/2006/main">
   <p:cSld>
     <p:spTree>
@@ -8858,7 +9033,7 @@
 </p:sld>
 </file>
 
-<file path=ppt/slides/slide16.xml><?xml version="1.0" encoding="utf-8"?>
+<file path=ppt/slides/slide17.xml><?xml version="1.0" encoding="utf-8"?>
 <p:sld xmlns:a="http://schemas.openxmlformats.org/drawingml/2006/main" xmlns:r="http://schemas.openxmlformats.org/officeDocument/2006/relationships" xmlns:p="http://schemas.openxmlformats.org/presentationml/2006/main">
   <p:cSld>
     <p:spTree>
@@ -9041,7 +9216,549 @@
 </p:sld>
 </file>
 
-<file path=ppt/slides/slide17.xml><?xml version="1.0" encoding="utf-8"?>
+<file path=ppt/slides/slide18.xml><?xml version="1.0" encoding="utf-8"?>
+<p:sld xmlns:a="http://schemas.openxmlformats.org/drawingml/2006/main" xmlns:r="http://schemas.openxmlformats.org/officeDocument/2006/relationships" xmlns:p="http://schemas.openxmlformats.org/presentationml/2006/main">
+  <p:cSld>
+    <p:spTree>
+      <p:nvGrpSpPr>
+        <p:cNvPr id="1" name=""/>
+        <p:cNvGrpSpPr/>
+        <p:nvPr/>
+      </p:nvGrpSpPr>
+      <p:grpSpPr>
+        <a:xfrm>
+          <a:off x="0" y="0"/>
+          <a:ext cx="0" cy="0"/>
+          <a:chOff x="0" y="0"/>
+          <a:chExt cx="0" cy="0"/>
+        </a:xfrm>
+      </p:grpSpPr>
+      <p:sp>
+        <p:nvSpPr>
+          <p:cNvPr id="2" name="제목 1"/>
+          <p:cNvSpPr>
+            <a:spLocks noGrp="1"/>
+          </p:cNvSpPr>
+          <p:nvPr>
+            <p:ph type="title"/>
+          </p:nvPr>
+        </p:nvSpPr>
+        <p:spPr>
+          <a:xfrm>
+            <a:off x="1484310" y="0"/>
+            <a:ext cx="10018713" cy="1752599"/>
+          </a:xfrm>
+        </p:spPr>
+        <p:txBody>
+          <a:bodyPr>
+            <a:normAutofit/>
+          </a:bodyPr>
+          <a:lstStyle/>
+          <a:p>
+            <a:r>
+              <a:rPr lang="ko-KR" altLang="en-US" sz="6000" dirty="0" smtClean="0">
+                <a:latin typeface="KoPubWorld돋움체 Light" panose="00000300000000000000" pitchFamily="2" charset="-127"/>
+                <a:ea typeface="KoPubWorld돋움체 Light" panose="00000300000000000000" pitchFamily="2" charset="-127"/>
+                <a:cs typeface="KoPubWorld돋움체 Light" panose="00000300000000000000" pitchFamily="2" charset="-127"/>
+              </a:rPr>
+              <a:t>끝</a:t>
+            </a:r>
+            <a:endParaRPr lang="ko-KR" altLang="en-US" sz="6000" dirty="0">
+              <a:latin typeface="KoPubWorld돋움체 Light" panose="00000300000000000000" pitchFamily="2" charset="-127"/>
+              <a:ea typeface="KoPubWorld돋움체 Light" panose="00000300000000000000" pitchFamily="2" charset="-127"/>
+              <a:cs typeface="KoPubWorld돋움체 Light" panose="00000300000000000000" pitchFamily="2" charset="-127"/>
+            </a:endParaRPr>
+          </a:p>
+        </p:txBody>
+      </p:sp>
+      <p:sp>
+        <p:nvSpPr>
+          <p:cNvPr id="3" name="내용 개체 틀 2"/>
+          <p:cNvSpPr>
+            <a:spLocks noGrp="1"/>
+          </p:cNvSpPr>
+          <p:nvPr>
+            <p:ph idx="1"/>
+          </p:nvPr>
+        </p:nvSpPr>
+        <p:spPr>
+          <a:xfrm>
+            <a:off x="1396386" y="2133598"/>
+            <a:ext cx="10018713" cy="3124201"/>
+          </a:xfrm>
+        </p:spPr>
+        <p:txBody>
+          <a:bodyPr>
+            <a:noAutofit/>
+          </a:bodyPr>
+          <a:lstStyle/>
+          <a:p>
+            <a:r>
+              <a:rPr lang="en-US" altLang="ko-KR" sz="2800" dirty="0" err="1" smtClean="0">
+                <a:latin typeface="KoPubWorld돋움체 Light" panose="00000300000000000000" pitchFamily="2" charset="-127"/>
+                <a:ea typeface="KoPubWorld돋움체 Light" panose="00000300000000000000" pitchFamily="2" charset="-127"/>
+                <a:cs typeface="KoPubWorld돋움체 Light" panose="00000300000000000000" pitchFamily="2" charset="-127"/>
+              </a:rPr>
+              <a:t>git</a:t>
+            </a:r>
+            <a:r>
+              <a:rPr lang="ko-KR" altLang="en-US" sz="2800" dirty="0" smtClean="0">
+                <a:latin typeface="KoPubWorld돋움체 Light" panose="00000300000000000000" pitchFamily="2" charset="-127"/>
+                <a:ea typeface="KoPubWorld돋움체 Light" panose="00000300000000000000" pitchFamily="2" charset="-127"/>
+                <a:cs typeface="KoPubWorld돋움체 Light" panose="00000300000000000000" pitchFamily="2" charset="-127"/>
+              </a:rPr>
+              <a:t>에는 매우 다양한 기능이 있지만 시간 관계상 여기까지</a:t>
+            </a:r>
+            <a:endParaRPr lang="en-US" altLang="ko-KR" sz="2800" dirty="0" smtClean="0">
+              <a:latin typeface="KoPubWorld돋움체 Light" panose="00000300000000000000" pitchFamily="2" charset="-127"/>
+              <a:ea typeface="KoPubWorld돋움체 Light" panose="00000300000000000000" pitchFamily="2" charset="-127"/>
+              <a:cs typeface="KoPubWorld돋움체 Light" panose="00000300000000000000" pitchFamily="2" charset="-127"/>
+            </a:endParaRPr>
+          </a:p>
+          <a:p>
+            <a:endParaRPr lang="en-US" altLang="ko-KR" sz="2800" dirty="0" smtClean="0">
+              <a:latin typeface="KoPubWorld돋움체 Light" panose="00000300000000000000" pitchFamily="2" charset="-127"/>
+              <a:ea typeface="KoPubWorld돋움체 Light" panose="00000300000000000000" pitchFamily="2" charset="-127"/>
+              <a:cs typeface="KoPubWorld돋움체 Light" panose="00000300000000000000" pitchFamily="2" charset="-127"/>
+            </a:endParaRPr>
+          </a:p>
+          <a:p>
+            <a:r>
+              <a:rPr lang="ko-KR" altLang="en-US" sz="2800" dirty="0" smtClean="0">
+                <a:latin typeface="KoPubWorld돋움체 Light" panose="00000300000000000000" pitchFamily="2" charset="-127"/>
+                <a:ea typeface="KoPubWorld돋움체 Light" panose="00000300000000000000" pitchFamily="2" charset="-127"/>
+                <a:cs typeface="KoPubWorld돋움체 Light" panose="00000300000000000000" pitchFamily="2" charset="-127"/>
+              </a:rPr>
+              <a:t>여기까지 하면 </a:t>
+            </a:r>
+            <a:r>
+              <a:rPr lang="ko-KR" altLang="en-US" sz="2800" dirty="0" err="1" smtClean="0">
+                <a:latin typeface="KoPubWorld돋움체 Light" panose="00000300000000000000" pitchFamily="2" charset="-127"/>
+                <a:ea typeface="KoPubWorld돋움체 Light" panose="00000300000000000000" pitchFamily="2" charset="-127"/>
+                <a:cs typeface="KoPubWorld돋움체 Light" panose="00000300000000000000" pitchFamily="2" charset="-127"/>
+              </a:rPr>
+              <a:t>작업물을</a:t>
+            </a:r>
+            <a:r>
+              <a:rPr lang="ko-KR" altLang="en-US" sz="2800" dirty="0" smtClean="0">
+                <a:latin typeface="KoPubWorld돋움체 Light" panose="00000300000000000000" pitchFamily="2" charset="-127"/>
+                <a:ea typeface="KoPubWorld돋움체 Light" panose="00000300000000000000" pitchFamily="2" charset="-127"/>
+                <a:cs typeface="KoPubWorld돋움체 Light" panose="00000300000000000000" pitchFamily="2" charset="-127"/>
+              </a:rPr>
+              <a:t> </a:t>
+            </a:r>
+            <a:r>
+              <a:rPr lang="en-US" altLang="ko-KR" sz="2800" dirty="0" smtClean="0">
+                <a:latin typeface="KoPubWorld돋움체 Light" panose="00000300000000000000" pitchFamily="2" charset="-127"/>
+                <a:ea typeface="KoPubWorld돋움체 Light" panose="00000300000000000000" pitchFamily="2" charset="-127"/>
+                <a:cs typeface="KoPubWorld돋움체 Light" panose="00000300000000000000" pitchFamily="2" charset="-127"/>
+              </a:rPr>
+              <a:t>GitHub</a:t>
+            </a:r>
+            <a:r>
+              <a:rPr lang="ko-KR" altLang="en-US" sz="2800" dirty="0" smtClean="0">
+                <a:latin typeface="KoPubWorld돋움체 Light" panose="00000300000000000000" pitchFamily="2" charset="-127"/>
+                <a:ea typeface="KoPubWorld돋움체 Light" panose="00000300000000000000" pitchFamily="2" charset="-127"/>
+                <a:cs typeface="KoPubWorld돋움체 Light" panose="00000300000000000000" pitchFamily="2" charset="-127"/>
+              </a:rPr>
+              <a:t>에 올리고 필요할 때 받아오는 정도까지 가능</a:t>
+            </a:r>
+            <a:endParaRPr lang="en-US" altLang="ko-KR" sz="2800" dirty="0" smtClean="0">
+              <a:latin typeface="KoPubWorld돋움체 Light" panose="00000300000000000000" pitchFamily="2" charset="-127"/>
+              <a:ea typeface="KoPubWorld돋움체 Light" panose="00000300000000000000" pitchFamily="2" charset="-127"/>
+              <a:cs typeface="KoPubWorld돋움체 Light" panose="00000300000000000000" pitchFamily="2" charset="-127"/>
+            </a:endParaRPr>
+          </a:p>
+          <a:p>
+            <a:endParaRPr lang="en-US" altLang="ko-KR" sz="2800" dirty="0">
+              <a:latin typeface="KoPubWorld돋움체 Light" panose="00000300000000000000" pitchFamily="2" charset="-127"/>
+              <a:ea typeface="KoPubWorld돋움체 Light" panose="00000300000000000000" pitchFamily="2" charset="-127"/>
+              <a:cs typeface="KoPubWorld돋움체 Light" panose="00000300000000000000" pitchFamily="2" charset="-127"/>
+            </a:endParaRPr>
+          </a:p>
+          <a:p>
+            <a:r>
+              <a:rPr lang="ko-KR" altLang="en-US" sz="2800" dirty="0" smtClean="0">
+                <a:latin typeface="KoPubWorld돋움체 Light" panose="00000300000000000000" pitchFamily="2" charset="-127"/>
+                <a:ea typeface="KoPubWorld돋움체 Light" panose="00000300000000000000" pitchFamily="2" charset="-127"/>
+                <a:cs typeface="KoPubWorld돋움체 Light" panose="00000300000000000000" pitchFamily="2" charset="-127"/>
+              </a:rPr>
+              <a:t>다른 기능들은 직접 팀프로젝트를 하면서 배우는게 제일 빠름</a:t>
+            </a:r>
+            <a:endParaRPr lang="en-US" altLang="ko-KR" sz="2800" dirty="0" smtClean="0">
+              <a:latin typeface="KoPubWorld돋움체 Light" panose="00000300000000000000" pitchFamily="2" charset="-127"/>
+              <a:ea typeface="KoPubWorld돋움체 Light" panose="00000300000000000000" pitchFamily="2" charset="-127"/>
+              <a:cs typeface="KoPubWorld돋움체 Light" panose="00000300000000000000" pitchFamily="2" charset="-127"/>
+            </a:endParaRPr>
+          </a:p>
+        </p:txBody>
+      </p:sp>
+    </p:spTree>
+    <p:extLst>
+      <p:ext uri="{BB962C8B-B14F-4D97-AF65-F5344CB8AC3E}">
+        <p14:creationId xmlns:p14="http://schemas.microsoft.com/office/powerpoint/2010/main" val="1366115096"/>
+      </p:ext>
+    </p:extLst>
+  </p:cSld>
+  <p:clrMapOvr>
+    <a:masterClrMapping/>
+  </p:clrMapOvr>
+</p:sld>
+</file>
+
+<file path=ppt/slides/slide19.xml><?xml version="1.0" encoding="utf-8"?>
+<p:sld xmlns:a="http://schemas.openxmlformats.org/drawingml/2006/main" xmlns:r="http://schemas.openxmlformats.org/officeDocument/2006/relationships" xmlns:p="http://schemas.openxmlformats.org/presentationml/2006/main">
+  <p:cSld>
+    <p:spTree>
+      <p:nvGrpSpPr>
+        <p:cNvPr id="1" name=""/>
+        <p:cNvGrpSpPr/>
+        <p:nvPr/>
+      </p:nvGrpSpPr>
+      <p:grpSpPr>
+        <a:xfrm>
+          <a:off x="0" y="0"/>
+          <a:ext cx="0" cy="0"/>
+          <a:chOff x="0" y="0"/>
+          <a:chExt cx="0" cy="0"/>
+        </a:xfrm>
+      </p:grpSpPr>
+      <p:sp>
+        <p:nvSpPr>
+          <p:cNvPr id="2" name="제목 1"/>
+          <p:cNvSpPr>
+            <a:spLocks noGrp="1"/>
+          </p:cNvSpPr>
+          <p:nvPr>
+            <p:ph type="title"/>
+          </p:nvPr>
+        </p:nvSpPr>
+        <p:spPr>
+          <a:xfrm>
+            <a:off x="1176579" y="2426677"/>
+            <a:ext cx="10018713" cy="1752599"/>
+          </a:xfrm>
+        </p:spPr>
+        <p:txBody>
+          <a:bodyPr>
+            <a:noAutofit/>
+          </a:bodyPr>
+          <a:lstStyle/>
+          <a:p>
+            <a:r>
+              <a:rPr lang="ko-KR" altLang="en-US" sz="5400" dirty="0" smtClean="0">
+                <a:latin typeface="KoPubWorld돋움체 Light" panose="00000300000000000000" pitchFamily="2" charset="-127"/>
+                <a:ea typeface="KoPubWorld돋움체 Light" panose="00000300000000000000" pitchFamily="2" charset="-127"/>
+                <a:cs typeface="KoPubWorld돋움체 Light" panose="00000300000000000000" pitchFamily="2" charset="-127"/>
+              </a:rPr>
+              <a:t>기능대회 준비</a:t>
+            </a:r>
+            <a:endParaRPr lang="ko-KR" altLang="en-US" sz="5400" dirty="0">
+              <a:latin typeface="KoPubWorld돋움체 Light" panose="00000300000000000000" pitchFamily="2" charset="-127"/>
+              <a:ea typeface="KoPubWorld돋움체 Light" panose="00000300000000000000" pitchFamily="2" charset="-127"/>
+              <a:cs typeface="KoPubWorld돋움체 Light" panose="00000300000000000000" pitchFamily="2" charset="-127"/>
+            </a:endParaRPr>
+          </a:p>
+        </p:txBody>
+      </p:sp>
+    </p:spTree>
+    <p:extLst>
+      <p:ext uri="{BB962C8B-B14F-4D97-AF65-F5344CB8AC3E}">
+        <p14:creationId xmlns:p14="http://schemas.microsoft.com/office/powerpoint/2010/main" val="1273618369"/>
+      </p:ext>
+    </p:extLst>
+  </p:cSld>
+  <p:clrMapOvr>
+    <a:masterClrMapping/>
+  </p:clrMapOvr>
+</p:sld>
+</file>
+
+<file path=ppt/slides/slide2.xml><?xml version="1.0" encoding="utf-8"?>
+<p:sld xmlns:a="http://schemas.openxmlformats.org/drawingml/2006/main" xmlns:r="http://schemas.openxmlformats.org/officeDocument/2006/relationships" xmlns:p="http://schemas.openxmlformats.org/presentationml/2006/main">
+  <p:cSld>
+    <p:spTree>
+      <p:nvGrpSpPr>
+        <p:cNvPr id="1" name=""/>
+        <p:cNvGrpSpPr/>
+        <p:nvPr/>
+      </p:nvGrpSpPr>
+      <p:grpSpPr>
+        <a:xfrm>
+          <a:off x="0" y="0"/>
+          <a:ext cx="0" cy="0"/>
+          <a:chOff x="0" y="0"/>
+          <a:chExt cx="0" cy="0"/>
+        </a:xfrm>
+      </p:grpSpPr>
+      <p:sp>
+        <p:nvSpPr>
+          <p:cNvPr id="2" name="제목 1"/>
+          <p:cNvSpPr>
+            <a:spLocks noGrp="1"/>
+          </p:cNvSpPr>
+          <p:nvPr>
+            <p:ph type="title"/>
+          </p:nvPr>
+        </p:nvSpPr>
+        <p:spPr>
+          <a:xfrm>
+            <a:off x="1484310" y="0"/>
+            <a:ext cx="10018713" cy="1752599"/>
+          </a:xfrm>
+        </p:spPr>
+        <p:txBody>
+          <a:bodyPr>
+            <a:normAutofit/>
+          </a:bodyPr>
+          <a:lstStyle/>
+          <a:p>
+            <a:r>
+              <a:rPr lang="ko-KR" altLang="en-US" sz="6000" dirty="0" smtClean="0">
+                <a:latin typeface="KoPubWorld돋움체 Light" panose="00000300000000000000" pitchFamily="2" charset="-127"/>
+                <a:ea typeface="KoPubWorld돋움체 Light" panose="00000300000000000000" pitchFamily="2" charset="-127"/>
+                <a:cs typeface="KoPubWorld돋움체 Light" panose="00000300000000000000" pitchFamily="2" charset="-127"/>
+              </a:rPr>
+              <a:t>간단한</a:t>
+            </a:r>
+            <a:r>
+              <a:rPr lang="ko-KR" altLang="en-US" sz="3600" dirty="0" smtClean="0">
+                <a:latin typeface="KoPubWorld돋움체 Light" panose="00000300000000000000" pitchFamily="2" charset="-127"/>
+                <a:ea typeface="KoPubWorld돋움체 Light" panose="00000300000000000000" pitchFamily="2" charset="-127"/>
+                <a:cs typeface="KoPubWorld돋움체 Light" panose="00000300000000000000" pitchFamily="2" charset="-127"/>
+              </a:rPr>
+              <a:t> </a:t>
+            </a:r>
+            <a:r>
+              <a:rPr lang="ko-KR" altLang="en-US" sz="6000" dirty="0" smtClean="0">
+                <a:latin typeface="KoPubWorld돋움체 Light" panose="00000300000000000000" pitchFamily="2" charset="-127"/>
+                <a:ea typeface="KoPubWorld돋움체 Light" panose="00000300000000000000" pitchFamily="2" charset="-127"/>
+                <a:cs typeface="KoPubWorld돋움체 Light" panose="00000300000000000000" pitchFamily="2" charset="-127"/>
+              </a:rPr>
+              <a:t>자기 소개</a:t>
+            </a:r>
+            <a:endParaRPr lang="ko-KR" altLang="en-US" sz="6000" dirty="0">
+              <a:latin typeface="KoPubWorld돋움체 Light" panose="00000300000000000000" pitchFamily="2" charset="-127"/>
+              <a:ea typeface="KoPubWorld돋움체 Light" panose="00000300000000000000" pitchFamily="2" charset="-127"/>
+              <a:cs typeface="KoPubWorld돋움체 Light" panose="00000300000000000000" pitchFamily="2" charset="-127"/>
+            </a:endParaRPr>
+          </a:p>
+        </p:txBody>
+      </p:sp>
+      <p:sp>
+        <p:nvSpPr>
+          <p:cNvPr id="3" name="내용 개체 틀 2"/>
+          <p:cNvSpPr>
+            <a:spLocks noGrp="1"/>
+          </p:cNvSpPr>
+          <p:nvPr>
+            <p:ph idx="1"/>
+          </p:nvPr>
+        </p:nvSpPr>
+        <p:spPr>
+          <a:xfrm>
+            <a:off x="1484310" y="2631830"/>
+            <a:ext cx="10018713" cy="3124201"/>
+          </a:xfrm>
+        </p:spPr>
+        <p:txBody>
+          <a:bodyPr>
+            <a:noAutofit/>
+          </a:bodyPr>
+          <a:lstStyle/>
+          <a:p>
+            <a:r>
+              <a:rPr lang="ko-KR" altLang="en-US" sz="3200" dirty="0" err="1" smtClean="0">
+                <a:latin typeface="KoPubWorld돋움체 Light" panose="00000300000000000000" pitchFamily="2" charset="-127"/>
+                <a:ea typeface="KoPubWorld돋움체 Light" panose="00000300000000000000" pitchFamily="2" charset="-127"/>
+                <a:cs typeface="KoPubWorld돋움체 Light" panose="00000300000000000000" pitchFamily="2" charset="-127"/>
+              </a:rPr>
+              <a:t>애니원</a:t>
+            </a:r>
+            <a:r>
+              <a:rPr lang="ko-KR" altLang="en-US" sz="3200" dirty="0" smtClean="0">
+                <a:latin typeface="KoPubWorld돋움체 Light" panose="00000300000000000000" pitchFamily="2" charset="-127"/>
+                <a:ea typeface="KoPubWorld돋움체 Light" panose="00000300000000000000" pitchFamily="2" charset="-127"/>
+                <a:cs typeface="KoPubWorld돋움체 Light" panose="00000300000000000000" pitchFamily="2" charset="-127"/>
+              </a:rPr>
+              <a:t> 고등학교 게임과 </a:t>
+            </a:r>
+            <a:r>
+              <a:rPr lang="en-US" altLang="ko-KR" sz="3200" dirty="0" smtClean="0">
+                <a:latin typeface="KoPubWorld돋움체 Light" panose="00000300000000000000" pitchFamily="2" charset="-127"/>
+                <a:ea typeface="KoPubWorld돋움체 Light" panose="00000300000000000000" pitchFamily="2" charset="-127"/>
+                <a:cs typeface="KoPubWorld돋움체 Light" panose="00000300000000000000" pitchFamily="2" charset="-127"/>
+              </a:rPr>
+              <a:t>15</a:t>
+            </a:r>
+            <a:r>
+              <a:rPr lang="ko-KR" altLang="en-US" sz="3200" dirty="0" smtClean="0">
+                <a:latin typeface="KoPubWorld돋움체 Light" panose="00000300000000000000" pitchFamily="2" charset="-127"/>
+                <a:ea typeface="KoPubWorld돋움체 Light" panose="00000300000000000000" pitchFamily="2" charset="-127"/>
+                <a:cs typeface="KoPubWorld돋움체 Light" panose="00000300000000000000" pitchFamily="2" charset="-127"/>
+              </a:rPr>
+              <a:t>기 이민섭</a:t>
+            </a:r>
+            <a:endParaRPr lang="en-US" altLang="ko-KR" sz="3200" dirty="0" smtClean="0">
+              <a:latin typeface="KoPubWorld돋움체 Light" panose="00000300000000000000" pitchFamily="2" charset="-127"/>
+              <a:ea typeface="KoPubWorld돋움체 Light" panose="00000300000000000000" pitchFamily="2" charset="-127"/>
+              <a:cs typeface="KoPubWorld돋움체 Light" panose="00000300000000000000" pitchFamily="2" charset="-127"/>
+            </a:endParaRPr>
+          </a:p>
+          <a:p>
+            <a:r>
+              <a:rPr lang="en-US" altLang="ko-KR" sz="3200" dirty="0" smtClean="0">
+                <a:latin typeface="KoPubWorld돋움체 Light" panose="00000300000000000000" pitchFamily="2" charset="-127"/>
+                <a:ea typeface="KoPubWorld돋움체 Light" panose="00000300000000000000" pitchFamily="2" charset="-127"/>
+                <a:cs typeface="KoPubWorld돋움체 Light" panose="00000300000000000000" pitchFamily="2" charset="-127"/>
+              </a:rPr>
+              <a:t>2018</a:t>
+            </a:r>
+            <a:r>
+              <a:rPr lang="ko-KR" altLang="en-US" sz="3200" dirty="0" smtClean="0">
+                <a:latin typeface="KoPubWorld돋움체 Light" panose="00000300000000000000" pitchFamily="2" charset="-127"/>
+                <a:ea typeface="KoPubWorld돋움체 Light" panose="00000300000000000000" pitchFamily="2" charset="-127"/>
+                <a:cs typeface="KoPubWorld돋움체 Light" panose="00000300000000000000" pitchFamily="2" charset="-127"/>
+              </a:rPr>
+              <a:t>년 지방 기능 장려상</a:t>
+            </a:r>
+            <a:endParaRPr lang="en-US" altLang="ko-KR" sz="3200" dirty="0">
+              <a:latin typeface="KoPubWorld돋움체 Light" panose="00000300000000000000" pitchFamily="2" charset="-127"/>
+              <a:ea typeface="KoPubWorld돋움체 Light" panose="00000300000000000000" pitchFamily="2" charset="-127"/>
+              <a:cs typeface="KoPubWorld돋움체 Light" panose="00000300000000000000" pitchFamily="2" charset="-127"/>
+            </a:endParaRPr>
+          </a:p>
+          <a:p>
+            <a:r>
+              <a:rPr lang="en-US" altLang="ko-KR" sz="3200" dirty="0" smtClean="0">
+                <a:latin typeface="KoPubWorld돋움체 Light" panose="00000300000000000000" pitchFamily="2" charset="-127"/>
+                <a:ea typeface="KoPubWorld돋움체 Light" panose="00000300000000000000" pitchFamily="2" charset="-127"/>
+                <a:cs typeface="KoPubWorld돋움체 Light" panose="00000300000000000000" pitchFamily="2" charset="-127"/>
+              </a:rPr>
+              <a:t>2019</a:t>
+            </a:r>
+            <a:r>
+              <a:rPr lang="ko-KR" altLang="en-US" sz="3200" dirty="0" smtClean="0">
+                <a:latin typeface="KoPubWorld돋움체 Light" panose="00000300000000000000" pitchFamily="2" charset="-127"/>
+                <a:ea typeface="KoPubWorld돋움체 Light" panose="00000300000000000000" pitchFamily="2" charset="-127"/>
+                <a:cs typeface="KoPubWorld돋움체 Light" panose="00000300000000000000" pitchFamily="2" charset="-127"/>
+              </a:rPr>
+              <a:t>년 지방 기능 은상</a:t>
+            </a:r>
+            <a:endParaRPr lang="en-US" altLang="ko-KR" sz="3200" dirty="0" smtClean="0">
+              <a:latin typeface="KoPubWorld돋움체 Light" panose="00000300000000000000" pitchFamily="2" charset="-127"/>
+              <a:ea typeface="KoPubWorld돋움체 Light" panose="00000300000000000000" pitchFamily="2" charset="-127"/>
+              <a:cs typeface="KoPubWorld돋움체 Light" panose="00000300000000000000" pitchFamily="2" charset="-127"/>
+            </a:endParaRPr>
+          </a:p>
+          <a:p>
+            <a:r>
+              <a:rPr lang="en-US" altLang="ko-KR" sz="3200" dirty="0" smtClean="0">
+                <a:latin typeface="KoPubWorld돋움체 Light" panose="00000300000000000000" pitchFamily="2" charset="-127"/>
+                <a:ea typeface="KoPubWorld돋움체 Light" panose="00000300000000000000" pitchFamily="2" charset="-127"/>
+                <a:cs typeface="KoPubWorld돋움체 Light" panose="00000300000000000000" pitchFamily="2" charset="-127"/>
+              </a:rPr>
+              <a:t>2019</a:t>
+            </a:r>
+            <a:r>
+              <a:rPr lang="ko-KR" altLang="en-US" sz="3200" dirty="0" smtClean="0">
+                <a:latin typeface="KoPubWorld돋움체 Light" panose="00000300000000000000" pitchFamily="2" charset="-127"/>
+                <a:ea typeface="KoPubWorld돋움체 Light" panose="00000300000000000000" pitchFamily="2" charset="-127"/>
+                <a:cs typeface="KoPubWorld돋움체 Light" panose="00000300000000000000" pitchFamily="2" charset="-127"/>
+              </a:rPr>
+              <a:t>년 전국 기능 장려상</a:t>
+            </a:r>
+            <a:endParaRPr lang="en-US" altLang="ko-KR" sz="3200" dirty="0" smtClean="0">
+              <a:latin typeface="KoPubWorld돋움체 Light" panose="00000300000000000000" pitchFamily="2" charset="-127"/>
+              <a:ea typeface="KoPubWorld돋움체 Light" panose="00000300000000000000" pitchFamily="2" charset="-127"/>
+              <a:cs typeface="KoPubWorld돋움체 Light" panose="00000300000000000000" pitchFamily="2" charset="-127"/>
+            </a:endParaRPr>
+          </a:p>
+          <a:p>
+            <a:r>
+              <a:rPr lang="ko-KR" altLang="en-US" sz="3200" dirty="0" err="1" smtClean="0">
+                <a:latin typeface="KoPubWorld돋움체 Light" panose="00000300000000000000" pitchFamily="2" charset="-127"/>
+                <a:ea typeface="KoPubWorld돋움체 Light" panose="00000300000000000000" pitchFamily="2" charset="-127"/>
+                <a:cs typeface="KoPubWorld돋움체 Light" panose="00000300000000000000" pitchFamily="2" charset="-127"/>
+              </a:rPr>
+              <a:t>레드사하라</a:t>
+            </a:r>
+            <a:r>
+              <a:rPr lang="ko-KR" altLang="en-US" sz="3200" dirty="0" smtClean="0">
+                <a:latin typeface="KoPubWorld돋움체 Light" panose="00000300000000000000" pitchFamily="2" charset="-127"/>
+                <a:ea typeface="KoPubWorld돋움체 Light" panose="00000300000000000000" pitchFamily="2" charset="-127"/>
+                <a:cs typeface="KoPubWorld돋움체 Light" panose="00000300000000000000" pitchFamily="2" charset="-127"/>
+              </a:rPr>
+              <a:t> 스튜디오 </a:t>
+            </a:r>
+            <a:r>
+              <a:rPr lang="en-US" altLang="ko-KR" sz="3200" dirty="0" smtClean="0">
+                <a:latin typeface="KoPubWorld돋움체 Light" panose="00000300000000000000" pitchFamily="2" charset="-127"/>
+                <a:ea typeface="KoPubWorld돋움체 Light" panose="00000300000000000000" pitchFamily="2" charset="-127"/>
+                <a:cs typeface="KoPubWorld돋움체 Light" panose="00000300000000000000" pitchFamily="2" charset="-127"/>
+              </a:rPr>
+              <a:t>2</a:t>
+            </a:r>
+            <a:r>
+              <a:rPr lang="ko-KR" altLang="en-US" sz="3200" dirty="0" smtClean="0">
+                <a:latin typeface="KoPubWorld돋움체 Light" panose="00000300000000000000" pitchFamily="2" charset="-127"/>
+                <a:ea typeface="KoPubWorld돋움체 Light" panose="00000300000000000000" pitchFamily="2" charset="-127"/>
+                <a:cs typeface="KoPubWorld돋움체 Light" panose="00000300000000000000" pitchFamily="2" charset="-127"/>
+              </a:rPr>
+              <a:t>차 면접 남음</a:t>
+            </a:r>
+            <a:endParaRPr lang="ko-KR" altLang="en-US" sz="3200" dirty="0">
+              <a:latin typeface="KoPubWorld돋움체 Light" panose="00000300000000000000" pitchFamily="2" charset="-127"/>
+              <a:ea typeface="KoPubWorld돋움체 Light" panose="00000300000000000000" pitchFamily="2" charset="-127"/>
+              <a:cs typeface="KoPubWorld돋움체 Light" panose="00000300000000000000" pitchFamily="2" charset="-127"/>
+            </a:endParaRPr>
+          </a:p>
+        </p:txBody>
+      </p:sp>
+      <p:pic>
+        <p:nvPicPr>
+          <p:cNvPr id="5" name="그림 4"/>
+          <p:cNvPicPr>
+            <a:picLocks noChangeAspect="1"/>
+          </p:cNvPicPr>
+          <p:nvPr/>
+        </p:nvPicPr>
+        <p:blipFill>
+          <a:blip r:embed="rId2">
+            <a:extLst>
+              <a:ext uri="{28A0092B-C50C-407E-A947-70E740481C1C}">
+                <a14:useLocalDpi xmlns:a14="http://schemas.microsoft.com/office/drawing/2010/main" val="0"/>
+              </a:ext>
+            </a:extLst>
+          </a:blip>
+          <a:stretch>
+            <a:fillRect/>
+          </a:stretch>
+        </p:blipFill>
+        <p:spPr>
+          <a:xfrm>
+            <a:off x="7992207" y="1471978"/>
+            <a:ext cx="3932361" cy="2502412"/>
+          </a:xfrm>
+          <a:prstGeom prst="rect">
+            <a:avLst/>
+          </a:prstGeom>
+        </p:spPr>
+      </p:pic>
+    </p:spTree>
+    <p:extLst>
+      <p:ext uri="{BB962C8B-B14F-4D97-AF65-F5344CB8AC3E}">
+        <p14:creationId xmlns:p14="http://schemas.microsoft.com/office/powerpoint/2010/main" val="299954733"/>
+      </p:ext>
+    </p:extLst>
+  </p:cSld>
+  <p:clrMapOvr>
+    <a:masterClrMapping/>
+  </p:clrMapOvr>
+</p:sld>
+</file>
+
+<file path=ppt/slides/slide20.xml><?xml version="1.0" encoding="utf-8"?>
 <p:sld xmlns:a="http://schemas.openxmlformats.org/drawingml/2006/main" xmlns:r="http://schemas.openxmlformats.org/officeDocument/2006/relationships" xmlns:p="http://schemas.openxmlformats.org/presentationml/2006/main">
   <p:cSld>
     <p:spTree>
@@ -9284,7 +10001,7 @@
 </p:sld>
 </file>
 
-<file path=ppt/slides/slide18.xml><?xml version="1.0" encoding="utf-8"?>
+<file path=ppt/slides/slide21.xml><?xml version="1.0" encoding="utf-8"?>
 <p:sld xmlns:a="http://schemas.openxmlformats.org/drawingml/2006/main" xmlns:r="http://schemas.openxmlformats.org/officeDocument/2006/relationships" xmlns:p="http://schemas.openxmlformats.org/presentationml/2006/main">
   <p:cSld>
     <p:spTree>
@@ -9624,7 +10341,7 @@
 </p:sld>
 </file>
 
-<file path=ppt/slides/slide19.xml><?xml version="1.0" encoding="utf-8"?>
+<file path=ppt/slides/slide22.xml><?xml version="1.0" encoding="utf-8"?>
 <p:sld xmlns:a="http://schemas.openxmlformats.org/drawingml/2006/main" xmlns:r="http://schemas.openxmlformats.org/officeDocument/2006/relationships" xmlns:p="http://schemas.openxmlformats.org/presentationml/2006/main">
   <p:cSld>
     <p:spTree>
@@ -9979,7 +10696,7 @@
 </p:sld>
 </file>
 
-<file path=ppt/slides/slide2.xml><?xml version="1.0" encoding="utf-8"?>
+<file path=ppt/slides/slide23.xml><?xml version="1.0" encoding="utf-8"?>
 <p:sld xmlns:a="http://schemas.openxmlformats.org/drawingml/2006/main" xmlns:r="http://schemas.openxmlformats.org/officeDocument/2006/relationships" xmlns:p="http://schemas.openxmlformats.org/presentationml/2006/main">
   <p:cSld>
     <p:spTree>
@@ -10008,25 +10725,25 @@
         </p:nvSpPr>
         <p:spPr>
           <a:xfrm>
-            <a:off x="1484309" y="0"/>
+            <a:off x="1176579" y="2426677"/>
             <a:ext cx="10018713" cy="1752599"/>
           </a:xfrm>
         </p:spPr>
         <p:txBody>
           <a:bodyPr>
-            <a:normAutofit/>
+            <a:noAutofit/>
           </a:bodyPr>
           <a:lstStyle/>
           <a:p>
             <a:r>
-              <a:rPr lang="ko-KR" altLang="en-US" sz="6000" dirty="0" smtClean="0">
-                <a:latin typeface="KoPubWorld돋움체 Light" panose="00000300000000000000" pitchFamily="2" charset="-127"/>
-                <a:ea typeface="KoPubWorld돋움체 Light" panose="00000300000000000000" pitchFamily="2" charset="-127"/>
-                <a:cs typeface="KoPubWorld돋움체 Light" panose="00000300000000000000" pitchFamily="2" charset="-127"/>
-              </a:rPr>
-              <a:t>우리가 배울 것</a:t>
-            </a:r>
-            <a:endParaRPr lang="ko-KR" altLang="en-US" sz="6000" dirty="0">
+              <a:rPr lang="ko-KR" altLang="en-US" sz="5400" dirty="0" smtClean="0">
+                <a:latin typeface="KoPubWorld돋움체 Light" panose="00000300000000000000" pitchFamily="2" charset="-127"/>
+                <a:ea typeface="KoPubWorld돋움체 Light" panose="00000300000000000000" pitchFamily="2" charset="-127"/>
+                <a:cs typeface="KoPubWorld돋움체 Light" panose="00000300000000000000" pitchFamily="2" charset="-127"/>
+              </a:rPr>
+              <a:t>게임 엔진 만들기</a:t>
+            </a:r>
+            <a:endParaRPr lang="ko-KR" altLang="en-US" sz="5400" dirty="0">
               <a:latin typeface="KoPubWorld돋움체 Light" panose="00000300000000000000" pitchFamily="2" charset="-127"/>
               <a:ea typeface="KoPubWorld돋움체 Light" panose="00000300000000000000" pitchFamily="2" charset="-127"/>
               <a:cs typeface="KoPubWorld돋움체 Light" panose="00000300000000000000" pitchFamily="2" charset="-127"/>
@@ -10034,141 +10751,10 @@
           </a:p>
         </p:txBody>
       </p:sp>
-      <p:sp>
-        <p:nvSpPr>
-          <p:cNvPr id="3" name="내용 개체 틀 2"/>
-          <p:cNvSpPr>
-            <a:spLocks noGrp="1"/>
-          </p:cNvSpPr>
-          <p:nvPr>
-            <p:ph idx="1"/>
-          </p:nvPr>
-        </p:nvSpPr>
-        <p:spPr>
-          <a:xfrm>
-            <a:off x="1484309" y="2684584"/>
-            <a:ext cx="10018713" cy="3124201"/>
-          </a:xfrm>
-        </p:spPr>
-        <p:txBody>
-          <a:bodyPr>
-            <a:noAutofit/>
-          </a:bodyPr>
-          <a:lstStyle/>
-          <a:p>
-            <a:r>
-              <a:rPr lang="en-US" altLang="ko-KR" sz="3200" dirty="0">
-                <a:latin typeface="KoPubWorld돋움체 Light" panose="00000300000000000000" pitchFamily="2" charset="-127"/>
-                <a:ea typeface="KoPubWorld돋움체 Light" panose="00000300000000000000" pitchFamily="2" charset="-127"/>
-                <a:cs typeface="KoPubWorld돋움체 Light" panose="00000300000000000000" pitchFamily="2" charset="-127"/>
-              </a:rPr>
-              <a:t>GitHub </a:t>
-            </a:r>
-            <a:r>
-              <a:rPr lang="ko-KR" altLang="en-US" sz="3200" dirty="0" smtClean="0">
-                <a:latin typeface="KoPubWorld돋움체 Light" panose="00000300000000000000" pitchFamily="2" charset="-127"/>
-                <a:ea typeface="KoPubWorld돋움체 Light" panose="00000300000000000000" pitchFamily="2" charset="-127"/>
-                <a:cs typeface="KoPubWorld돋움체 Light" panose="00000300000000000000" pitchFamily="2" charset="-127"/>
-              </a:rPr>
-              <a:t>사용법</a:t>
-            </a:r>
-            <a:endParaRPr lang="en-US" altLang="ko-KR" sz="3200" dirty="0" smtClean="0">
-              <a:latin typeface="KoPubWorld돋움체 Light" panose="00000300000000000000" pitchFamily="2" charset="-127"/>
-              <a:ea typeface="KoPubWorld돋움체 Light" panose="00000300000000000000" pitchFamily="2" charset="-127"/>
-              <a:cs typeface="KoPubWorld돋움체 Light" panose="00000300000000000000" pitchFamily="2" charset="-127"/>
-            </a:endParaRPr>
-          </a:p>
-          <a:p>
-            <a:r>
-              <a:rPr lang="ko-KR" altLang="en-US" sz="3200" dirty="0" err="1">
-                <a:latin typeface="KoPubWorld돋움체 Light" panose="00000300000000000000" pitchFamily="2" charset="-127"/>
-                <a:ea typeface="KoPubWorld돋움체 Light" panose="00000300000000000000" pitchFamily="2" charset="-127"/>
-                <a:cs typeface="KoPubWorld돋움체 Light" panose="00000300000000000000" pitchFamily="2" charset="-127"/>
-              </a:rPr>
-              <a:t>실전압축</a:t>
-            </a:r>
-            <a:r>
-              <a:rPr lang="ko-KR" altLang="en-US" sz="3200" dirty="0">
-                <a:latin typeface="KoPubWorld돋움체 Light" panose="00000300000000000000" pitchFamily="2" charset="-127"/>
-                <a:ea typeface="KoPubWorld돋움체 Light" panose="00000300000000000000" pitchFamily="2" charset="-127"/>
-                <a:cs typeface="KoPubWorld돋움체 Light" panose="00000300000000000000" pitchFamily="2" charset="-127"/>
-              </a:rPr>
-              <a:t> </a:t>
-            </a:r>
-            <a:r>
-              <a:rPr lang="ko-KR" altLang="en-US" sz="3200" dirty="0" smtClean="0">
-                <a:latin typeface="KoPubWorld돋움체 Light" panose="00000300000000000000" pitchFamily="2" charset="-127"/>
-                <a:ea typeface="KoPubWorld돋움체 Light" panose="00000300000000000000" pitchFamily="2" charset="-127"/>
-                <a:cs typeface="KoPubWorld돋움체 Light" panose="00000300000000000000" pitchFamily="2" charset="-127"/>
-              </a:rPr>
-              <a:t>단축키</a:t>
-            </a:r>
-            <a:endParaRPr lang="en-US" altLang="ko-KR" sz="3200" dirty="0" smtClean="0">
-              <a:latin typeface="KoPubWorld돋움체 Light" panose="00000300000000000000" pitchFamily="2" charset="-127"/>
-              <a:ea typeface="KoPubWorld돋움체 Light" panose="00000300000000000000" pitchFamily="2" charset="-127"/>
-              <a:cs typeface="KoPubWorld돋움체 Light" panose="00000300000000000000" pitchFamily="2" charset="-127"/>
-            </a:endParaRPr>
-          </a:p>
-          <a:p>
-            <a:r>
-              <a:rPr lang="en-US" altLang="ko-KR" sz="3200" dirty="0" smtClean="0">
-                <a:latin typeface="KoPubWorld돋움체 Light" panose="00000300000000000000" pitchFamily="2" charset="-127"/>
-                <a:ea typeface="KoPubWorld돋움체 Light" panose="00000300000000000000" pitchFamily="2" charset="-127"/>
-                <a:cs typeface="KoPubWorld돋움체 Light" panose="00000300000000000000" pitchFamily="2" charset="-127"/>
-              </a:rPr>
-              <a:t>Directx9</a:t>
-            </a:r>
-          </a:p>
-          <a:p>
-            <a:r>
-              <a:rPr lang="en-US" altLang="ko-KR" sz="3200" dirty="0" smtClean="0">
-                <a:latin typeface="KoPubWorld돋움체 Light" panose="00000300000000000000" pitchFamily="2" charset="-127"/>
-                <a:ea typeface="KoPubWorld돋움체 Light" panose="00000300000000000000" pitchFamily="2" charset="-127"/>
-                <a:cs typeface="KoPubWorld돋움체 Light" panose="00000300000000000000" pitchFamily="2" charset="-127"/>
-              </a:rPr>
-              <a:t>C++ STL</a:t>
-            </a:r>
-          </a:p>
-          <a:p>
-            <a:r>
-              <a:rPr lang="ko-KR" altLang="en-US" sz="3200" dirty="0" smtClean="0">
-                <a:latin typeface="KoPubWorld돋움체 Light" panose="00000300000000000000" pitchFamily="2" charset="-127"/>
-                <a:ea typeface="KoPubWorld돋움체 Light" panose="00000300000000000000" pitchFamily="2" charset="-127"/>
-                <a:cs typeface="KoPubWorld돋움체 Light" panose="00000300000000000000" pitchFamily="2" charset="-127"/>
-              </a:rPr>
-              <a:t>컴포넌트와 </a:t>
-            </a:r>
-            <a:r>
-              <a:rPr lang="ko-KR" altLang="en-US" sz="3200" dirty="0" err="1" smtClean="0">
-                <a:latin typeface="KoPubWorld돋움체 Light" panose="00000300000000000000" pitchFamily="2" charset="-127"/>
-                <a:ea typeface="KoPubWorld돋움체 Light" panose="00000300000000000000" pitchFamily="2" charset="-127"/>
-                <a:cs typeface="KoPubWorld돋움체 Light" panose="00000300000000000000" pitchFamily="2" charset="-127"/>
-              </a:rPr>
-              <a:t>싱글톤</a:t>
-            </a:r>
-            <a:endParaRPr lang="en-US" altLang="ko-KR" sz="3200" dirty="0" smtClean="0">
-              <a:latin typeface="KoPubWorld돋움체 Light" panose="00000300000000000000" pitchFamily="2" charset="-127"/>
-              <a:ea typeface="KoPubWorld돋움체 Light" panose="00000300000000000000" pitchFamily="2" charset="-127"/>
-              <a:cs typeface="KoPubWorld돋움체 Light" panose="00000300000000000000" pitchFamily="2" charset="-127"/>
-            </a:endParaRPr>
-          </a:p>
-          <a:p>
-            <a:r>
-              <a:rPr lang="ko-KR" altLang="en-US" sz="3200" dirty="0" smtClean="0">
-                <a:latin typeface="KoPubWorld돋움체 Light" panose="00000300000000000000" pitchFamily="2" charset="-127"/>
-                <a:ea typeface="KoPubWorld돋움체 Light" panose="00000300000000000000" pitchFamily="2" charset="-127"/>
-                <a:cs typeface="KoPubWorld돋움체 Light" panose="00000300000000000000" pitchFamily="2" charset="-127"/>
-              </a:rPr>
-              <a:t>기타 등등 알면 좋은 것들</a:t>
-            </a:r>
-            <a:endParaRPr lang="en-US" altLang="ko-KR" sz="3200" dirty="0"/>
-          </a:p>
-        </p:txBody>
-      </p:sp>
     </p:spTree>
     <p:extLst>
       <p:ext uri="{BB962C8B-B14F-4D97-AF65-F5344CB8AC3E}">
-        <p14:creationId xmlns:p14="http://schemas.microsoft.com/office/powerpoint/2010/main" val="2737126097"/>
+        <p14:creationId xmlns:p14="http://schemas.microsoft.com/office/powerpoint/2010/main" val="432938037"/>
       </p:ext>
     </p:extLst>
   </p:cSld>
@@ -10178,7 +10764,7 @@
 </p:sld>
 </file>
 
-<file path=ppt/slides/slide20.xml><?xml version="1.0" encoding="utf-8"?>
+<file path=ppt/slides/slide24.xml><?xml version="1.0" encoding="utf-8"?>
 <p:sld xmlns:a="http://schemas.openxmlformats.org/drawingml/2006/main" xmlns:r="http://schemas.openxmlformats.org/officeDocument/2006/relationships" xmlns:p="http://schemas.openxmlformats.org/presentationml/2006/main">
   <p:cSld>
     <p:spTree>
@@ -10256,14 +10842,14 @@
           <a:lstStyle/>
           <a:p>
             <a:r>
-              <a:rPr lang="ko-KR" altLang="en-US" sz="2800" dirty="0" smtClean="0">
+              <a:rPr lang="ko-KR" altLang="en-US" sz="3200" dirty="0" smtClean="0">
                 <a:latin typeface="KoPubWorld돋움체 Light" panose="00000300000000000000" pitchFamily="2" charset="-127"/>
                 <a:ea typeface="KoPubWorld돋움체 Light" panose="00000300000000000000" pitchFamily="2" charset="-127"/>
                 <a:cs typeface="KoPubWorld돋움체 Light" panose="00000300000000000000" pitchFamily="2" charset="-127"/>
               </a:rPr>
               <a:t>코드는 엔진 구조와 카메라 부분만 외우면 됨</a:t>
             </a:r>
-            <a:endParaRPr lang="en-US" altLang="ko-KR" sz="2800" dirty="0" smtClean="0">
+            <a:endParaRPr lang="en-US" altLang="ko-KR" sz="3200" dirty="0" smtClean="0">
               <a:latin typeface="KoPubWorld돋움체 Light" panose="00000300000000000000" pitchFamily="2" charset="-127"/>
               <a:ea typeface="KoPubWorld돋움체 Light" panose="00000300000000000000" pitchFamily="2" charset="-127"/>
               <a:cs typeface="KoPubWorld돋움체 Light" panose="00000300000000000000" pitchFamily="2" charset="-127"/>
@@ -10271,7 +10857,7 @@
           </a:p>
           <a:p>
             <a:r>
-              <a:rPr lang="ko-KR" altLang="en-US" sz="2800" dirty="0" smtClean="0">
+              <a:rPr lang="ko-KR" altLang="en-US" sz="3200" dirty="0" smtClean="0">
                 <a:latin typeface="KoPubWorld돋움체 Light" panose="00000300000000000000" pitchFamily="2" charset="-127"/>
                 <a:ea typeface="KoPubWorld돋움체 Light" panose="00000300000000000000" pitchFamily="2" charset="-127"/>
                 <a:cs typeface="KoPubWorld돋움체 Light" panose="00000300000000000000" pitchFamily="2" charset="-127"/>
@@ -10279,7 +10865,7 @@
               <a:t>사실 한번 만들어 보면 </a:t>
             </a:r>
             <a:r>
-              <a:rPr lang="ko-KR" altLang="en-US" sz="2800" dirty="0" err="1" smtClean="0">
+              <a:rPr lang="ko-KR" altLang="en-US" sz="3200" dirty="0" err="1" smtClean="0">
                 <a:latin typeface="KoPubWorld돋움체 Light" panose="00000300000000000000" pitchFamily="2" charset="-127"/>
                 <a:ea typeface="KoPubWorld돋움체 Light" panose="00000300000000000000" pitchFamily="2" charset="-127"/>
                 <a:cs typeface="KoPubWorld돋움체 Light" panose="00000300000000000000" pitchFamily="2" charset="-127"/>
@@ -10287,14 +10873,14 @@
               <a:t>외울것도</a:t>
             </a:r>
             <a:r>
-              <a:rPr lang="ko-KR" altLang="en-US" sz="2800" dirty="0" smtClean="0">
+              <a:rPr lang="ko-KR" altLang="en-US" sz="3200" dirty="0" smtClean="0">
                 <a:latin typeface="KoPubWorld돋움체 Light" panose="00000300000000000000" pitchFamily="2" charset="-127"/>
                 <a:ea typeface="KoPubWorld돋움체 Light" panose="00000300000000000000" pitchFamily="2" charset="-127"/>
                 <a:cs typeface="KoPubWorld돋움체 Light" panose="00000300000000000000" pitchFamily="2" charset="-127"/>
               </a:rPr>
               <a:t> 없음</a:t>
             </a:r>
-            <a:endParaRPr lang="en-US" altLang="ko-KR" sz="2800" dirty="0" smtClean="0">
+            <a:endParaRPr lang="en-US" altLang="ko-KR" sz="3200" dirty="0" smtClean="0">
               <a:latin typeface="KoPubWorld돋움체 Light" panose="00000300000000000000" pitchFamily="2" charset="-127"/>
               <a:ea typeface="KoPubWorld돋움체 Light" panose="00000300000000000000" pitchFamily="2" charset="-127"/>
               <a:cs typeface="KoPubWorld돋움체 Light" panose="00000300000000000000" pitchFamily="2" charset="-127"/>
@@ -10302,7 +10888,7 @@
           </a:p>
           <a:p>
             <a:r>
-              <a:rPr lang="ko-KR" altLang="en-US" sz="2800" dirty="0" err="1" smtClean="0">
+              <a:rPr lang="ko-KR" altLang="en-US" sz="3200" dirty="0" err="1" smtClean="0">
                 <a:latin typeface="KoPubWorld돋움체 Light" panose="00000300000000000000" pitchFamily="2" charset="-127"/>
                 <a:ea typeface="KoPubWorld돋움체 Light" panose="00000300000000000000" pitchFamily="2" charset="-127"/>
                 <a:cs typeface="KoPubWorld돋움체 Light" panose="00000300000000000000" pitchFamily="2" charset="-127"/>
@@ -10310,14 +10896,14 @@
               <a:t>다렉</a:t>
             </a:r>
             <a:r>
-              <a:rPr lang="ko-KR" altLang="en-US" sz="2800" dirty="0" smtClean="0">
+              <a:rPr lang="ko-KR" altLang="en-US" sz="3200" dirty="0" smtClean="0">
                 <a:latin typeface="KoPubWorld돋움체 Light" panose="00000300000000000000" pitchFamily="2" charset="-127"/>
                 <a:ea typeface="KoPubWorld돋움체 Light" panose="00000300000000000000" pitchFamily="2" charset="-127"/>
                 <a:cs typeface="KoPubWorld돋움체 Light" panose="00000300000000000000" pitchFamily="2" charset="-127"/>
               </a:rPr>
               <a:t> 초기화 코드는 도큐먼트에 있음</a:t>
             </a:r>
-            <a:endParaRPr lang="en-US" altLang="ko-KR" sz="2800" dirty="0" smtClean="0">
+            <a:endParaRPr lang="en-US" altLang="ko-KR" sz="3200" dirty="0" smtClean="0">
               <a:latin typeface="KoPubWorld돋움체 Light" panose="00000300000000000000" pitchFamily="2" charset="-127"/>
               <a:ea typeface="KoPubWorld돋움체 Light" panose="00000300000000000000" pitchFamily="2" charset="-127"/>
               <a:cs typeface="KoPubWorld돋움체 Light" panose="00000300000000000000" pitchFamily="2" charset="-127"/>
@@ -10325,14 +10911,14 @@
           </a:p>
           <a:p>
             <a:r>
-              <a:rPr lang="ko-KR" altLang="en-US" sz="2800" dirty="0" smtClean="0">
+              <a:rPr lang="ko-KR" altLang="en-US" sz="3200" dirty="0" smtClean="0">
                 <a:latin typeface="KoPubWorld돋움체 Light" panose="00000300000000000000" pitchFamily="2" charset="-127"/>
                 <a:ea typeface="KoPubWorld돋움체 Light" panose="00000300000000000000" pitchFamily="2" charset="-127"/>
                 <a:cs typeface="KoPubWorld돋움체 Light" panose="00000300000000000000" pitchFamily="2" charset="-127"/>
               </a:rPr>
               <a:t>무작정 외우지 말고 동작을 이해하는게 제일 중요함</a:t>
             </a:r>
-            <a:endParaRPr lang="en-US" altLang="ko-KR" sz="2800" dirty="0">
+            <a:endParaRPr lang="en-US" altLang="ko-KR" sz="3200" dirty="0">
               <a:latin typeface="KoPubWorld돋움체 Light" panose="00000300000000000000" pitchFamily="2" charset="-127"/>
               <a:ea typeface="KoPubWorld돋움체 Light" panose="00000300000000000000" pitchFamily="2" charset="-127"/>
               <a:cs typeface="KoPubWorld돋움체 Light" panose="00000300000000000000" pitchFamily="2" charset="-127"/>
@@ -10353,7 +10939,7 @@
 </p:sld>
 </file>
 
-<file path=ppt/slides/slide21.xml><?xml version="1.0" encoding="utf-8"?>
+<file path=ppt/slides/slide25.xml><?xml version="1.0" encoding="utf-8"?>
 <p:sld xmlns:a="http://schemas.openxmlformats.org/drawingml/2006/main" xmlns:r="http://schemas.openxmlformats.org/officeDocument/2006/relationships" xmlns:p="http://schemas.openxmlformats.org/presentationml/2006/main">
   <p:cSld>
     <p:spTree>
@@ -10588,7 +11174,7 @@
 </p:sld>
 </file>
 
-<file path=ppt/slides/slide22.xml><?xml version="1.0" encoding="utf-8"?>
+<file path=ppt/slides/slide26.xml><?xml version="1.0" encoding="utf-8"?>
 <p:sld xmlns:a="http://schemas.openxmlformats.org/drawingml/2006/main" xmlns:r="http://schemas.openxmlformats.org/officeDocument/2006/relationships" xmlns:p="http://schemas.openxmlformats.org/presentationml/2006/main">
   <p:cSld>
     <p:spTree>
@@ -10845,7 +11431,7 @@
 </p:sld>
 </file>
 
-<file path=ppt/slides/slide23.xml><?xml version="1.0" encoding="utf-8"?>
+<file path=ppt/slides/slide27.xml><?xml version="1.0" encoding="utf-8"?>
 <p:sld xmlns:a="http://schemas.openxmlformats.org/drawingml/2006/main" xmlns:r="http://schemas.openxmlformats.org/officeDocument/2006/relationships" xmlns:p="http://schemas.openxmlformats.org/presentationml/2006/main">
   <p:cSld>
     <p:spTree>
@@ -11050,7 +11636,7 @@
 </p:sld>
 </file>
 
-<file path=ppt/slides/slide24.xml><?xml version="1.0" encoding="utf-8"?>
+<file path=ppt/slides/slide28.xml><?xml version="1.0" encoding="utf-8"?>
 <p:sld xmlns:a="http://schemas.openxmlformats.org/drawingml/2006/main" xmlns:r="http://schemas.openxmlformats.org/officeDocument/2006/relationships" xmlns:p="http://schemas.openxmlformats.org/presentationml/2006/main">
   <p:cSld>
     <p:spTree>
@@ -11160,7 +11746,101 @@
                 <a:ea typeface="KoPubWorld돋움체 Light" panose="00000300000000000000" pitchFamily="2" charset="-127"/>
                 <a:cs typeface="KoPubWorld돋움체 Light" panose="00000300000000000000" pitchFamily="2" charset="-127"/>
               </a:rPr>
-              <a:t>프로젝트로 불러와야 함 </a:t>
+              <a:t>프로젝트로 불러와야 </a:t>
+            </a:r>
+            <a:r>
+              <a:rPr lang="ko-KR" altLang="en-US" dirty="0" smtClean="0">
+                <a:latin typeface="KoPubWorld돋움체 Light" panose="00000300000000000000" pitchFamily="2" charset="-127"/>
+                <a:ea typeface="KoPubWorld돋움체 Light" panose="00000300000000000000" pitchFamily="2" charset="-127"/>
+                <a:cs typeface="KoPubWorld돋움체 Light" panose="00000300000000000000" pitchFamily="2" charset="-127"/>
+              </a:rPr>
+              <a:t>함</a:t>
+            </a:r>
+            <a:endParaRPr lang="en-US" altLang="ko-KR" dirty="0" smtClean="0">
+              <a:latin typeface="KoPubWorld돋움체 Light" panose="00000300000000000000" pitchFamily="2" charset="-127"/>
+              <a:ea typeface="KoPubWorld돋움체 Light" panose="00000300000000000000" pitchFamily="2" charset="-127"/>
+              <a:cs typeface="KoPubWorld돋움체 Light" panose="00000300000000000000" pitchFamily="2" charset="-127"/>
+            </a:endParaRPr>
+          </a:p>
+          <a:p>
+            <a:pPr marL="0" indent="0">
+              <a:buNone/>
+            </a:pPr>
+            <a:endParaRPr lang="en-US" altLang="ko-KR" dirty="0">
+              <a:latin typeface="KoPubWorld돋움체 Light" panose="00000300000000000000" pitchFamily="2" charset="-127"/>
+              <a:ea typeface="KoPubWorld돋움체 Light" panose="00000300000000000000" pitchFamily="2" charset="-127"/>
+              <a:cs typeface="KoPubWorld돋움체 Light" panose="00000300000000000000" pitchFamily="2" charset="-127"/>
+            </a:endParaRPr>
+          </a:p>
+          <a:p>
+            <a:pPr marL="0" indent="0">
+              <a:buNone/>
+            </a:pPr>
+            <a:r>
+              <a:rPr lang="en-US" altLang="ko-KR" dirty="0">
+                <a:latin typeface="KoPubWorld돋움체 Light" panose="00000300000000000000" pitchFamily="2" charset="-127"/>
+                <a:ea typeface="KoPubWorld돋움체 Light" panose="00000300000000000000" pitchFamily="2" charset="-127"/>
+                <a:cs typeface="KoPubWorld돋움체 Light" panose="00000300000000000000" pitchFamily="2" charset="-127"/>
+              </a:rPr>
+              <a:t>d</a:t>
+            </a:r>
+            <a:r>
+              <a:rPr lang="en-US" altLang="ko-KR" dirty="0" smtClean="0">
+                <a:latin typeface="KoPubWorld돋움체 Light" panose="00000300000000000000" pitchFamily="2" charset="-127"/>
+                <a:ea typeface="KoPubWorld돋움체 Light" panose="00000300000000000000" pitchFamily="2" charset="-127"/>
+                <a:cs typeface="KoPubWorld돋움체 Light" panose="00000300000000000000" pitchFamily="2" charset="-127"/>
+              </a:rPr>
+              <a:t>xguid.lib</a:t>
+            </a:r>
+          </a:p>
+          <a:p>
+            <a:pPr marL="0" indent="0">
+              <a:buNone/>
+            </a:pPr>
+            <a:r>
+              <a:rPr lang="en-US" altLang="ko-KR" dirty="0">
+                <a:latin typeface="KoPubWorld돋움체 Light" panose="00000300000000000000" pitchFamily="2" charset="-127"/>
+                <a:ea typeface="KoPubWorld돋움체 Light" panose="00000300000000000000" pitchFamily="2" charset="-127"/>
+                <a:cs typeface="KoPubWorld돋움체 Light" panose="00000300000000000000" pitchFamily="2" charset="-127"/>
+              </a:rPr>
+              <a:t>d</a:t>
+            </a:r>
+            <a:r>
+              <a:rPr lang="en-US" altLang="ko-KR" dirty="0" smtClean="0">
+                <a:latin typeface="KoPubWorld돋움체 Light" panose="00000300000000000000" pitchFamily="2" charset="-127"/>
+                <a:ea typeface="KoPubWorld돋움체 Light" panose="00000300000000000000" pitchFamily="2" charset="-127"/>
+                <a:cs typeface="KoPubWorld돋움체 Light" panose="00000300000000000000" pitchFamily="2" charset="-127"/>
+              </a:rPr>
+              <a:t>3d9.lib</a:t>
+            </a:r>
+          </a:p>
+          <a:p>
+            <a:pPr marL="0" indent="0">
+              <a:buNone/>
+            </a:pPr>
+            <a:r>
+              <a:rPr lang="en-US" altLang="ko-KR" dirty="0">
+                <a:latin typeface="KoPubWorld돋움체 Light" panose="00000300000000000000" pitchFamily="2" charset="-127"/>
+                <a:ea typeface="KoPubWorld돋움체 Light" panose="00000300000000000000" pitchFamily="2" charset="-127"/>
+                <a:cs typeface="KoPubWorld돋움체 Light" panose="00000300000000000000" pitchFamily="2" charset="-127"/>
+              </a:rPr>
+              <a:t>d</a:t>
+            </a:r>
+            <a:r>
+              <a:rPr lang="en-US" altLang="ko-KR" dirty="0" smtClean="0">
+                <a:latin typeface="KoPubWorld돋움체 Light" panose="00000300000000000000" pitchFamily="2" charset="-127"/>
+                <a:ea typeface="KoPubWorld돋움체 Light" panose="00000300000000000000" pitchFamily="2" charset="-127"/>
+                <a:cs typeface="KoPubWorld돋움체 Light" panose="00000300000000000000" pitchFamily="2" charset="-127"/>
+              </a:rPr>
+              <a:t>3dx9.lib</a:t>
+            </a:r>
+            <a:r>
+              <a:rPr lang="ko-KR" altLang="en-US" dirty="0" smtClean="0">
+                <a:latin typeface="KoPubWorld돋움체 Light" panose="00000300000000000000" pitchFamily="2" charset="-127"/>
+                <a:ea typeface="KoPubWorld돋움체 Light" panose="00000300000000000000" pitchFamily="2" charset="-127"/>
+                <a:cs typeface="KoPubWorld돋움체 Light" panose="00000300000000000000" pitchFamily="2" charset="-127"/>
+              </a:rPr>
+              <a:t> </a:t>
             </a:r>
             <a:endParaRPr lang="en-US" altLang="ko-KR" dirty="0" smtClean="0">
               <a:latin typeface="KoPubWorld돋움체 Light" panose="00000300000000000000" pitchFamily="2" charset="-127"/>
@@ -11213,7 +11893,7 @@
 </p:sld>
 </file>
 
-<file path=ppt/slides/slide25.xml><?xml version="1.0" encoding="utf-8"?>
+<file path=ppt/slides/slide29.xml><?xml version="1.0" encoding="utf-8"?>
 <p:sld xmlns:a="http://schemas.openxmlformats.org/drawingml/2006/main" xmlns:r="http://schemas.openxmlformats.org/officeDocument/2006/relationships" xmlns:p="http://schemas.openxmlformats.org/presentationml/2006/main">
   <p:cSld>
     <p:spTree>
@@ -11436,1275 +12116,6 @@
 </p:sld>
 </file>
 
-<file path=ppt/slides/slide26.xml><?xml version="1.0" encoding="utf-8"?>
-<p:sld xmlns:a="http://schemas.openxmlformats.org/drawingml/2006/main" xmlns:r="http://schemas.openxmlformats.org/officeDocument/2006/relationships" xmlns:p="http://schemas.openxmlformats.org/presentationml/2006/main">
-  <p:cSld>
-    <p:spTree>
-      <p:nvGrpSpPr>
-        <p:cNvPr id="1" name=""/>
-        <p:cNvGrpSpPr/>
-        <p:nvPr/>
-      </p:nvGrpSpPr>
-      <p:grpSpPr>
-        <a:xfrm>
-          <a:off x="0" y="0"/>
-          <a:ext cx="0" cy="0"/>
-          <a:chOff x="0" y="0"/>
-          <a:chExt cx="0" cy="0"/>
-        </a:xfrm>
-      </p:grpSpPr>
-      <p:sp>
-        <p:nvSpPr>
-          <p:cNvPr id="2" name="제목 1"/>
-          <p:cNvSpPr>
-            <a:spLocks noGrp="1"/>
-          </p:cNvSpPr>
-          <p:nvPr>
-            <p:ph type="title"/>
-          </p:nvPr>
-        </p:nvSpPr>
-        <p:spPr>
-          <a:xfrm>
-            <a:off x="1484310" y="0"/>
-            <a:ext cx="10018713" cy="1752599"/>
-          </a:xfrm>
-        </p:spPr>
-        <p:txBody>
-          <a:bodyPr/>
-          <a:lstStyle/>
-          <a:p>
-            <a:r>
-              <a:rPr lang="ko-KR" altLang="en-US" dirty="0" smtClean="0">
-                <a:latin typeface="KoPubWorld돋움체 Light" panose="00000300000000000000" pitchFamily="2" charset="-127"/>
-                <a:ea typeface="KoPubWorld돋움체 Light" panose="00000300000000000000" pitchFamily="2" charset="-127"/>
-                <a:cs typeface="KoPubWorld돋움체 Light" panose="00000300000000000000" pitchFamily="2" charset="-127"/>
-              </a:rPr>
-              <a:t>기본 코드 수정 </a:t>
-            </a:r>
-            <a:r>
-              <a:rPr lang="en-US" altLang="ko-KR" dirty="0" smtClean="0">
-                <a:latin typeface="KoPubWorld돋움체 Light" panose="00000300000000000000" pitchFamily="2" charset="-127"/>
-                <a:ea typeface="KoPubWorld돋움체 Light" panose="00000300000000000000" pitchFamily="2" charset="-127"/>
-                <a:cs typeface="KoPubWorld돋움체 Light" panose="00000300000000000000" pitchFamily="2" charset="-127"/>
-              </a:rPr>
-              <a:t>- 1</a:t>
-            </a:r>
-            <a:endParaRPr lang="ko-KR" altLang="en-US" dirty="0">
-              <a:latin typeface="KoPubWorld돋움체 Light" panose="00000300000000000000" pitchFamily="2" charset="-127"/>
-              <a:ea typeface="KoPubWorld돋움체 Light" panose="00000300000000000000" pitchFamily="2" charset="-127"/>
-              <a:cs typeface="KoPubWorld돋움체 Light" panose="00000300000000000000" pitchFamily="2" charset="-127"/>
-            </a:endParaRPr>
-          </a:p>
-        </p:txBody>
-      </p:sp>
-      <p:sp>
-        <p:nvSpPr>
-          <p:cNvPr id="3" name="내용 개체 틀 2"/>
-          <p:cNvSpPr>
-            <a:spLocks noGrp="1"/>
-          </p:cNvSpPr>
-          <p:nvPr>
-            <p:ph idx="1"/>
-          </p:nvPr>
-        </p:nvSpPr>
-        <p:spPr>
-          <a:xfrm>
-            <a:off x="937598" y="2142390"/>
-            <a:ext cx="10707690" cy="3124201"/>
-          </a:xfrm>
-        </p:spPr>
-        <p:txBody>
-          <a:bodyPr>
-            <a:normAutofit/>
-          </a:bodyPr>
-          <a:lstStyle/>
-          <a:p>
-            <a:pPr marL="0" indent="0">
-              <a:buNone/>
-            </a:pPr>
-            <a:endParaRPr lang="en-US" altLang="ko-KR" sz="1800" dirty="0" smtClean="0">
-              <a:latin typeface="KoPubWorld돋움체 Light" panose="00000300000000000000" pitchFamily="2" charset="-127"/>
-              <a:ea typeface="KoPubWorld돋움체 Light" panose="00000300000000000000" pitchFamily="2" charset="-127"/>
-              <a:cs typeface="KoPubWorld돋움체 Light" panose="00000300000000000000" pitchFamily="2" charset="-127"/>
-            </a:endParaRPr>
-          </a:p>
-          <a:p>
-            <a:pPr marL="0" indent="0">
-              <a:buNone/>
-            </a:pPr>
-            <a:r>
-              <a:rPr lang="ko-KR" altLang="en-US" sz="2000" dirty="0" smtClean="0">
-                <a:latin typeface="KoPubWorld돋움체 Light" panose="00000300000000000000" pitchFamily="2" charset="-127"/>
-                <a:ea typeface="KoPubWorld돋움체 Light" panose="00000300000000000000" pitchFamily="2" charset="-127"/>
-                <a:cs typeface="KoPubWorld돋움체 Light" panose="00000300000000000000" pitchFamily="2" charset="-127"/>
-              </a:rPr>
-              <a:t>기본 </a:t>
-            </a:r>
-            <a:r>
-              <a:rPr lang="en-US" altLang="ko-KR" sz="2000" dirty="0" smtClean="0">
-                <a:latin typeface="KoPubWorld돋움체 Light" panose="00000300000000000000" pitchFamily="2" charset="-127"/>
-                <a:ea typeface="KoPubWorld돋움체 Light" panose="00000300000000000000" pitchFamily="2" charset="-127"/>
-                <a:cs typeface="KoPubWorld돋움체 Light" panose="00000300000000000000" pitchFamily="2" charset="-127"/>
-              </a:rPr>
-              <a:t>Win32 </a:t>
-            </a:r>
-            <a:r>
-              <a:rPr lang="ko-KR" altLang="en-US" sz="2000" dirty="0" smtClean="0">
-                <a:latin typeface="KoPubWorld돋움체 Light" panose="00000300000000000000" pitchFamily="2" charset="-127"/>
-                <a:ea typeface="KoPubWorld돋움체 Light" panose="00000300000000000000" pitchFamily="2" charset="-127"/>
-                <a:cs typeface="KoPubWorld돋움체 Light" panose="00000300000000000000" pitchFamily="2" charset="-127"/>
-              </a:rPr>
-              <a:t>프로젝트는 이벤트가 발생해야 메시지를 처리함</a:t>
-            </a:r>
-            <a:endParaRPr lang="en-US" altLang="ko-KR" sz="2000" dirty="0" smtClean="0">
-              <a:latin typeface="KoPubWorld돋움체 Light" panose="00000300000000000000" pitchFamily="2" charset="-127"/>
-              <a:ea typeface="KoPubWorld돋움체 Light" panose="00000300000000000000" pitchFamily="2" charset="-127"/>
-              <a:cs typeface="KoPubWorld돋움체 Light" panose="00000300000000000000" pitchFamily="2" charset="-127"/>
-            </a:endParaRPr>
-          </a:p>
-          <a:p>
-            <a:pPr marL="0" indent="0">
-              <a:buNone/>
-            </a:pPr>
-            <a:endParaRPr lang="en-US" altLang="ko-KR" sz="2000" dirty="0">
-              <a:latin typeface="KoPubWorld돋움체 Light" panose="00000300000000000000" pitchFamily="2" charset="-127"/>
-              <a:ea typeface="KoPubWorld돋움체 Light" panose="00000300000000000000" pitchFamily="2" charset="-127"/>
-              <a:cs typeface="KoPubWorld돋움체 Light" panose="00000300000000000000" pitchFamily="2" charset="-127"/>
-            </a:endParaRPr>
-          </a:p>
-          <a:p>
-            <a:pPr marL="0" indent="0">
-              <a:buNone/>
-            </a:pPr>
-            <a:r>
-              <a:rPr lang="ko-KR" altLang="en-US" sz="2000" dirty="0" smtClean="0">
-                <a:latin typeface="KoPubWorld돋움체 Light" panose="00000300000000000000" pitchFamily="2" charset="-127"/>
-                <a:ea typeface="KoPubWorld돋움체 Light" panose="00000300000000000000" pitchFamily="2" charset="-127"/>
-                <a:cs typeface="KoPubWorld돋움체 Light" panose="00000300000000000000" pitchFamily="2" charset="-127"/>
-              </a:rPr>
-              <a:t>하지만 게임은 플레이어의 입력이 없더라도 계속 메시지를 처리 함</a:t>
-            </a:r>
-            <a:endParaRPr lang="en-US" altLang="ko-KR" sz="2000" dirty="0" smtClean="0">
-              <a:latin typeface="KoPubWorld돋움체 Light" panose="00000300000000000000" pitchFamily="2" charset="-127"/>
-              <a:ea typeface="KoPubWorld돋움체 Light" panose="00000300000000000000" pitchFamily="2" charset="-127"/>
-              <a:cs typeface="KoPubWorld돋움체 Light" panose="00000300000000000000" pitchFamily="2" charset="-127"/>
-            </a:endParaRPr>
-          </a:p>
-          <a:p>
-            <a:pPr marL="0" indent="0">
-              <a:buNone/>
-            </a:pPr>
-            <a:endParaRPr lang="en-US" altLang="ko-KR" sz="2000" dirty="0">
-              <a:latin typeface="KoPubWorld돋움체 Light" panose="00000300000000000000" pitchFamily="2" charset="-127"/>
-              <a:ea typeface="KoPubWorld돋움체 Light" panose="00000300000000000000" pitchFamily="2" charset="-127"/>
-              <a:cs typeface="KoPubWorld돋움체 Light" panose="00000300000000000000" pitchFamily="2" charset="-127"/>
-            </a:endParaRPr>
-          </a:p>
-          <a:p>
-            <a:pPr marL="0" indent="0">
-              <a:buNone/>
-            </a:pPr>
-            <a:r>
-              <a:rPr lang="ko-KR" altLang="en-US" sz="2000" dirty="0" smtClean="0">
-                <a:latin typeface="KoPubWorld돋움체 Light" panose="00000300000000000000" pitchFamily="2" charset="-127"/>
-                <a:ea typeface="KoPubWorld돋움체 Light" panose="00000300000000000000" pitchFamily="2" charset="-127"/>
-                <a:cs typeface="KoPubWorld돋움체 Light" panose="00000300000000000000" pitchFamily="2" charset="-127"/>
-              </a:rPr>
-              <a:t>그러기 위해 이벤트를 기다리지 않고 코드를 처리하기 위해</a:t>
-            </a:r>
-            <a:endParaRPr lang="en-US" altLang="ko-KR" sz="2000" dirty="0" smtClean="0">
-              <a:latin typeface="KoPubWorld돋움체 Light" panose="00000300000000000000" pitchFamily="2" charset="-127"/>
-              <a:ea typeface="KoPubWorld돋움체 Light" panose="00000300000000000000" pitchFamily="2" charset="-127"/>
-              <a:cs typeface="KoPubWorld돋움체 Light" panose="00000300000000000000" pitchFamily="2" charset="-127"/>
-            </a:endParaRPr>
-          </a:p>
-          <a:p>
-            <a:pPr marL="0" indent="0">
-              <a:buNone/>
-            </a:pPr>
-            <a:r>
-              <a:rPr lang="ko-KR" altLang="en-US" sz="2000" dirty="0" smtClean="0">
-                <a:latin typeface="KoPubWorld돋움체 Light" panose="00000300000000000000" pitchFamily="2" charset="-127"/>
-                <a:ea typeface="KoPubWorld돋움체 Light" panose="00000300000000000000" pitchFamily="2" charset="-127"/>
-                <a:cs typeface="KoPubWorld돋움체 Light" panose="00000300000000000000" pitchFamily="2" charset="-127"/>
-              </a:rPr>
-              <a:t>기본 코드를 수정해야 함</a:t>
-            </a:r>
-            <a:endParaRPr lang="en-US" altLang="ko-KR" sz="2000" dirty="0">
-              <a:latin typeface="KoPubWorld돋움체 Light" panose="00000300000000000000" pitchFamily="2" charset="-127"/>
-              <a:ea typeface="KoPubWorld돋움체 Light" panose="00000300000000000000" pitchFamily="2" charset="-127"/>
-              <a:cs typeface="KoPubWorld돋움체 Light" panose="00000300000000000000" pitchFamily="2" charset="-127"/>
-            </a:endParaRPr>
-          </a:p>
-          <a:p>
-            <a:endParaRPr lang="ko-KR" altLang="en-US" sz="1800" dirty="0">
-              <a:latin typeface="KoPubWorld돋움체 Light" panose="00000300000000000000" pitchFamily="2" charset="-127"/>
-              <a:ea typeface="KoPubWorld돋움체 Light" panose="00000300000000000000" pitchFamily="2" charset="-127"/>
-              <a:cs typeface="KoPubWorld돋움체 Light" panose="00000300000000000000" pitchFamily="2" charset="-127"/>
-            </a:endParaRPr>
-          </a:p>
-        </p:txBody>
-      </p:sp>
-      <p:pic>
-        <p:nvPicPr>
-          <p:cNvPr id="5" name="그림 4"/>
-          <p:cNvPicPr>
-            <a:picLocks noChangeAspect="1"/>
-          </p:cNvPicPr>
-          <p:nvPr/>
-        </p:nvPicPr>
-        <p:blipFill>
-          <a:blip r:embed="rId2">
-            <a:extLst>
-              <a:ext uri="{28A0092B-C50C-407E-A947-70E740481C1C}">
-                <a14:useLocalDpi xmlns:a14="http://schemas.microsoft.com/office/drawing/2010/main" val="0"/>
-              </a:ext>
-            </a:extLst>
-          </a:blip>
-          <a:stretch>
-            <a:fillRect/>
-          </a:stretch>
-        </p:blipFill>
-        <p:spPr>
-          <a:xfrm>
-            <a:off x="7659676" y="1949516"/>
-            <a:ext cx="4469189" cy="3317075"/>
-          </a:xfrm>
-          <a:prstGeom prst="rect">
-            <a:avLst/>
-          </a:prstGeom>
-        </p:spPr>
-      </p:pic>
-    </p:spTree>
-    <p:extLst>
-      <p:ext uri="{BB962C8B-B14F-4D97-AF65-F5344CB8AC3E}">
-        <p14:creationId xmlns:p14="http://schemas.microsoft.com/office/powerpoint/2010/main" val="2407796676"/>
-      </p:ext>
-    </p:extLst>
-  </p:cSld>
-  <p:clrMapOvr>
-    <a:masterClrMapping/>
-  </p:clrMapOvr>
-</p:sld>
-</file>
-
-<file path=ppt/slides/slide27.xml><?xml version="1.0" encoding="utf-8"?>
-<p:sld xmlns:a="http://schemas.openxmlformats.org/drawingml/2006/main" xmlns:r="http://schemas.openxmlformats.org/officeDocument/2006/relationships" xmlns:p="http://schemas.openxmlformats.org/presentationml/2006/main">
-  <p:cSld>
-    <p:spTree>
-      <p:nvGrpSpPr>
-        <p:cNvPr id="1" name=""/>
-        <p:cNvGrpSpPr/>
-        <p:nvPr/>
-      </p:nvGrpSpPr>
-      <p:grpSpPr>
-        <a:xfrm>
-          <a:off x="0" y="0"/>
-          <a:ext cx="0" cy="0"/>
-          <a:chOff x="0" y="0"/>
-          <a:chExt cx="0" cy="0"/>
-        </a:xfrm>
-      </p:grpSpPr>
-      <p:sp>
-        <p:nvSpPr>
-          <p:cNvPr id="2" name="제목 1"/>
-          <p:cNvSpPr>
-            <a:spLocks noGrp="1"/>
-          </p:cNvSpPr>
-          <p:nvPr>
-            <p:ph type="title"/>
-          </p:nvPr>
-        </p:nvSpPr>
-        <p:spPr>
-          <a:xfrm>
-            <a:off x="1484310" y="0"/>
-            <a:ext cx="10018713" cy="1752599"/>
-          </a:xfrm>
-        </p:spPr>
-        <p:txBody>
-          <a:bodyPr/>
-          <a:lstStyle/>
-          <a:p>
-            <a:r>
-              <a:rPr lang="ko-KR" altLang="en-US" dirty="0" smtClean="0">
-                <a:latin typeface="KoPubWorld돋움체 Light" panose="00000300000000000000" pitchFamily="2" charset="-127"/>
-                <a:ea typeface="KoPubWorld돋움체 Light" panose="00000300000000000000" pitchFamily="2" charset="-127"/>
-                <a:cs typeface="KoPubWorld돋움체 Light" panose="00000300000000000000" pitchFamily="2" charset="-127"/>
-              </a:rPr>
-              <a:t>기본 코드 수정 </a:t>
-            </a:r>
-            <a:r>
-              <a:rPr lang="en-US" altLang="ko-KR" dirty="0" smtClean="0">
-                <a:latin typeface="KoPubWorld돋움체 Light" panose="00000300000000000000" pitchFamily="2" charset="-127"/>
-                <a:ea typeface="KoPubWorld돋움체 Light" panose="00000300000000000000" pitchFamily="2" charset="-127"/>
-                <a:cs typeface="KoPubWorld돋움체 Light" panose="00000300000000000000" pitchFamily="2" charset="-127"/>
-              </a:rPr>
-              <a:t>- 2</a:t>
-            </a:r>
-            <a:endParaRPr lang="ko-KR" altLang="en-US" dirty="0">
-              <a:latin typeface="KoPubWorld돋움체 Light" panose="00000300000000000000" pitchFamily="2" charset="-127"/>
-              <a:ea typeface="KoPubWorld돋움체 Light" panose="00000300000000000000" pitchFamily="2" charset="-127"/>
-              <a:cs typeface="KoPubWorld돋움체 Light" panose="00000300000000000000" pitchFamily="2" charset="-127"/>
-            </a:endParaRPr>
-          </a:p>
-        </p:txBody>
-      </p:sp>
-      <p:sp>
-        <p:nvSpPr>
-          <p:cNvPr id="3" name="내용 개체 틀 2"/>
-          <p:cNvSpPr>
-            <a:spLocks noGrp="1"/>
-          </p:cNvSpPr>
-          <p:nvPr>
-            <p:ph idx="1"/>
-          </p:nvPr>
-        </p:nvSpPr>
-        <p:spPr>
-          <a:xfrm>
-            <a:off x="1007936" y="2125082"/>
-            <a:ext cx="10707690" cy="3124201"/>
-          </a:xfrm>
-        </p:spPr>
-        <p:txBody>
-          <a:bodyPr>
-            <a:normAutofit/>
-          </a:bodyPr>
-          <a:lstStyle/>
-          <a:p>
-            <a:pPr marL="0" indent="0">
-              <a:buNone/>
-            </a:pPr>
-            <a:endParaRPr lang="en-US" altLang="ko-KR" sz="1800" dirty="0" smtClean="0">
-              <a:latin typeface="KoPubWorld돋움체 Light" panose="00000300000000000000" pitchFamily="2" charset="-127"/>
-              <a:ea typeface="KoPubWorld돋움체 Light" panose="00000300000000000000" pitchFamily="2" charset="-127"/>
-              <a:cs typeface="KoPubWorld돋움체 Light" panose="00000300000000000000" pitchFamily="2" charset="-127"/>
-            </a:endParaRPr>
-          </a:p>
-          <a:p>
-            <a:pPr marL="0" indent="0">
-              <a:buNone/>
-            </a:pPr>
-            <a:r>
-              <a:rPr lang="ko-KR" altLang="en-US" sz="2000" dirty="0" smtClean="0">
-                <a:latin typeface="KoPubWorld돋움체 Light" panose="00000300000000000000" pitchFamily="2" charset="-127"/>
-                <a:ea typeface="KoPubWorld돋움체 Light" panose="00000300000000000000" pitchFamily="2" charset="-127"/>
-                <a:cs typeface="KoPubWorld돋움체 Light" panose="00000300000000000000" pitchFamily="2" charset="-127"/>
-              </a:rPr>
-              <a:t>기본 </a:t>
-            </a:r>
-            <a:r>
-              <a:rPr lang="en-US" altLang="ko-KR" sz="2000" dirty="0" smtClean="0">
-                <a:latin typeface="KoPubWorld돋움체 Light" panose="00000300000000000000" pitchFamily="2" charset="-127"/>
-                <a:ea typeface="KoPubWorld돋움체 Light" panose="00000300000000000000" pitchFamily="2" charset="-127"/>
-                <a:cs typeface="KoPubWorld돋움체 Light" panose="00000300000000000000" pitchFamily="2" charset="-127"/>
-              </a:rPr>
-              <a:t>Win32 </a:t>
-            </a:r>
-            <a:r>
-              <a:rPr lang="ko-KR" altLang="en-US" sz="2000" dirty="0" smtClean="0">
-                <a:latin typeface="KoPubWorld돋움체 Light" panose="00000300000000000000" pitchFamily="2" charset="-127"/>
-                <a:ea typeface="KoPubWorld돋움체 Light" panose="00000300000000000000" pitchFamily="2" charset="-127"/>
-                <a:cs typeface="KoPubWorld돋움체 Light" panose="00000300000000000000" pitchFamily="2" charset="-127"/>
-              </a:rPr>
-              <a:t>프로젝트는 윈도우 상단에 </a:t>
-            </a:r>
-            <a:r>
-              <a:rPr lang="ko-KR" altLang="en-US" sz="2000" dirty="0" err="1" smtClean="0">
-                <a:latin typeface="KoPubWorld돋움체 Light" panose="00000300000000000000" pitchFamily="2" charset="-127"/>
-                <a:ea typeface="KoPubWorld돋움체 Light" panose="00000300000000000000" pitchFamily="2" charset="-127"/>
-                <a:cs typeface="KoPubWorld돋움체 Light" panose="00000300000000000000" pitchFamily="2" charset="-127"/>
-              </a:rPr>
-              <a:t>메뉴바가</a:t>
-            </a:r>
-            <a:r>
-              <a:rPr lang="ko-KR" altLang="en-US" sz="2000" dirty="0" smtClean="0">
-                <a:latin typeface="KoPubWorld돋움체 Light" panose="00000300000000000000" pitchFamily="2" charset="-127"/>
-                <a:ea typeface="KoPubWorld돋움체 Light" panose="00000300000000000000" pitchFamily="2" charset="-127"/>
-                <a:cs typeface="KoPubWorld돋움체 Light" panose="00000300000000000000" pitchFamily="2" charset="-127"/>
-              </a:rPr>
-              <a:t> 있음</a:t>
-            </a:r>
-            <a:endParaRPr lang="en-US" altLang="ko-KR" sz="2000" dirty="0" smtClean="0">
-              <a:latin typeface="KoPubWorld돋움체 Light" panose="00000300000000000000" pitchFamily="2" charset="-127"/>
-              <a:ea typeface="KoPubWorld돋움체 Light" panose="00000300000000000000" pitchFamily="2" charset="-127"/>
-              <a:cs typeface="KoPubWorld돋움체 Light" panose="00000300000000000000" pitchFamily="2" charset="-127"/>
-            </a:endParaRPr>
-          </a:p>
-          <a:p>
-            <a:pPr marL="0" indent="0">
-              <a:buNone/>
-            </a:pPr>
-            <a:endParaRPr lang="en-US" altLang="ko-KR" sz="2000" dirty="0">
-              <a:latin typeface="KoPubWorld돋움체 Light" panose="00000300000000000000" pitchFamily="2" charset="-127"/>
-              <a:ea typeface="KoPubWorld돋움체 Light" panose="00000300000000000000" pitchFamily="2" charset="-127"/>
-              <a:cs typeface="KoPubWorld돋움체 Light" panose="00000300000000000000" pitchFamily="2" charset="-127"/>
-            </a:endParaRPr>
-          </a:p>
-          <a:p>
-            <a:pPr marL="0" indent="0">
-              <a:buNone/>
-            </a:pPr>
-            <a:r>
-              <a:rPr lang="ko-KR" altLang="en-US" sz="2000" dirty="0" smtClean="0">
-                <a:latin typeface="KoPubWorld돋움체 Light" panose="00000300000000000000" pitchFamily="2" charset="-127"/>
-                <a:ea typeface="KoPubWorld돋움체 Light" panose="00000300000000000000" pitchFamily="2" charset="-127"/>
-                <a:cs typeface="KoPubWorld돋움체 Light" panose="00000300000000000000" pitchFamily="2" charset="-127"/>
-              </a:rPr>
-              <a:t>이를 없애기 위해</a:t>
-            </a:r>
-            <a:r>
-              <a:rPr lang="en-US" altLang="ko-KR" sz="2000" dirty="0">
-                <a:latin typeface="KoPubWorld돋움체 Light" panose="00000300000000000000" pitchFamily="2" charset="-127"/>
-                <a:ea typeface="KoPubWorld돋움체 Light" panose="00000300000000000000" pitchFamily="2" charset="-127"/>
-                <a:cs typeface="KoPubWorld돋움체 Light" panose="00000300000000000000" pitchFamily="2" charset="-127"/>
-              </a:rPr>
-              <a:t> </a:t>
-            </a:r>
-            <a:r>
-              <a:rPr lang="en-US" altLang="ko-KR" sz="2000" dirty="0" err="1" smtClean="0">
-                <a:latin typeface="KoPubWorld돋움체 Light" panose="00000300000000000000" pitchFamily="2" charset="-127"/>
-                <a:ea typeface="KoPubWorld돋움체 Light" panose="00000300000000000000" pitchFamily="2" charset="-127"/>
-                <a:cs typeface="KoPubWorld돋움체 Light" panose="00000300000000000000" pitchFamily="2" charset="-127"/>
-              </a:rPr>
-              <a:t>lpszMenuName</a:t>
-            </a:r>
-            <a:r>
-              <a:rPr lang="ko-KR" altLang="en-US" sz="2000" dirty="0" smtClean="0">
-                <a:latin typeface="KoPubWorld돋움체 Light" panose="00000300000000000000" pitchFamily="2" charset="-127"/>
-                <a:ea typeface="KoPubWorld돋움체 Light" panose="00000300000000000000" pitchFamily="2" charset="-127"/>
-                <a:cs typeface="KoPubWorld돋움체 Light" panose="00000300000000000000" pitchFamily="2" charset="-127"/>
-              </a:rPr>
-              <a:t>을 </a:t>
-            </a:r>
-            <a:r>
-              <a:rPr lang="en-US" altLang="ko-KR" sz="2000" dirty="0" err="1" smtClean="0">
-                <a:latin typeface="KoPubWorld돋움체 Light" panose="00000300000000000000" pitchFamily="2" charset="-127"/>
-                <a:ea typeface="KoPubWorld돋움체 Light" panose="00000300000000000000" pitchFamily="2" charset="-127"/>
-                <a:cs typeface="KoPubWorld돋움체 Light" panose="00000300000000000000" pitchFamily="2" charset="-127"/>
-              </a:rPr>
-              <a:t>nullptr</a:t>
-            </a:r>
-            <a:r>
-              <a:rPr lang="ko-KR" altLang="en-US" sz="2000" dirty="0" smtClean="0">
-                <a:latin typeface="KoPubWorld돋움체 Light" panose="00000300000000000000" pitchFamily="2" charset="-127"/>
-                <a:ea typeface="KoPubWorld돋움체 Light" panose="00000300000000000000" pitchFamily="2" charset="-127"/>
-                <a:cs typeface="KoPubWorld돋움체 Light" panose="00000300000000000000" pitchFamily="2" charset="-127"/>
-              </a:rPr>
-              <a:t>로 수정함</a:t>
-            </a:r>
-            <a:endParaRPr lang="en-US" altLang="ko-KR" sz="2000" dirty="0" smtClean="0">
-              <a:latin typeface="KoPubWorld돋움체 Light" panose="00000300000000000000" pitchFamily="2" charset="-127"/>
-              <a:ea typeface="KoPubWorld돋움체 Light" panose="00000300000000000000" pitchFamily="2" charset="-127"/>
-              <a:cs typeface="KoPubWorld돋움체 Light" panose="00000300000000000000" pitchFamily="2" charset="-127"/>
-            </a:endParaRPr>
-          </a:p>
-          <a:p>
-            <a:pPr marL="0" indent="0">
-              <a:buNone/>
-            </a:pPr>
-            <a:endParaRPr lang="en-US" altLang="ko-KR" sz="2000" dirty="0">
-              <a:latin typeface="KoPubWorld돋움체 Light" panose="00000300000000000000" pitchFamily="2" charset="-127"/>
-              <a:ea typeface="KoPubWorld돋움체 Light" panose="00000300000000000000" pitchFamily="2" charset="-127"/>
-              <a:cs typeface="KoPubWorld돋움체 Light" panose="00000300000000000000" pitchFamily="2" charset="-127"/>
-            </a:endParaRPr>
-          </a:p>
-          <a:p>
-            <a:pPr marL="0" indent="0">
-              <a:buNone/>
-            </a:pPr>
-            <a:r>
-              <a:rPr lang="en-US" altLang="ko-KR" sz="2000" dirty="0" err="1" smtClean="0">
-                <a:latin typeface="KoPubWorld돋움체 Light" panose="00000300000000000000" pitchFamily="2" charset="-127"/>
-                <a:ea typeface="KoPubWorld돋움체 Light" panose="00000300000000000000" pitchFamily="2" charset="-127"/>
-                <a:cs typeface="KoPubWorld돋움체 Light" panose="00000300000000000000" pitchFamily="2" charset="-127"/>
-              </a:rPr>
-              <a:t>lpszClassName</a:t>
-            </a:r>
-            <a:r>
-              <a:rPr lang="ko-KR" altLang="en-US" sz="2000" dirty="0" smtClean="0">
-                <a:latin typeface="KoPubWorld돋움체 Light" panose="00000300000000000000" pitchFamily="2" charset="-127"/>
-                <a:ea typeface="KoPubWorld돋움체 Light" panose="00000300000000000000" pitchFamily="2" charset="-127"/>
-                <a:cs typeface="KoPubWorld돋움체 Light" panose="00000300000000000000" pitchFamily="2" charset="-127"/>
-              </a:rPr>
-              <a:t>을 수정해 게임 윈도우의 이름을</a:t>
-            </a:r>
-            <a:endParaRPr lang="en-US" altLang="ko-KR" sz="2000" dirty="0" smtClean="0">
-              <a:latin typeface="KoPubWorld돋움체 Light" panose="00000300000000000000" pitchFamily="2" charset="-127"/>
-              <a:ea typeface="KoPubWorld돋움체 Light" panose="00000300000000000000" pitchFamily="2" charset="-127"/>
-              <a:cs typeface="KoPubWorld돋움체 Light" panose="00000300000000000000" pitchFamily="2" charset="-127"/>
-            </a:endParaRPr>
-          </a:p>
-          <a:p>
-            <a:pPr marL="0" indent="0">
-              <a:buNone/>
-            </a:pPr>
-            <a:r>
-              <a:rPr lang="ko-KR" altLang="en-US" sz="2000" dirty="0" smtClean="0">
-                <a:latin typeface="KoPubWorld돋움체 Light" panose="00000300000000000000" pitchFamily="2" charset="-127"/>
-                <a:ea typeface="KoPubWorld돋움체 Light" panose="00000300000000000000" pitchFamily="2" charset="-127"/>
-                <a:cs typeface="KoPubWorld돋움체 Light" panose="00000300000000000000" pitchFamily="2" charset="-127"/>
-              </a:rPr>
-              <a:t>변경할 수 있음</a:t>
-            </a:r>
-            <a:endParaRPr lang="en-US" altLang="ko-KR" sz="2000" dirty="0" smtClean="0">
-              <a:latin typeface="KoPubWorld돋움체 Light" panose="00000300000000000000" pitchFamily="2" charset="-127"/>
-              <a:ea typeface="KoPubWorld돋움체 Light" panose="00000300000000000000" pitchFamily="2" charset="-127"/>
-              <a:cs typeface="KoPubWorld돋움체 Light" panose="00000300000000000000" pitchFamily="2" charset="-127"/>
-            </a:endParaRPr>
-          </a:p>
-        </p:txBody>
-      </p:sp>
-      <p:pic>
-        <p:nvPicPr>
-          <p:cNvPr id="4" name="그림 3"/>
-          <p:cNvPicPr>
-            <a:picLocks noChangeAspect="1"/>
-          </p:cNvPicPr>
-          <p:nvPr/>
-        </p:nvPicPr>
-        <p:blipFill>
-          <a:blip r:embed="rId2">
-            <a:extLst>
-              <a:ext uri="{28A0092B-C50C-407E-A947-70E740481C1C}">
-                <a14:useLocalDpi xmlns:a14="http://schemas.microsoft.com/office/drawing/2010/main" val="0"/>
-              </a:ext>
-            </a:extLst>
-          </a:blip>
-          <a:stretch>
-            <a:fillRect/>
-          </a:stretch>
-        </p:blipFill>
-        <p:spPr>
-          <a:xfrm>
-            <a:off x="6691565" y="2604190"/>
-            <a:ext cx="5182323" cy="2353003"/>
-          </a:xfrm>
-          <a:prstGeom prst="rect">
-            <a:avLst/>
-          </a:prstGeom>
-        </p:spPr>
-      </p:pic>
-    </p:spTree>
-    <p:extLst>
-      <p:ext uri="{BB962C8B-B14F-4D97-AF65-F5344CB8AC3E}">
-        <p14:creationId xmlns:p14="http://schemas.microsoft.com/office/powerpoint/2010/main" val="2967456471"/>
-      </p:ext>
-    </p:extLst>
-  </p:cSld>
-  <p:clrMapOvr>
-    <a:masterClrMapping/>
-  </p:clrMapOvr>
-</p:sld>
-</file>
-
-<file path=ppt/slides/slide28.xml><?xml version="1.0" encoding="utf-8"?>
-<p:sld xmlns:a="http://schemas.openxmlformats.org/drawingml/2006/main" xmlns:r="http://schemas.openxmlformats.org/officeDocument/2006/relationships" xmlns:p="http://schemas.openxmlformats.org/presentationml/2006/main">
-  <p:cSld>
-    <p:spTree>
-      <p:nvGrpSpPr>
-        <p:cNvPr id="1" name=""/>
-        <p:cNvGrpSpPr/>
-        <p:nvPr/>
-      </p:nvGrpSpPr>
-      <p:grpSpPr>
-        <a:xfrm>
-          <a:off x="0" y="0"/>
-          <a:ext cx="0" cy="0"/>
-          <a:chOff x="0" y="0"/>
-          <a:chExt cx="0" cy="0"/>
-        </a:xfrm>
-      </p:grpSpPr>
-      <p:sp>
-        <p:nvSpPr>
-          <p:cNvPr id="2" name="제목 1"/>
-          <p:cNvSpPr>
-            <a:spLocks noGrp="1"/>
-          </p:cNvSpPr>
-          <p:nvPr>
-            <p:ph type="title"/>
-          </p:nvPr>
-        </p:nvSpPr>
-        <p:spPr>
-          <a:xfrm>
-            <a:off x="1484310" y="0"/>
-            <a:ext cx="10018713" cy="1752599"/>
-          </a:xfrm>
-        </p:spPr>
-        <p:txBody>
-          <a:bodyPr/>
-          <a:lstStyle/>
-          <a:p>
-            <a:r>
-              <a:rPr lang="ko-KR" altLang="en-US" dirty="0" smtClean="0">
-                <a:latin typeface="KoPubWorld돋움체 Light" panose="00000300000000000000" pitchFamily="2" charset="-127"/>
-                <a:ea typeface="KoPubWorld돋움체 Light" panose="00000300000000000000" pitchFamily="2" charset="-127"/>
-                <a:cs typeface="KoPubWorld돋움체 Light" panose="00000300000000000000" pitchFamily="2" charset="-127"/>
-              </a:rPr>
-              <a:t>기본 코드 수정 </a:t>
-            </a:r>
-            <a:r>
-              <a:rPr lang="en-US" altLang="ko-KR" dirty="0" smtClean="0">
-                <a:latin typeface="KoPubWorld돋움체 Light" panose="00000300000000000000" pitchFamily="2" charset="-127"/>
-                <a:ea typeface="KoPubWorld돋움체 Light" panose="00000300000000000000" pitchFamily="2" charset="-127"/>
-                <a:cs typeface="KoPubWorld돋움체 Light" panose="00000300000000000000" pitchFamily="2" charset="-127"/>
-              </a:rPr>
-              <a:t>- 3</a:t>
-            </a:r>
-            <a:endParaRPr lang="ko-KR" altLang="en-US" dirty="0">
-              <a:latin typeface="KoPubWorld돋움체 Light" panose="00000300000000000000" pitchFamily="2" charset="-127"/>
-              <a:ea typeface="KoPubWorld돋움체 Light" panose="00000300000000000000" pitchFamily="2" charset="-127"/>
-              <a:cs typeface="KoPubWorld돋움체 Light" panose="00000300000000000000" pitchFamily="2" charset="-127"/>
-            </a:endParaRPr>
-          </a:p>
-        </p:txBody>
-      </p:sp>
-      <p:sp>
-        <p:nvSpPr>
-          <p:cNvPr id="3" name="내용 개체 틀 2"/>
-          <p:cNvSpPr>
-            <a:spLocks noGrp="1"/>
-          </p:cNvSpPr>
-          <p:nvPr>
-            <p:ph idx="1"/>
-          </p:nvPr>
-        </p:nvSpPr>
-        <p:spPr>
-          <a:xfrm>
-            <a:off x="1484310" y="1430490"/>
-            <a:ext cx="10707690" cy="4627410"/>
-          </a:xfrm>
-        </p:spPr>
-        <p:txBody>
-          <a:bodyPr>
-            <a:noAutofit/>
-          </a:bodyPr>
-          <a:lstStyle/>
-          <a:p>
-            <a:pPr marL="0" indent="0">
-              <a:buNone/>
-            </a:pPr>
-            <a:endParaRPr lang="en-US" altLang="ko-KR" sz="1800" dirty="0" smtClean="0">
-              <a:latin typeface="KoPubWorld돋움체 Light" panose="00000300000000000000" pitchFamily="2" charset="-127"/>
-              <a:ea typeface="KoPubWorld돋움체 Light" panose="00000300000000000000" pitchFamily="2" charset="-127"/>
-              <a:cs typeface="KoPubWorld돋움체 Light" panose="00000300000000000000" pitchFamily="2" charset="-127"/>
-            </a:endParaRPr>
-          </a:p>
-          <a:p>
-            <a:pPr marL="0" indent="0">
-              <a:buNone/>
-            </a:pPr>
-            <a:r>
-              <a:rPr lang="en-US" altLang="ko-KR" sz="1800" dirty="0" err="1" smtClean="0">
-                <a:latin typeface="KoPubWorld돋움체 Light" panose="00000300000000000000" pitchFamily="2" charset="-127"/>
-                <a:ea typeface="KoPubWorld돋움체 Light" panose="00000300000000000000" pitchFamily="2" charset="-127"/>
-                <a:cs typeface="KoPubWorld돋움체 Light" panose="00000300000000000000" pitchFamily="2" charset="-127"/>
-              </a:rPr>
-              <a:t>CreateWindowW</a:t>
-            </a:r>
-            <a:r>
-              <a:rPr lang="en-US" altLang="ko-KR" sz="1800" dirty="0" smtClean="0">
-                <a:latin typeface="KoPubWorld돋움체 Light" panose="00000300000000000000" pitchFamily="2" charset="-127"/>
-                <a:ea typeface="KoPubWorld돋움체 Light" panose="00000300000000000000" pitchFamily="2" charset="-127"/>
-                <a:cs typeface="KoPubWorld돋움체 Light" panose="00000300000000000000" pitchFamily="2" charset="-127"/>
-              </a:rPr>
-              <a:t> </a:t>
-            </a:r>
-            <a:r>
-              <a:rPr lang="ko-KR" altLang="en-US" sz="1800" dirty="0" smtClean="0">
-                <a:latin typeface="KoPubWorld돋움체 Light" panose="00000300000000000000" pitchFamily="2" charset="-127"/>
-                <a:ea typeface="KoPubWorld돋움체 Light" panose="00000300000000000000" pitchFamily="2" charset="-127"/>
-                <a:cs typeface="KoPubWorld돋움체 Light" panose="00000300000000000000" pitchFamily="2" charset="-127"/>
-              </a:rPr>
-              <a:t>함수에 매개변수를 변경해 게임에 알맞게</a:t>
-            </a:r>
-            <a:endParaRPr lang="en-US" altLang="ko-KR" sz="1800" dirty="0" smtClean="0">
-              <a:latin typeface="KoPubWorld돋움체 Light" panose="00000300000000000000" pitchFamily="2" charset="-127"/>
-              <a:ea typeface="KoPubWorld돋움체 Light" panose="00000300000000000000" pitchFamily="2" charset="-127"/>
-              <a:cs typeface="KoPubWorld돋움체 Light" panose="00000300000000000000" pitchFamily="2" charset="-127"/>
-            </a:endParaRPr>
-          </a:p>
-          <a:p>
-            <a:pPr marL="0" indent="0">
-              <a:buNone/>
-            </a:pPr>
-            <a:r>
-              <a:rPr lang="ko-KR" altLang="en-US" sz="1800" dirty="0" smtClean="0">
-                <a:latin typeface="KoPubWorld돋움체 Light" panose="00000300000000000000" pitchFamily="2" charset="-127"/>
-                <a:ea typeface="KoPubWorld돋움체 Light" panose="00000300000000000000" pitchFamily="2" charset="-127"/>
-                <a:cs typeface="KoPubWorld돋움체 Light" panose="00000300000000000000" pitchFamily="2" charset="-127"/>
-              </a:rPr>
-              <a:t>옵션을 주어야 함</a:t>
-            </a:r>
-            <a:endParaRPr lang="en-US" altLang="ko-KR" sz="1800" dirty="0" smtClean="0">
-              <a:latin typeface="KoPubWorld돋움체 Light" panose="00000300000000000000" pitchFamily="2" charset="-127"/>
-              <a:ea typeface="KoPubWorld돋움체 Light" panose="00000300000000000000" pitchFamily="2" charset="-127"/>
-              <a:cs typeface="KoPubWorld돋움체 Light" panose="00000300000000000000" pitchFamily="2" charset="-127"/>
-            </a:endParaRPr>
-          </a:p>
-          <a:p>
-            <a:pPr marL="0" indent="0">
-              <a:buNone/>
-            </a:pPr>
-            <a:endParaRPr lang="en-US" altLang="ko-KR" sz="1800" dirty="0">
-              <a:latin typeface="KoPubWorld돋움체 Light" panose="00000300000000000000" pitchFamily="2" charset="-127"/>
-              <a:ea typeface="KoPubWorld돋움체 Light" panose="00000300000000000000" pitchFamily="2" charset="-127"/>
-              <a:cs typeface="KoPubWorld돋움체 Light" panose="00000300000000000000" pitchFamily="2" charset="-127"/>
-            </a:endParaRPr>
-          </a:p>
-          <a:p>
-            <a:pPr marL="0" indent="0">
-              <a:buNone/>
-            </a:pPr>
-            <a:r>
-              <a:rPr lang="en-US" altLang="ko-KR" sz="1800" dirty="0" smtClean="0">
-                <a:latin typeface="KoPubWorld돋움체 Light" panose="00000300000000000000" pitchFamily="2" charset="-127"/>
-                <a:ea typeface="KoPubWorld돋움체 Light" panose="00000300000000000000" pitchFamily="2" charset="-127"/>
-                <a:cs typeface="KoPubWorld돋움체 Light" panose="00000300000000000000" pitchFamily="2" charset="-127"/>
-              </a:rPr>
-              <a:t>WS_MAXIMIZEBOX </a:t>
-            </a:r>
-            <a:r>
-              <a:rPr lang="ko-KR" altLang="en-US" sz="1800" dirty="0" smtClean="0">
-                <a:latin typeface="KoPubWorld돋움체 Light" panose="00000300000000000000" pitchFamily="2" charset="-127"/>
-                <a:ea typeface="KoPubWorld돋움체 Light" panose="00000300000000000000" pitchFamily="2" charset="-127"/>
-                <a:cs typeface="KoPubWorld돋움체 Light" panose="00000300000000000000" pitchFamily="2" charset="-127"/>
-              </a:rPr>
-              <a:t>옵션을 </a:t>
-            </a:r>
-            <a:r>
-              <a:rPr lang="en-US" altLang="ko-KR" sz="1800" dirty="0" smtClean="0">
-                <a:latin typeface="KoPubWorld돋움체 Light" panose="00000300000000000000" pitchFamily="2" charset="-127"/>
-                <a:ea typeface="KoPubWorld돋움체 Light" panose="00000300000000000000" pitchFamily="2" charset="-127"/>
-                <a:cs typeface="KoPubWorld돋움체 Light" panose="00000300000000000000" pitchFamily="2" charset="-127"/>
-              </a:rPr>
-              <a:t>^ </a:t>
-            </a:r>
-            <a:r>
-              <a:rPr lang="ko-KR" altLang="en-US" sz="1800" dirty="0" smtClean="0">
-                <a:latin typeface="KoPubWorld돋움체 Light" panose="00000300000000000000" pitchFamily="2" charset="-127"/>
-                <a:ea typeface="KoPubWorld돋움체 Light" panose="00000300000000000000" pitchFamily="2" charset="-127"/>
-                <a:cs typeface="KoPubWorld돋움체 Light" panose="00000300000000000000" pitchFamily="2" charset="-127"/>
-              </a:rPr>
-              <a:t>연산자로 제거해 최대화 버튼을 없앰</a:t>
-            </a:r>
-            <a:endParaRPr lang="en-US" altLang="ko-KR" sz="1800" dirty="0" smtClean="0">
-              <a:latin typeface="KoPubWorld돋움체 Light" panose="00000300000000000000" pitchFamily="2" charset="-127"/>
-              <a:ea typeface="KoPubWorld돋움체 Light" panose="00000300000000000000" pitchFamily="2" charset="-127"/>
-              <a:cs typeface="KoPubWorld돋움체 Light" panose="00000300000000000000" pitchFamily="2" charset="-127"/>
-            </a:endParaRPr>
-          </a:p>
-          <a:p>
-            <a:pPr marL="0" indent="0">
-              <a:buNone/>
-            </a:pPr>
-            <a:r>
-              <a:rPr lang="en-US" altLang="ko-KR" sz="1800" dirty="0" smtClean="0">
-                <a:latin typeface="KoPubWorld돋움체 Light" panose="00000300000000000000" pitchFamily="2" charset="-127"/>
-                <a:ea typeface="KoPubWorld돋움체 Light" panose="00000300000000000000" pitchFamily="2" charset="-127"/>
-                <a:cs typeface="KoPubWorld돋움체 Light" panose="00000300000000000000" pitchFamily="2" charset="-127"/>
-              </a:rPr>
-              <a:t>WS_THICKFRAME </a:t>
-            </a:r>
-            <a:r>
-              <a:rPr lang="ko-KR" altLang="en-US" sz="1800" dirty="0" smtClean="0">
-                <a:latin typeface="KoPubWorld돋움체 Light" panose="00000300000000000000" pitchFamily="2" charset="-127"/>
-                <a:ea typeface="KoPubWorld돋움체 Light" panose="00000300000000000000" pitchFamily="2" charset="-127"/>
-                <a:cs typeface="KoPubWorld돋움체 Light" panose="00000300000000000000" pitchFamily="2" charset="-127"/>
-              </a:rPr>
-              <a:t>옵션을 </a:t>
-            </a:r>
-            <a:r>
-              <a:rPr lang="en-US" altLang="ko-KR" sz="1800" dirty="0" smtClean="0">
-                <a:latin typeface="KoPubWorld돋움체 Light" panose="00000300000000000000" pitchFamily="2" charset="-127"/>
-                <a:ea typeface="KoPubWorld돋움체 Light" panose="00000300000000000000" pitchFamily="2" charset="-127"/>
-                <a:cs typeface="KoPubWorld돋움체 Light" panose="00000300000000000000" pitchFamily="2" charset="-127"/>
-              </a:rPr>
-              <a:t>^ </a:t>
-            </a:r>
-            <a:r>
-              <a:rPr lang="ko-KR" altLang="en-US" sz="1800" dirty="0" smtClean="0">
-                <a:latin typeface="KoPubWorld돋움체 Light" panose="00000300000000000000" pitchFamily="2" charset="-127"/>
-                <a:ea typeface="KoPubWorld돋움체 Light" panose="00000300000000000000" pitchFamily="2" charset="-127"/>
-                <a:cs typeface="KoPubWorld돋움체 Light" panose="00000300000000000000" pitchFamily="2" charset="-127"/>
-              </a:rPr>
-              <a:t>연산자로 제거해 수동으로 화면을</a:t>
-            </a:r>
-            <a:endParaRPr lang="en-US" altLang="ko-KR" sz="1800" dirty="0" smtClean="0">
-              <a:latin typeface="KoPubWorld돋움체 Light" panose="00000300000000000000" pitchFamily="2" charset="-127"/>
-              <a:ea typeface="KoPubWorld돋움체 Light" panose="00000300000000000000" pitchFamily="2" charset="-127"/>
-              <a:cs typeface="KoPubWorld돋움체 Light" panose="00000300000000000000" pitchFamily="2" charset="-127"/>
-            </a:endParaRPr>
-          </a:p>
-          <a:p>
-            <a:pPr marL="0" indent="0">
-              <a:buNone/>
-            </a:pPr>
-            <a:r>
-              <a:rPr lang="ko-KR" altLang="en-US" sz="1800" dirty="0" smtClean="0">
-                <a:latin typeface="KoPubWorld돋움체 Light" panose="00000300000000000000" pitchFamily="2" charset="-127"/>
-                <a:ea typeface="KoPubWorld돋움체 Light" panose="00000300000000000000" pitchFamily="2" charset="-127"/>
-                <a:cs typeface="KoPubWorld돋움체 Light" panose="00000300000000000000" pitchFamily="2" charset="-127"/>
-              </a:rPr>
-              <a:t>늘리는 것을 방지함</a:t>
-            </a:r>
-            <a:endParaRPr lang="en-US" altLang="ko-KR" sz="1800" dirty="0" smtClean="0">
-              <a:latin typeface="KoPubWorld돋움체 Light" panose="00000300000000000000" pitchFamily="2" charset="-127"/>
-              <a:ea typeface="KoPubWorld돋움체 Light" panose="00000300000000000000" pitchFamily="2" charset="-127"/>
-              <a:cs typeface="KoPubWorld돋움체 Light" panose="00000300000000000000" pitchFamily="2" charset="-127"/>
-            </a:endParaRPr>
-          </a:p>
-          <a:p>
-            <a:pPr marL="0" indent="0">
-              <a:buNone/>
-            </a:pPr>
-            <a:endParaRPr lang="en-US" altLang="ko-KR" sz="1800" dirty="0">
-              <a:latin typeface="KoPubWorld돋움체 Light" panose="00000300000000000000" pitchFamily="2" charset="-127"/>
-              <a:ea typeface="KoPubWorld돋움체 Light" panose="00000300000000000000" pitchFamily="2" charset="-127"/>
-              <a:cs typeface="KoPubWorld돋움체 Light" panose="00000300000000000000" pitchFamily="2" charset="-127"/>
-            </a:endParaRPr>
-          </a:p>
-          <a:p>
-            <a:pPr marL="0" indent="0">
-              <a:buNone/>
-            </a:pPr>
-            <a:r>
-              <a:rPr lang="en-US" altLang="ko-KR" sz="1800" dirty="0" err="1" smtClean="0">
-                <a:latin typeface="KoPubWorld돋움체 Light" panose="00000300000000000000" pitchFamily="2" charset="-127"/>
-                <a:ea typeface="KoPubWorld돋움체 Light" panose="00000300000000000000" pitchFamily="2" charset="-127"/>
-                <a:cs typeface="KoPubWorld돋움체 Light" panose="00000300000000000000" pitchFamily="2" charset="-127"/>
-              </a:rPr>
-              <a:t>AdjustWindowRect</a:t>
-            </a:r>
-            <a:r>
-              <a:rPr lang="ko-KR" altLang="en-US" sz="1800" dirty="0" smtClean="0">
-                <a:latin typeface="KoPubWorld돋움체 Light" panose="00000300000000000000" pitchFamily="2" charset="-127"/>
-                <a:ea typeface="KoPubWorld돋움체 Light" panose="00000300000000000000" pitchFamily="2" charset="-127"/>
-                <a:cs typeface="KoPubWorld돋움체 Light" panose="00000300000000000000" pitchFamily="2" charset="-127"/>
-              </a:rPr>
-              <a:t>함수를 통해 정확한 윈도우 크기를 계산하고</a:t>
-            </a:r>
-            <a:endParaRPr lang="en-US" altLang="ko-KR" sz="1800" dirty="0" smtClean="0">
-              <a:latin typeface="KoPubWorld돋움체 Light" panose="00000300000000000000" pitchFamily="2" charset="-127"/>
-              <a:ea typeface="KoPubWorld돋움체 Light" panose="00000300000000000000" pitchFamily="2" charset="-127"/>
-              <a:cs typeface="KoPubWorld돋움체 Light" panose="00000300000000000000" pitchFamily="2" charset="-127"/>
-            </a:endParaRPr>
-          </a:p>
-          <a:p>
-            <a:pPr marL="0" indent="0">
-              <a:buNone/>
-            </a:pPr>
-            <a:r>
-              <a:rPr lang="ko-KR" altLang="en-US" sz="1800" dirty="0" smtClean="0">
-                <a:latin typeface="KoPubWorld돋움체 Light" panose="00000300000000000000" pitchFamily="2" charset="-127"/>
-                <a:ea typeface="KoPubWorld돋움체 Light" panose="00000300000000000000" pitchFamily="2" charset="-127"/>
-                <a:cs typeface="KoPubWorld돋움체 Light" panose="00000300000000000000" pitchFamily="2" charset="-127"/>
-              </a:rPr>
-              <a:t>매개변수로 넣어 줌</a:t>
-            </a:r>
-            <a:endParaRPr lang="en-US" altLang="ko-KR" sz="1800" dirty="0" smtClean="0">
-              <a:latin typeface="KoPubWorld돋움체 Light" panose="00000300000000000000" pitchFamily="2" charset="-127"/>
-              <a:ea typeface="KoPubWorld돋움체 Light" panose="00000300000000000000" pitchFamily="2" charset="-127"/>
-              <a:cs typeface="KoPubWorld돋움체 Light" panose="00000300000000000000" pitchFamily="2" charset="-127"/>
-            </a:endParaRPr>
-          </a:p>
-          <a:p>
-            <a:pPr marL="0" indent="0">
-              <a:buNone/>
-            </a:pPr>
-            <a:endParaRPr lang="en-US" altLang="ko-KR" sz="1800" dirty="0">
-              <a:latin typeface="KoPubWorld돋움체 Light" panose="00000300000000000000" pitchFamily="2" charset="-127"/>
-              <a:ea typeface="KoPubWorld돋움체 Light" panose="00000300000000000000" pitchFamily="2" charset="-127"/>
-              <a:cs typeface="KoPubWorld돋움체 Light" panose="00000300000000000000" pitchFamily="2" charset="-127"/>
-            </a:endParaRPr>
-          </a:p>
-          <a:p>
-            <a:pPr marL="0" indent="0">
-              <a:buNone/>
-            </a:pPr>
-            <a:r>
-              <a:rPr lang="ko-KR" altLang="en-US" sz="1800" dirty="0" smtClean="0">
-                <a:latin typeface="KoPubWorld돋움체 Light" panose="00000300000000000000" pitchFamily="2" charset="-127"/>
-                <a:ea typeface="KoPubWorld돋움체 Light" panose="00000300000000000000" pitchFamily="2" charset="-127"/>
-                <a:cs typeface="KoPubWorld돋움체 Light" panose="00000300000000000000" pitchFamily="2" charset="-127"/>
-              </a:rPr>
-              <a:t>이렇게 하지 않으면 정확한 해상도가 나오지 않고 화면이 늘어남</a:t>
-            </a:r>
-            <a:endParaRPr lang="en-US" altLang="ko-KR" sz="1800" dirty="0" smtClean="0">
-              <a:latin typeface="KoPubWorld돋움체 Light" panose="00000300000000000000" pitchFamily="2" charset="-127"/>
-              <a:ea typeface="KoPubWorld돋움체 Light" panose="00000300000000000000" pitchFamily="2" charset="-127"/>
-              <a:cs typeface="KoPubWorld돋움체 Light" panose="00000300000000000000" pitchFamily="2" charset="-127"/>
-            </a:endParaRPr>
-          </a:p>
-        </p:txBody>
-      </p:sp>
-      <p:pic>
-        <p:nvPicPr>
-          <p:cNvPr id="5" name="그림 4"/>
-          <p:cNvPicPr>
-            <a:picLocks noChangeAspect="1"/>
-          </p:cNvPicPr>
-          <p:nvPr/>
-        </p:nvPicPr>
-        <p:blipFill>
-          <a:blip r:embed="rId2">
-            <a:extLst>
-              <a:ext uri="{28A0092B-C50C-407E-A947-70E740481C1C}">
-                <a14:useLocalDpi xmlns:a14="http://schemas.microsoft.com/office/drawing/2010/main" val="0"/>
-              </a:ext>
-            </a:extLst>
-          </a:blip>
-          <a:stretch>
-            <a:fillRect/>
-          </a:stretch>
-        </p:blipFill>
-        <p:spPr>
-          <a:xfrm>
-            <a:off x="7956244" y="2714458"/>
-            <a:ext cx="3924848" cy="2381582"/>
-          </a:xfrm>
-          <a:prstGeom prst="rect">
-            <a:avLst/>
-          </a:prstGeom>
-        </p:spPr>
-      </p:pic>
-    </p:spTree>
-    <p:extLst>
-      <p:ext uri="{BB962C8B-B14F-4D97-AF65-F5344CB8AC3E}">
-        <p14:creationId xmlns:p14="http://schemas.microsoft.com/office/powerpoint/2010/main" val="3404151274"/>
-      </p:ext>
-    </p:extLst>
-  </p:cSld>
-  <p:clrMapOvr>
-    <a:masterClrMapping/>
-  </p:clrMapOvr>
-</p:sld>
-</file>
-
-<file path=ppt/slides/slide29.xml><?xml version="1.0" encoding="utf-8"?>
-<p:sld xmlns:a="http://schemas.openxmlformats.org/drawingml/2006/main" xmlns:r="http://schemas.openxmlformats.org/officeDocument/2006/relationships" xmlns:p="http://schemas.openxmlformats.org/presentationml/2006/main">
-  <p:cSld>
-    <p:spTree>
-      <p:nvGrpSpPr>
-        <p:cNvPr id="1" name=""/>
-        <p:cNvGrpSpPr/>
-        <p:nvPr/>
-      </p:nvGrpSpPr>
-      <p:grpSpPr>
-        <a:xfrm>
-          <a:off x="0" y="0"/>
-          <a:ext cx="0" cy="0"/>
-          <a:chOff x="0" y="0"/>
-          <a:chExt cx="0" cy="0"/>
-        </a:xfrm>
-      </p:grpSpPr>
-      <p:sp>
-        <p:nvSpPr>
-          <p:cNvPr id="2" name="제목 1"/>
-          <p:cNvSpPr>
-            <a:spLocks noGrp="1"/>
-          </p:cNvSpPr>
-          <p:nvPr>
-            <p:ph type="title"/>
-          </p:nvPr>
-        </p:nvSpPr>
-        <p:spPr>
-          <a:xfrm>
-            <a:off x="1484310" y="0"/>
-            <a:ext cx="10018713" cy="1752599"/>
-          </a:xfrm>
-        </p:spPr>
-        <p:txBody>
-          <a:bodyPr/>
-          <a:lstStyle/>
-          <a:p>
-            <a:r>
-              <a:rPr lang="ko-KR" altLang="en-US" dirty="0" err="1" smtClean="0">
-                <a:latin typeface="KoPubWorld돋움체 Light" panose="00000300000000000000" pitchFamily="2" charset="-127"/>
-                <a:ea typeface="KoPubWorld돋움체 Light" panose="00000300000000000000" pitchFamily="2" charset="-127"/>
-                <a:cs typeface="KoPubWorld돋움체 Light" panose="00000300000000000000" pitchFamily="2" charset="-127"/>
-              </a:rPr>
-              <a:t>다렉</a:t>
-            </a:r>
-            <a:r>
-              <a:rPr lang="ko-KR" altLang="en-US" dirty="0" smtClean="0">
-                <a:latin typeface="KoPubWorld돋움체 Light" panose="00000300000000000000" pitchFamily="2" charset="-127"/>
-                <a:ea typeface="KoPubWorld돋움체 Light" panose="00000300000000000000" pitchFamily="2" charset="-127"/>
-                <a:cs typeface="KoPubWorld돋움체 Light" panose="00000300000000000000" pitchFamily="2" charset="-127"/>
-              </a:rPr>
-              <a:t> 초기화 </a:t>
-            </a:r>
-            <a:r>
-              <a:rPr lang="en-US" altLang="ko-KR" dirty="0" smtClean="0">
-                <a:latin typeface="KoPubWorld돋움체 Light" panose="00000300000000000000" pitchFamily="2" charset="-127"/>
-                <a:ea typeface="KoPubWorld돋움체 Light" panose="00000300000000000000" pitchFamily="2" charset="-127"/>
-                <a:cs typeface="KoPubWorld돋움체 Light" panose="00000300000000000000" pitchFamily="2" charset="-127"/>
-              </a:rPr>
-              <a:t>- 1</a:t>
-            </a:r>
-            <a:r>
-              <a:rPr lang="ko-KR" altLang="en-US" dirty="0" smtClean="0">
-                <a:latin typeface="KoPubWorld돋움체 Light" panose="00000300000000000000" pitchFamily="2" charset="-127"/>
-                <a:ea typeface="KoPubWorld돋움체 Light" panose="00000300000000000000" pitchFamily="2" charset="-127"/>
-                <a:cs typeface="KoPubWorld돋움체 Light" panose="00000300000000000000" pitchFamily="2" charset="-127"/>
-              </a:rPr>
-              <a:t> </a:t>
-            </a:r>
-            <a:endParaRPr lang="ko-KR" altLang="en-US" dirty="0">
-              <a:latin typeface="KoPubWorld돋움체 Light" panose="00000300000000000000" pitchFamily="2" charset="-127"/>
-              <a:ea typeface="KoPubWorld돋움체 Light" panose="00000300000000000000" pitchFamily="2" charset="-127"/>
-              <a:cs typeface="KoPubWorld돋움체 Light" panose="00000300000000000000" pitchFamily="2" charset="-127"/>
-            </a:endParaRPr>
-          </a:p>
-        </p:txBody>
-      </p:sp>
-      <p:sp>
-        <p:nvSpPr>
-          <p:cNvPr id="3" name="내용 개체 틀 2"/>
-          <p:cNvSpPr>
-            <a:spLocks noGrp="1"/>
-          </p:cNvSpPr>
-          <p:nvPr>
-            <p:ph idx="1"/>
-          </p:nvPr>
-        </p:nvSpPr>
-        <p:spPr>
-          <a:xfrm>
-            <a:off x="1166198" y="2089913"/>
-            <a:ext cx="10707690" cy="3124201"/>
-          </a:xfrm>
-        </p:spPr>
-        <p:txBody>
-          <a:bodyPr>
-            <a:normAutofit/>
-          </a:bodyPr>
-          <a:lstStyle/>
-          <a:p>
-            <a:pPr marL="0" indent="0">
-              <a:buNone/>
-            </a:pPr>
-            <a:endParaRPr lang="en-US" altLang="ko-KR" sz="1800" dirty="0" smtClean="0">
-              <a:latin typeface="KoPubWorld돋움체 Light" panose="00000300000000000000" pitchFamily="2" charset="-127"/>
-              <a:ea typeface="KoPubWorld돋움체 Light" panose="00000300000000000000" pitchFamily="2" charset="-127"/>
-              <a:cs typeface="KoPubWorld돋움체 Light" panose="00000300000000000000" pitchFamily="2" charset="-127"/>
-            </a:endParaRPr>
-          </a:p>
-          <a:p>
-            <a:pPr marL="0" indent="0">
-              <a:buNone/>
-            </a:pPr>
-            <a:r>
-              <a:rPr lang="ko-KR" altLang="en-US" sz="1800" dirty="0" smtClean="0">
-                <a:latin typeface="KoPubWorld돋움체 Light" panose="00000300000000000000" pitchFamily="2" charset="-127"/>
-                <a:ea typeface="KoPubWorld돋움체 Light" panose="00000300000000000000" pitchFamily="2" charset="-127"/>
-                <a:cs typeface="KoPubWorld돋움체 Light" panose="00000300000000000000" pitchFamily="2" charset="-127"/>
-              </a:rPr>
-              <a:t>기본 </a:t>
-            </a:r>
-            <a:r>
-              <a:rPr lang="en-US" altLang="ko-KR" sz="1800" dirty="0" smtClean="0">
-                <a:latin typeface="KoPubWorld돋움체 Light" panose="00000300000000000000" pitchFamily="2" charset="-127"/>
-                <a:ea typeface="KoPubWorld돋움체 Light" panose="00000300000000000000" pitchFamily="2" charset="-127"/>
-                <a:cs typeface="KoPubWorld돋움체 Light" panose="00000300000000000000" pitchFamily="2" charset="-127"/>
-              </a:rPr>
-              <a:t>Win32 </a:t>
-            </a:r>
-            <a:r>
-              <a:rPr lang="ko-KR" altLang="en-US" sz="1800" dirty="0" smtClean="0">
-                <a:latin typeface="KoPubWorld돋움체 Light" panose="00000300000000000000" pitchFamily="2" charset="-127"/>
-                <a:ea typeface="KoPubWorld돋움체 Light" panose="00000300000000000000" pitchFamily="2" charset="-127"/>
-                <a:cs typeface="KoPubWorld돋움체 Light" panose="00000300000000000000" pitchFamily="2" charset="-127"/>
-              </a:rPr>
-              <a:t>프로젝트는 윈도우 상단에 </a:t>
-            </a:r>
-            <a:r>
-              <a:rPr lang="ko-KR" altLang="en-US" sz="1800" dirty="0" err="1" smtClean="0">
-                <a:latin typeface="KoPubWorld돋움체 Light" panose="00000300000000000000" pitchFamily="2" charset="-127"/>
-                <a:ea typeface="KoPubWorld돋움체 Light" panose="00000300000000000000" pitchFamily="2" charset="-127"/>
-                <a:cs typeface="KoPubWorld돋움체 Light" panose="00000300000000000000" pitchFamily="2" charset="-127"/>
-              </a:rPr>
-              <a:t>메뉴바가</a:t>
-            </a:r>
-            <a:r>
-              <a:rPr lang="ko-KR" altLang="en-US" sz="1800" dirty="0" smtClean="0">
-                <a:latin typeface="KoPubWorld돋움체 Light" panose="00000300000000000000" pitchFamily="2" charset="-127"/>
-                <a:ea typeface="KoPubWorld돋움체 Light" panose="00000300000000000000" pitchFamily="2" charset="-127"/>
-                <a:cs typeface="KoPubWorld돋움체 Light" panose="00000300000000000000" pitchFamily="2" charset="-127"/>
-              </a:rPr>
-              <a:t> 있음</a:t>
-            </a:r>
-            <a:endParaRPr lang="en-US" altLang="ko-KR" sz="1800" dirty="0" smtClean="0">
-              <a:latin typeface="KoPubWorld돋움체 Light" panose="00000300000000000000" pitchFamily="2" charset="-127"/>
-              <a:ea typeface="KoPubWorld돋움체 Light" panose="00000300000000000000" pitchFamily="2" charset="-127"/>
-              <a:cs typeface="KoPubWorld돋움체 Light" panose="00000300000000000000" pitchFamily="2" charset="-127"/>
-            </a:endParaRPr>
-          </a:p>
-          <a:p>
-            <a:pPr marL="0" indent="0">
-              <a:buNone/>
-            </a:pPr>
-            <a:endParaRPr lang="en-US" altLang="ko-KR" sz="1800" dirty="0">
-              <a:latin typeface="KoPubWorld돋움체 Light" panose="00000300000000000000" pitchFamily="2" charset="-127"/>
-              <a:ea typeface="KoPubWorld돋움체 Light" panose="00000300000000000000" pitchFamily="2" charset="-127"/>
-              <a:cs typeface="KoPubWorld돋움체 Light" panose="00000300000000000000" pitchFamily="2" charset="-127"/>
-            </a:endParaRPr>
-          </a:p>
-          <a:p>
-            <a:pPr marL="0" indent="0">
-              <a:buNone/>
-            </a:pPr>
-            <a:r>
-              <a:rPr lang="ko-KR" altLang="en-US" sz="1800" dirty="0" smtClean="0">
-                <a:latin typeface="KoPubWorld돋움체 Light" panose="00000300000000000000" pitchFamily="2" charset="-127"/>
-                <a:ea typeface="KoPubWorld돋움체 Light" panose="00000300000000000000" pitchFamily="2" charset="-127"/>
-                <a:cs typeface="KoPubWorld돋움체 Light" panose="00000300000000000000" pitchFamily="2" charset="-127"/>
-              </a:rPr>
-              <a:t>이를 없애기 위해</a:t>
-            </a:r>
-            <a:r>
-              <a:rPr lang="en-US" altLang="ko-KR" sz="1800" dirty="0">
-                <a:latin typeface="KoPubWorld돋움체 Light" panose="00000300000000000000" pitchFamily="2" charset="-127"/>
-                <a:ea typeface="KoPubWorld돋움체 Light" panose="00000300000000000000" pitchFamily="2" charset="-127"/>
-                <a:cs typeface="KoPubWorld돋움체 Light" panose="00000300000000000000" pitchFamily="2" charset="-127"/>
-              </a:rPr>
-              <a:t> </a:t>
-            </a:r>
-            <a:r>
-              <a:rPr lang="en-US" altLang="ko-KR" sz="1800" dirty="0" err="1" smtClean="0">
-                <a:latin typeface="KoPubWorld돋움체 Light" panose="00000300000000000000" pitchFamily="2" charset="-127"/>
-                <a:ea typeface="KoPubWorld돋움체 Light" panose="00000300000000000000" pitchFamily="2" charset="-127"/>
-                <a:cs typeface="KoPubWorld돋움체 Light" panose="00000300000000000000" pitchFamily="2" charset="-127"/>
-              </a:rPr>
-              <a:t>lpszMenuName</a:t>
-            </a:r>
-            <a:r>
-              <a:rPr lang="ko-KR" altLang="en-US" sz="1800" dirty="0" smtClean="0">
-                <a:latin typeface="KoPubWorld돋움체 Light" panose="00000300000000000000" pitchFamily="2" charset="-127"/>
-                <a:ea typeface="KoPubWorld돋움체 Light" panose="00000300000000000000" pitchFamily="2" charset="-127"/>
-                <a:cs typeface="KoPubWorld돋움체 Light" panose="00000300000000000000" pitchFamily="2" charset="-127"/>
-              </a:rPr>
-              <a:t>을 </a:t>
-            </a:r>
-            <a:r>
-              <a:rPr lang="en-US" altLang="ko-KR" sz="1800" dirty="0" err="1" smtClean="0">
-                <a:latin typeface="KoPubWorld돋움체 Light" panose="00000300000000000000" pitchFamily="2" charset="-127"/>
-                <a:ea typeface="KoPubWorld돋움체 Light" panose="00000300000000000000" pitchFamily="2" charset="-127"/>
-                <a:cs typeface="KoPubWorld돋움체 Light" panose="00000300000000000000" pitchFamily="2" charset="-127"/>
-              </a:rPr>
-              <a:t>nullptr</a:t>
-            </a:r>
-            <a:r>
-              <a:rPr lang="ko-KR" altLang="en-US" sz="1800" dirty="0" smtClean="0">
-                <a:latin typeface="KoPubWorld돋움체 Light" panose="00000300000000000000" pitchFamily="2" charset="-127"/>
-                <a:ea typeface="KoPubWorld돋움체 Light" panose="00000300000000000000" pitchFamily="2" charset="-127"/>
-                <a:cs typeface="KoPubWorld돋움체 Light" panose="00000300000000000000" pitchFamily="2" charset="-127"/>
-              </a:rPr>
-              <a:t>로 수정함</a:t>
-            </a:r>
-            <a:endParaRPr lang="en-US" altLang="ko-KR" sz="1800" dirty="0" smtClean="0">
-              <a:latin typeface="KoPubWorld돋움체 Light" panose="00000300000000000000" pitchFamily="2" charset="-127"/>
-              <a:ea typeface="KoPubWorld돋움체 Light" panose="00000300000000000000" pitchFamily="2" charset="-127"/>
-              <a:cs typeface="KoPubWorld돋움체 Light" panose="00000300000000000000" pitchFamily="2" charset="-127"/>
-            </a:endParaRPr>
-          </a:p>
-          <a:p>
-            <a:pPr marL="0" indent="0">
-              <a:buNone/>
-            </a:pPr>
-            <a:endParaRPr lang="en-US" altLang="ko-KR" sz="1800" dirty="0">
-              <a:latin typeface="KoPubWorld돋움체 Light" panose="00000300000000000000" pitchFamily="2" charset="-127"/>
-              <a:ea typeface="KoPubWorld돋움체 Light" panose="00000300000000000000" pitchFamily="2" charset="-127"/>
-              <a:cs typeface="KoPubWorld돋움체 Light" panose="00000300000000000000" pitchFamily="2" charset="-127"/>
-            </a:endParaRPr>
-          </a:p>
-          <a:p>
-            <a:pPr marL="0" indent="0">
-              <a:buNone/>
-            </a:pPr>
-            <a:r>
-              <a:rPr lang="en-US" altLang="ko-KR" sz="1800" dirty="0" err="1" smtClean="0">
-                <a:latin typeface="KoPubWorld돋움체 Light" panose="00000300000000000000" pitchFamily="2" charset="-127"/>
-                <a:ea typeface="KoPubWorld돋움체 Light" panose="00000300000000000000" pitchFamily="2" charset="-127"/>
-                <a:cs typeface="KoPubWorld돋움체 Light" panose="00000300000000000000" pitchFamily="2" charset="-127"/>
-              </a:rPr>
-              <a:t>lpszClassName</a:t>
-            </a:r>
-            <a:r>
-              <a:rPr lang="ko-KR" altLang="en-US" sz="1800" dirty="0" smtClean="0">
-                <a:latin typeface="KoPubWorld돋움체 Light" panose="00000300000000000000" pitchFamily="2" charset="-127"/>
-                <a:ea typeface="KoPubWorld돋움체 Light" panose="00000300000000000000" pitchFamily="2" charset="-127"/>
-                <a:cs typeface="KoPubWorld돋움체 Light" panose="00000300000000000000" pitchFamily="2" charset="-127"/>
-              </a:rPr>
-              <a:t>을 수정해 게임 윈도우의 이름을</a:t>
-            </a:r>
-            <a:endParaRPr lang="en-US" altLang="ko-KR" sz="1800" dirty="0" smtClean="0">
-              <a:latin typeface="KoPubWorld돋움체 Light" panose="00000300000000000000" pitchFamily="2" charset="-127"/>
-              <a:ea typeface="KoPubWorld돋움체 Light" panose="00000300000000000000" pitchFamily="2" charset="-127"/>
-              <a:cs typeface="KoPubWorld돋움체 Light" panose="00000300000000000000" pitchFamily="2" charset="-127"/>
-            </a:endParaRPr>
-          </a:p>
-          <a:p>
-            <a:pPr marL="0" indent="0">
-              <a:buNone/>
-            </a:pPr>
-            <a:r>
-              <a:rPr lang="ko-KR" altLang="en-US" sz="1800" dirty="0" smtClean="0">
-                <a:latin typeface="KoPubWorld돋움체 Light" panose="00000300000000000000" pitchFamily="2" charset="-127"/>
-                <a:ea typeface="KoPubWorld돋움체 Light" panose="00000300000000000000" pitchFamily="2" charset="-127"/>
-                <a:cs typeface="KoPubWorld돋움체 Light" panose="00000300000000000000" pitchFamily="2" charset="-127"/>
-              </a:rPr>
-              <a:t>변경할 수 있음</a:t>
-            </a:r>
-            <a:endParaRPr lang="en-US" altLang="ko-KR" sz="1800" dirty="0" smtClean="0">
-              <a:latin typeface="KoPubWorld돋움체 Light" panose="00000300000000000000" pitchFamily="2" charset="-127"/>
-              <a:ea typeface="KoPubWorld돋움체 Light" panose="00000300000000000000" pitchFamily="2" charset="-127"/>
-              <a:cs typeface="KoPubWorld돋움체 Light" panose="00000300000000000000" pitchFamily="2" charset="-127"/>
-            </a:endParaRPr>
-          </a:p>
-        </p:txBody>
-      </p:sp>
-      <p:pic>
-        <p:nvPicPr>
-          <p:cNvPr id="4" name="그림 3"/>
-          <p:cNvPicPr>
-            <a:picLocks noChangeAspect="1"/>
-          </p:cNvPicPr>
-          <p:nvPr/>
-        </p:nvPicPr>
-        <p:blipFill>
-          <a:blip r:embed="rId2">
-            <a:extLst>
-              <a:ext uri="{28A0092B-C50C-407E-A947-70E740481C1C}">
-                <a14:useLocalDpi xmlns:a14="http://schemas.microsoft.com/office/drawing/2010/main" val="0"/>
-              </a:ext>
-            </a:extLst>
-          </a:blip>
-          <a:stretch>
-            <a:fillRect/>
-          </a:stretch>
-        </p:blipFill>
-        <p:spPr>
-          <a:xfrm>
-            <a:off x="6691565" y="2604190"/>
-            <a:ext cx="5182323" cy="2353003"/>
-          </a:xfrm>
-          <a:prstGeom prst="rect">
-            <a:avLst/>
-          </a:prstGeom>
-        </p:spPr>
-      </p:pic>
-    </p:spTree>
-    <p:extLst>
-      <p:ext uri="{BB962C8B-B14F-4D97-AF65-F5344CB8AC3E}">
-        <p14:creationId xmlns:p14="http://schemas.microsoft.com/office/powerpoint/2010/main" val="3467696565"/>
-      </p:ext>
-    </p:extLst>
-  </p:cSld>
-  <p:clrMapOvr>
-    <a:masterClrMapping/>
-  </p:clrMapOvr>
-</p:sld>
-</file>
-
 <file path=ppt/slides/slide3.xml><?xml version="1.0" encoding="utf-8"?>
 <p:sld xmlns:a="http://schemas.openxmlformats.org/drawingml/2006/main" xmlns:r="http://schemas.openxmlformats.org/officeDocument/2006/relationships" xmlns:p="http://schemas.openxmlformats.org/presentationml/2006/main">
   <p:cSld>
@@ -12734,7 +12145,7 @@
         </p:nvSpPr>
         <p:spPr>
           <a:xfrm>
-            <a:off x="1484310" y="0"/>
+            <a:off x="1484309" y="0"/>
             <a:ext cx="10018713" cy="1752599"/>
           </a:xfrm>
         </p:spPr>
@@ -12750,7 +12161,7 @@
                 <a:ea typeface="KoPubWorld돋움체 Light" panose="00000300000000000000" pitchFamily="2" charset="-127"/>
                 <a:cs typeface="KoPubWorld돋움체 Light" panose="00000300000000000000" pitchFamily="2" charset="-127"/>
               </a:rPr>
-              <a:t>시작 전 이야기</a:t>
+              <a:t>우리가 배울 것</a:t>
             </a:r>
             <a:endParaRPr lang="ko-KR" altLang="en-US" sz="6000" dirty="0">
               <a:latin typeface="KoPubWorld돋움체 Light" panose="00000300000000000000" pitchFamily="2" charset="-127"/>
@@ -12772,33 +12183,33 @@
         </p:nvSpPr>
         <p:spPr>
           <a:xfrm>
-            <a:off x="1484310" y="2666999"/>
-            <a:ext cx="10464436" cy="3124201"/>
+            <a:off x="1484309" y="2684584"/>
+            <a:ext cx="10018713" cy="3124201"/>
           </a:xfrm>
         </p:spPr>
         <p:txBody>
           <a:bodyPr>
-            <a:normAutofit/>
+            <a:noAutofit/>
           </a:bodyPr>
           <a:lstStyle/>
           <a:p>
             <a:r>
-              <a:rPr lang="en-US" altLang="ko-KR" sz="2800" dirty="0" smtClean="0">
-                <a:latin typeface="KoPubWorld돋움체 Light" panose="00000300000000000000" pitchFamily="2" charset="-127"/>
-                <a:ea typeface="KoPubWorld돋움체 Light" panose="00000300000000000000" pitchFamily="2" charset="-127"/>
-                <a:cs typeface="KoPubWorld돋움체 Light" panose="00000300000000000000" pitchFamily="2" charset="-127"/>
-              </a:rPr>
-              <a:t>4</a:t>
-            </a:r>
-            <a:r>
-              <a:rPr lang="ko-KR" altLang="en-US" sz="2800" dirty="0" smtClean="0">
-                <a:latin typeface="KoPubWorld돋움체 Light" panose="00000300000000000000" pitchFamily="2" charset="-127"/>
-                <a:ea typeface="KoPubWorld돋움체 Light" panose="00000300000000000000" pitchFamily="2" charset="-127"/>
-                <a:cs typeface="KoPubWorld돋움체 Light" panose="00000300000000000000" pitchFamily="2" charset="-127"/>
-              </a:rPr>
-              <a:t>일동안 기본적인 기능이 담긴 엔진을 제작</a:t>
-            </a:r>
-            <a:endParaRPr lang="en-US" altLang="ko-KR" sz="2800" dirty="0" smtClean="0">
+              <a:rPr lang="en-US" altLang="ko-KR" sz="3200" dirty="0">
+                <a:latin typeface="KoPubWorld돋움체 Light" panose="00000300000000000000" pitchFamily="2" charset="-127"/>
+                <a:ea typeface="KoPubWorld돋움체 Light" panose="00000300000000000000" pitchFamily="2" charset="-127"/>
+                <a:cs typeface="KoPubWorld돋움체 Light" panose="00000300000000000000" pitchFamily="2" charset="-127"/>
+              </a:rPr>
+              <a:t>GitHub </a:t>
+            </a:r>
+            <a:r>
+              <a:rPr lang="ko-KR" altLang="en-US" sz="3200" dirty="0" smtClean="0">
+                <a:latin typeface="KoPubWorld돋움체 Light" panose="00000300000000000000" pitchFamily="2" charset="-127"/>
+                <a:ea typeface="KoPubWorld돋움체 Light" panose="00000300000000000000" pitchFamily="2" charset="-127"/>
+                <a:cs typeface="KoPubWorld돋움체 Light" panose="00000300000000000000" pitchFamily="2" charset="-127"/>
+              </a:rPr>
+              <a:t>사용법</a:t>
+            </a:r>
+            <a:endParaRPr lang="en-US" altLang="ko-KR" sz="3200" dirty="0" smtClean="0">
               <a:latin typeface="KoPubWorld돋움체 Light" panose="00000300000000000000" pitchFamily="2" charset="-127"/>
               <a:ea typeface="KoPubWorld돋움체 Light" panose="00000300000000000000" pitchFamily="2" charset="-127"/>
               <a:cs typeface="KoPubWorld돋움체 Light" panose="00000300000000000000" pitchFamily="2" charset="-127"/>
@@ -12806,22 +12217,30 @@
           </a:p>
           <a:p>
             <a:r>
-              <a:rPr lang="ko-KR" altLang="en-US" sz="2800" dirty="0" err="1" smtClean="0">
-                <a:latin typeface="KoPubWorld돋움체 Light" panose="00000300000000000000" pitchFamily="2" charset="-127"/>
-                <a:ea typeface="KoPubWorld돋움체 Light" panose="00000300000000000000" pitchFamily="2" charset="-127"/>
-                <a:cs typeface="KoPubWorld돋움체 Light" panose="00000300000000000000" pitchFamily="2" charset="-127"/>
-              </a:rPr>
-              <a:t>유니티의</a:t>
-            </a:r>
-            <a:r>
-              <a:rPr lang="ko-KR" altLang="en-US" sz="2800" dirty="0" smtClean="0">
-                <a:latin typeface="KoPubWorld돋움체 Light" panose="00000300000000000000" pitchFamily="2" charset="-127"/>
-                <a:ea typeface="KoPubWorld돋움체 Light" panose="00000300000000000000" pitchFamily="2" charset="-127"/>
-                <a:cs typeface="KoPubWorld돋움체 Light" panose="00000300000000000000" pitchFamily="2" charset="-127"/>
-              </a:rPr>
-              <a:t> 키워드와 구조를 따라해서 만들려고 함</a:t>
-            </a:r>
-            <a:endParaRPr lang="en-US" altLang="ko-KR" sz="2800" dirty="0" smtClean="0">
+              <a:rPr lang="ko-KR" altLang="en-US" sz="3200" dirty="0" err="1">
+                <a:latin typeface="KoPubWorld돋움체 Light" panose="00000300000000000000" pitchFamily="2" charset="-127"/>
+                <a:ea typeface="KoPubWorld돋움체 Light" panose="00000300000000000000" pitchFamily="2" charset="-127"/>
+                <a:cs typeface="KoPubWorld돋움체 Light" panose="00000300000000000000" pitchFamily="2" charset="-127"/>
+              </a:rPr>
+              <a:t>실전압축</a:t>
+            </a:r>
+            <a:r>
+              <a:rPr lang="ko-KR" altLang="en-US" sz="3200" dirty="0">
+                <a:latin typeface="KoPubWorld돋움체 Light" panose="00000300000000000000" pitchFamily="2" charset="-127"/>
+                <a:ea typeface="KoPubWorld돋움체 Light" panose="00000300000000000000" pitchFamily="2" charset="-127"/>
+                <a:cs typeface="KoPubWorld돋움체 Light" panose="00000300000000000000" pitchFamily="2" charset="-127"/>
+              </a:rPr>
+              <a:t> </a:t>
+            </a:r>
+            <a:r>
+              <a:rPr lang="ko-KR" altLang="en-US" sz="3200" dirty="0" smtClean="0">
+                <a:latin typeface="KoPubWorld돋움체 Light" panose="00000300000000000000" pitchFamily="2" charset="-127"/>
+                <a:ea typeface="KoPubWorld돋움체 Light" panose="00000300000000000000" pitchFamily="2" charset="-127"/>
+                <a:cs typeface="KoPubWorld돋움체 Light" panose="00000300000000000000" pitchFamily="2" charset="-127"/>
+              </a:rPr>
+              <a:t>단축키</a:t>
+            </a:r>
+            <a:endParaRPr lang="en-US" altLang="ko-KR" sz="3200" dirty="0" smtClean="0">
               <a:latin typeface="KoPubWorld돋움체 Light" panose="00000300000000000000" pitchFamily="2" charset="-127"/>
               <a:ea typeface="KoPubWorld돋움체 Light" panose="00000300000000000000" pitchFamily="2" charset="-127"/>
               <a:cs typeface="KoPubWorld돋움체 Light" panose="00000300000000000000" pitchFamily="2" charset="-127"/>
@@ -12829,14 +12248,42 @@
           </a:p>
           <a:p>
             <a:r>
-              <a:rPr lang="ko-KR" altLang="en-US" sz="2800" dirty="0" smtClean="0">
-                <a:latin typeface="KoPubWorld돋움체 Light" panose="00000300000000000000" pitchFamily="2" charset="-127"/>
-                <a:ea typeface="KoPubWorld돋움체 Light" panose="00000300000000000000" pitchFamily="2" charset="-127"/>
-                <a:cs typeface="KoPubWorld돋움체 Light" panose="00000300000000000000" pitchFamily="2" charset="-127"/>
-              </a:rPr>
-              <a:t>시간이 남으면 만든 엔진으로 게임을 만들거나 네트워크 수업을 할 예정</a:t>
-            </a:r>
-            <a:endParaRPr lang="en-US" altLang="ko-KR" sz="2800" dirty="0" smtClean="0">
+              <a:rPr lang="en-US" altLang="ko-KR" sz="3200" dirty="0" smtClean="0">
+                <a:latin typeface="KoPubWorld돋움체 Light" panose="00000300000000000000" pitchFamily="2" charset="-127"/>
+                <a:ea typeface="KoPubWorld돋움체 Light" panose="00000300000000000000" pitchFamily="2" charset="-127"/>
+                <a:cs typeface="KoPubWorld돋움체 Light" panose="00000300000000000000" pitchFamily="2" charset="-127"/>
+              </a:rPr>
+              <a:t>Directx9</a:t>
+            </a:r>
+          </a:p>
+          <a:p>
+            <a:r>
+              <a:rPr lang="en-US" altLang="ko-KR" sz="3200" dirty="0" smtClean="0">
+                <a:latin typeface="KoPubWorld돋움체 Light" panose="00000300000000000000" pitchFamily="2" charset="-127"/>
+                <a:ea typeface="KoPubWorld돋움체 Light" panose="00000300000000000000" pitchFamily="2" charset="-127"/>
+                <a:cs typeface="KoPubWorld돋움체 Light" panose="00000300000000000000" pitchFamily="2" charset="-127"/>
+              </a:rPr>
+              <a:t>C++ STL</a:t>
+            </a:r>
+          </a:p>
+          <a:p>
+            <a:r>
+              <a:rPr lang="ko-KR" altLang="en-US" sz="3200" dirty="0" smtClean="0">
+                <a:latin typeface="KoPubWorld돋움체 Light" panose="00000300000000000000" pitchFamily="2" charset="-127"/>
+                <a:ea typeface="KoPubWorld돋움체 Light" panose="00000300000000000000" pitchFamily="2" charset="-127"/>
+                <a:cs typeface="KoPubWorld돋움체 Light" panose="00000300000000000000" pitchFamily="2" charset="-127"/>
+              </a:rPr>
+              <a:t>컴포넌트와 </a:t>
+            </a:r>
+            <a:r>
+              <a:rPr lang="ko-KR" altLang="en-US" sz="3200" dirty="0" err="1" smtClean="0">
+                <a:latin typeface="KoPubWorld돋움체 Light" panose="00000300000000000000" pitchFamily="2" charset="-127"/>
+                <a:ea typeface="KoPubWorld돋움체 Light" panose="00000300000000000000" pitchFamily="2" charset="-127"/>
+                <a:cs typeface="KoPubWorld돋움체 Light" panose="00000300000000000000" pitchFamily="2" charset="-127"/>
+              </a:rPr>
+              <a:t>싱글톤</a:t>
+            </a:r>
+            <a:endParaRPr lang="en-US" altLang="ko-KR" sz="3200" dirty="0" smtClean="0">
               <a:latin typeface="KoPubWorld돋움체 Light" panose="00000300000000000000" pitchFamily="2" charset="-127"/>
               <a:ea typeface="KoPubWorld돋움체 Light" panose="00000300000000000000" pitchFamily="2" charset="-127"/>
               <a:cs typeface="KoPubWorld돋움체 Light" panose="00000300000000000000" pitchFamily="2" charset="-127"/>
@@ -12844,285 +12291,21 @@
           </a:p>
           <a:p>
             <a:r>
-              <a:rPr lang="ko-KR" altLang="en-US" sz="2800" dirty="0" smtClean="0">
-                <a:latin typeface="KoPubWorld돋움체 Light" panose="00000300000000000000" pitchFamily="2" charset="-127"/>
-                <a:ea typeface="KoPubWorld돋움체 Light" panose="00000300000000000000" pitchFamily="2" charset="-127"/>
-                <a:cs typeface="KoPubWorld돋움체 Light" panose="00000300000000000000" pitchFamily="2" charset="-127"/>
-              </a:rPr>
-              <a:t>이해가 안되거나 속도가 너무 빠르면 바로바로 말해주기</a:t>
-            </a:r>
-            <a:endParaRPr lang="en-US" altLang="ko-KR" sz="2800" dirty="0" smtClean="0">
-              <a:latin typeface="KoPubWorld돋움체 Light" panose="00000300000000000000" pitchFamily="2" charset="-127"/>
-              <a:ea typeface="KoPubWorld돋움체 Light" panose="00000300000000000000" pitchFamily="2" charset="-127"/>
-              <a:cs typeface="KoPubWorld돋움체 Light" panose="00000300000000000000" pitchFamily="2" charset="-127"/>
-            </a:endParaRPr>
-          </a:p>
-          <a:p>
-            <a:endParaRPr lang="ko-KR" altLang="en-US" sz="2800" dirty="0">
-              <a:latin typeface="KoPubWorld돋움체 Light" panose="00000300000000000000" pitchFamily="2" charset="-127"/>
-              <a:ea typeface="KoPubWorld돋움체 Light" panose="00000300000000000000" pitchFamily="2" charset="-127"/>
-              <a:cs typeface="KoPubWorld돋움체 Light" panose="00000300000000000000" pitchFamily="2" charset="-127"/>
-            </a:endParaRPr>
+              <a:rPr lang="ko-KR" altLang="en-US" sz="3200" dirty="0" smtClean="0">
+                <a:latin typeface="KoPubWorld돋움체 Light" panose="00000300000000000000" pitchFamily="2" charset="-127"/>
+                <a:ea typeface="KoPubWorld돋움체 Light" panose="00000300000000000000" pitchFamily="2" charset="-127"/>
+                <a:cs typeface="KoPubWorld돋움체 Light" panose="00000300000000000000" pitchFamily="2" charset="-127"/>
+              </a:rPr>
+              <a:t>기타 등등 알면 좋은 것들</a:t>
+            </a:r>
+            <a:endParaRPr lang="en-US" altLang="ko-KR" sz="3200" dirty="0"/>
           </a:p>
         </p:txBody>
       </p:sp>
     </p:spTree>
     <p:extLst>
       <p:ext uri="{BB962C8B-B14F-4D97-AF65-F5344CB8AC3E}">
-        <p14:creationId xmlns:p14="http://schemas.microsoft.com/office/powerpoint/2010/main" val="1657296804"/>
-      </p:ext>
-    </p:extLst>
-  </p:cSld>
-  <p:clrMapOvr>
-    <a:masterClrMapping/>
-  </p:clrMapOvr>
-</p:sld>
-</file>
-
-<file path=ppt/slides/slide30.xml><?xml version="1.0" encoding="utf-8"?>
-<p:sld xmlns:a="http://schemas.openxmlformats.org/drawingml/2006/main" xmlns:r="http://schemas.openxmlformats.org/officeDocument/2006/relationships" xmlns:p="http://schemas.openxmlformats.org/presentationml/2006/main">
-  <p:cSld>
-    <p:spTree>
-      <p:nvGrpSpPr>
-        <p:cNvPr id="1" name=""/>
-        <p:cNvGrpSpPr/>
-        <p:nvPr/>
-      </p:nvGrpSpPr>
-      <p:grpSpPr>
-        <a:xfrm>
-          <a:off x="0" y="0"/>
-          <a:ext cx="0" cy="0"/>
-          <a:chOff x="0" y="0"/>
-          <a:chExt cx="0" cy="0"/>
-        </a:xfrm>
-      </p:grpSpPr>
-      <p:sp>
-        <p:nvSpPr>
-          <p:cNvPr id="2" name="제목 1"/>
-          <p:cNvSpPr>
-            <a:spLocks noGrp="1"/>
-          </p:cNvSpPr>
-          <p:nvPr>
-            <p:ph type="title"/>
-          </p:nvPr>
-        </p:nvSpPr>
-        <p:spPr>
-          <a:xfrm>
-            <a:off x="1484310" y="0"/>
-            <a:ext cx="10018713" cy="1752599"/>
-          </a:xfrm>
-        </p:spPr>
-        <p:txBody>
-          <a:bodyPr/>
-          <a:lstStyle/>
-          <a:p>
-            <a:r>
-              <a:rPr lang="ko-KR" altLang="en-US" dirty="0" err="1" smtClean="0">
-                <a:latin typeface="KoPubWorld돋움체 Light" panose="00000300000000000000" pitchFamily="2" charset="-127"/>
-                <a:ea typeface="KoPubWorld돋움체 Light" panose="00000300000000000000" pitchFamily="2" charset="-127"/>
-                <a:cs typeface="KoPubWorld돋움체 Light" panose="00000300000000000000" pitchFamily="2" charset="-127"/>
-              </a:rPr>
-              <a:t>다렉</a:t>
-            </a:r>
-            <a:r>
-              <a:rPr lang="ko-KR" altLang="en-US" dirty="0" smtClean="0">
-                <a:latin typeface="KoPubWorld돋움체 Light" panose="00000300000000000000" pitchFamily="2" charset="-127"/>
-                <a:ea typeface="KoPubWorld돋움체 Light" panose="00000300000000000000" pitchFamily="2" charset="-127"/>
-                <a:cs typeface="KoPubWorld돋움체 Light" panose="00000300000000000000" pitchFamily="2" charset="-127"/>
-              </a:rPr>
-              <a:t> 초기화 </a:t>
-            </a:r>
-            <a:r>
-              <a:rPr lang="en-US" altLang="ko-KR" dirty="0" smtClean="0">
-                <a:latin typeface="KoPubWorld돋움체 Light" panose="00000300000000000000" pitchFamily="2" charset="-127"/>
-                <a:ea typeface="KoPubWorld돋움체 Light" panose="00000300000000000000" pitchFamily="2" charset="-127"/>
-                <a:cs typeface="KoPubWorld돋움체 Light" panose="00000300000000000000" pitchFamily="2" charset="-127"/>
-              </a:rPr>
-              <a:t>– </a:t>
-            </a:r>
-            <a:r>
-              <a:rPr lang="ko-KR" altLang="en-US" dirty="0" smtClean="0">
-                <a:latin typeface="KoPubWorld돋움체 Light" panose="00000300000000000000" pitchFamily="2" charset="-127"/>
-                <a:ea typeface="KoPubWorld돋움체 Light" panose="00000300000000000000" pitchFamily="2" charset="-127"/>
-                <a:cs typeface="KoPubWorld돋움체 Light" panose="00000300000000000000" pitchFamily="2" charset="-127"/>
-              </a:rPr>
-              <a:t>기본 코드 수정</a:t>
-            </a:r>
-            <a:endParaRPr lang="ko-KR" altLang="en-US" dirty="0">
-              <a:latin typeface="KoPubWorld돋움체 Light" panose="00000300000000000000" pitchFamily="2" charset="-127"/>
-              <a:ea typeface="KoPubWorld돋움체 Light" panose="00000300000000000000" pitchFamily="2" charset="-127"/>
-              <a:cs typeface="KoPubWorld돋움체 Light" panose="00000300000000000000" pitchFamily="2" charset="-127"/>
-            </a:endParaRPr>
-          </a:p>
-        </p:txBody>
-      </p:sp>
-      <p:sp>
-        <p:nvSpPr>
-          <p:cNvPr id="3" name="내용 개체 틀 2"/>
-          <p:cNvSpPr>
-            <a:spLocks noGrp="1"/>
-          </p:cNvSpPr>
-          <p:nvPr>
-            <p:ph idx="1"/>
-          </p:nvPr>
-        </p:nvSpPr>
-        <p:spPr>
-          <a:xfrm>
-            <a:off x="1139821" y="1260229"/>
-            <a:ext cx="10707690" cy="3124201"/>
-          </a:xfrm>
-        </p:spPr>
-        <p:txBody>
-          <a:bodyPr>
-            <a:normAutofit/>
-          </a:bodyPr>
-          <a:lstStyle/>
-          <a:p>
-            <a:pPr marL="0" indent="0">
-              <a:buNone/>
-            </a:pPr>
-            <a:endParaRPr lang="en-US" altLang="ko-KR" sz="1800" dirty="0" smtClean="0">
-              <a:latin typeface="KoPubWorld돋움체 Light" panose="00000300000000000000" pitchFamily="2" charset="-127"/>
-              <a:ea typeface="KoPubWorld돋움체 Light" panose="00000300000000000000" pitchFamily="2" charset="-127"/>
-              <a:cs typeface="KoPubWorld돋움체 Light" panose="00000300000000000000" pitchFamily="2" charset="-127"/>
-            </a:endParaRPr>
-          </a:p>
-          <a:p>
-            <a:r>
-              <a:rPr lang="fr-FR" altLang="ko-KR" sz="1800" dirty="0" smtClean="0">
-                <a:latin typeface="KoPubWorld돋움체 Light" panose="00000300000000000000" pitchFamily="2" charset="-127"/>
-                <a:ea typeface="KoPubWorld돋움체 Light" panose="00000300000000000000" pitchFamily="2" charset="-127"/>
-                <a:cs typeface="KoPubWorld돋움체 Light" panose="00000300000000000000" pitchFamily="2" charset="-127"/>
-              </a:rPr>
-              <a:t>C</a:t>
-            </a:r>
-            <a:r>
-              <a:rPr lang="fr-FR" altLang="ko-KR" sz="1800" dirty="0">
-                <a:latin typeface="KoPubWorld돋움체 Light" panose="00000300000000000000" pitchFamily="2" charset="-127"/>
-                <a:ea typeface="KoPubWorld돋움체 Light" panose="00000300000000000000" pitchFamily="2" charset="-127"/>
-                <a:cs typeface="KoPubWorld돋움체 Light" panose="00000300000000000000" pitchFamily="2" charset="-127"/>
-              </a:rPr>
-              <a:t>:\Program Files (x86)\Microsoft </a:t>
-            </a:r>
-            <a:r>
-              <a:rPr lang="fr-FR" altLang="ko-KR" sz="1800" dirty="0" smtClean="0">
-                <a:latin typeface="KoPubWorld돋움체 Light" panose="00000300000000000000" pitchFamily="2" charset="-127"/>
-                <a:ea typeface="KoPubWorld돋움체 Light" panose="00000300000000000000" pitchFamily="2" charset="-127"/>
-                <a:cs typeface="KoPubWorld돋움체 Light" panose="00000300000000000000" pitchFamily="2" charset="-127"/>
-              </a:rPr>
-              <a:t>DirectX SDK (June2010)</a:t>
-            </a:r>
-          </a:p>
-          <a:p>
-            <a:pPr marL="0" indent="0">
-              <a:buNone/>
-            </a:pPr>
-            <a:r>
-              <a:rPr lang="fr-FR" altLang="ko-KR" sz="1800" dirty="0" smtClean="0">
-                <a:latin typeface="KoPubWorld돋움체 Light" panose="00000300000000000000" pitchFamily="2" charset="-127"/>
-                <a:ea typeface="KoPubWorld돋움체 Light" panose="00000300000000000000" pitchFamily="2" charset="-127"/>
-                <a:cs typeface="KoPubWorld돋움체 Light" panose="00000300000000000000" pitchFamily="2" charset="-127"/>
-              </a:rPr>
-              <a:t>\Documentation\DirectX9\directx_sdk.chm</a:t>
-            </a:r>
-          </a:p>
-          <a:p>
-            <a:r>
-              <a:rPr lang="ko-KR" altLang="en-US" sz="2000" dirty="0" smtClean="0">
-                <a:latin typeface="KoPubWorld돋움체 Light" panose="00000300000000000000" pitchFamily="2" charset="-127"/>
-                <a:ea typeface="KoPubWorld돋움체 Light" panose="00000300000000000000" pitchFamily="2" charset="-127"/>
-                <a:cs typeface="KoPubWorld돋움체 Light" panose="00000300000000000000" pitchFamily="2" charset="-127"/>
-              </a:rPr>
-              <a:t>도큐먼트 문서를 </a:t>
-            </a:r>
-            <a:r>
-              <a:rPr lang="ko-KR" altLang="en-US" sz="2000" dirty="0" err="1" smtClean="0">
-                <a:latin typeface="KoPubWorld돋움체 Light" panose="00000300000000000000" pitchFamily="2" charset="-127"/>
-                <a:ea typeface="KoPubWorld돋움체 Light" panose="00000300000000000000" pitchFamily="2" charset="-127"/>
-                <a:cs typeface="KoPubWorld돋움체 Light" panose="00000300000000000000" pitchFamily="2" charset="-127"/>
-              </a:rPr>
-              <a:t>복붙하면</a:t>
-            </a:r>
-            <a:r>
-              <a:rPr lang="ko-KR" altLang="en-US" sz="2000" dirty="0" smtClean="0">
-                <a:latin typeface="KoPubWorld돋움체 Light" panose="00000300000000000000" pitchFamily="2" charset="-127"/>
-                <a:ea typeface="KoPubWorld돋움체 Light" panose="00000300000000000000" pitchFamily="2" charset="-127"/>
-                <a:cs typeface="KoPubWorld돋움체 Light" panose="00000300000000000000" pitchFamily="2" charset="-127"/>
-              </a:rPr>
-              <a:t> 자동으로 </a:t>
-            </a:r>
-            <a:r>
-              <a:rPr lang="ko-KR" altLang="en-US" sz="2000" dirty="0" err="1" smtClean="0">
-                <a:latin typeface="KoPubWorld돋움체 Light" panose="00000300000000000000" pitchFamily="2" charset="-127"/>
-                <a:ea typeface="KoPubWorld돋움체 Light" panose="00000300000000000000" pitchFamily="2" charset="-127"/>
-                <a:cs typeface="KoPubWorld돋움체 Light" panose="00000300000000000000" pitchFamily="2" charset="-127"/>
-              </a:rPr>
-              <a:t>다렉이</a:t>
-            </a:r>
-            <a:r>
-              <a:rPr lang="ko-KR" altLang="en-US" sz="2000" dirty="0" smtClean="0">
-                <a:latin typeface="KoPubWorld돋움체 Light" panose="00000300000000000000" pitchFamily="2" charset="-127"/>
-                <a:ea typeface="KoPubWorld돋움체 Light" panose="00000300000000000000" pitchFamily="2" charset="-127"/>
-                <a:cs typeface="KoPubWorld돋움체 Light" panose="00000300000000000000" pitchFamily="2" charset="-127"/>
-              </a:rPr>
-              <a:t> 초기화 됨</a:t>
-            </a:r>
-            <a:endParaRPr lang="en-US" altLang="ko-KR" sz="2000" dirty="0">
-              <a:latin typeface="KoPubWorld돋움체 Light" panose="00000300000000000000" pitchFamily="2" charset="-127"/>
-              <a:ea typeface="KoPubWorld돋움체 Light" panose="00000300000000000000" pitchFamily="2" charset="-127"/>
-              <a:cs typeface="KoPubWorld돋움체 Light" panose="00000300000000000000" pitchFamily="2" charset="-127"/>
-            </a:endParaRPr>
-          </a:p>
-          <a:p>
-            <a:endParaRPr lang="en-US" altLang="ko-KR" sz="1800" dirty="0">
-              <a:latin typeface="KoPubWorld돋움체 Light" panose="00000300000000000000" pitchFamily="2" charset="-127"/>
-              <a:ea typeface="KoPubWorld돋움체 Light" panose="00000300000000000000" pitchFamily="2" charset="-127"/>
-              <a:cs typeface="KoPubWorld돋움체 Light" panose="00000300000000000000" pitchFamily="2" charset="-127"/>
-            </a:endParaRPr>
-          </a:p>
-          <a:p>
-            <a:endParaRPr lang="ko-KR" altLang="en-US" sz="1800" dirty="0">
-              <a:latin typeface="KoPubWorld돋움체 Light" panose="00000300000000000000" pitchFamily="2" charset="-127"/>
-              <a:ea typeface="KoPubWorld돋움체 Light" panose="00000300000000000000" pitchFamily="2" charset="-127"/>
-              <a:cs typeface="KoPubWorld돋움체 Light" panose="00000300000000000000" pitchFamily="2" charset="-127"/>
-            </a:endParaRPr>
-          </a:p>
-        </p:txBody>
-      </p:sp>
-      <p:pic>
-        <p:nvPicPr>
-          <p:cNvPr id="4" name="그림 3"/>
-          <p:cNvPicPr>
-            <a:picLocks noChangeAspect="1"/>
-          </p:cNvPicPr>
-          <p:nvPr/>
-        </p:nvPicPr>
-        <p:blipFill>
-          <a:blip r:embed="rId2">
-            <a:extLst>
-              <a:ext uri="{28A0092B-C50C-407E-A947-70E740481C1C}">
-                <a14:useLocalDpi xmlns:a14="http://schemas.microsoft.com/office/drawing/2010/main" val="0"/>
-              </a:ext>
-            </a:extLst>
-          </a:blip>
-          <a:stretch>
-            <a:fillRect/>
-          </a:stretch>
-        </p:blipFill>
-        <p:spPr>
-          <a:xfrm>
-            <a:off x="8084611" y="1260229"/>
-            <a:ext cx="3762900" cy="4639322"/>
-          </a:xfrm>
-          <a:prstGeom prst="rect">
-            <a:avLst/>
-          </a:prstGeom>
-        </p:spPr>
-      </p:pic>
-    </p:spTree>
-    <p:extLst>
-      <p:ext uri="{BB962C8B-B14F-4D97-AF65-F5344CB8AC3E}">
-        <p14:creationId xmlns:p14="http://schemas.microsoft.com/office/powerpoint/2010/main" val="999536802"/>
+        <p14:creationId xmlns:p14="http://schemas.microsoft.com/office/powerpoint/2010/main" val="2737126097"/>
       </p:ext>
     </p:extLst>
   </p:cSld>
@@ -13177,23 +12360,7 @@
                 <a:ea typeface="KoPubWorld돋움체 Light" panose="00000300000000000000" pitchFamily="2" charset="-127"/>
                 <a:cs typeface="KoPubWorld돋움체 Light" panose="00000300000000000000" pitchFamily="2" charset="-127"/>
               </a:rPr>
-              <a:t>간단한</a:t>
-            </a:r>
-            <a:r>
-              <a:rPr lang="ko-KR" altLang="en-US" sz="3600" dirty="0" smtClean="0">
-                <a:latin typeface="KoPubWorld돋움체 Light" panose="00000300000000000000" pitchFamily="2" charset="-127"/>
-                <a:ea typeface="KoPubWorld돋움체 Light" panose="00000300000000000000" pitchFamily="2" charset="-127"/>
-                <a:cs typeface="KoPubWorld돋움체 Light" panose="00000300000000000000" pitchFamily="2" charset="-127"/>
-              </a:rPr>
-              <a:t> </a:t>
-            </a:r>
-            <a:r>
-              <a:rPr lang="ko-KR" altLang="en-US" sz="6000" dirty="0" smtClean="0">
-                <a:latin typeface="KoPubWorld돋움체 Light" panose="00000300000000000000" pitchFamily="2" charset="-127"/>
-                <a:ea typeface="KoPubWorld돋움체 Light" panose="00000300000000000000" pitchFamily="2" charset="-127"/>
-                <a:cs typeface="KoPubWorld돋움체 Light" panose="00000300000000000000" pitchFamily="2" charset="-127"/>
-              </a:rPr>
-              <a:t>자기 소개</a:t>
+              <a:t>시작 전 이야기</a:t>
             </a:r>
             <a:endParaRPr lang="ko-KR" altLang="en-US" sz="6000" dirty="0">
               <a:latin typeface="KoPubWorld돋움체 Light" panose="00000300000000000000" pitchFamily="2" charset="-127"/>
@@ -13215,49 +12382,33 @@
         </p:nvSpPr>
         <p:spPr>
           <a:xfrm>
-            <a:off x="1484310" y="2631830"/>
-            <a:ext cx="10018713" cy="3124201"/>
+            <a:off x="1484310" y="2666999"/>
+            <a:ext cx="10464436" cy="3124201"/>
           </a:xfrm>
         </p:spPr>
         <p:txBody>
           <a:bodyPr>
-            <a:noAutofit/>
+            <a:normAutofit/>
           </a:bodyPr>
           <a:lstStyle/>
           <a:p>
             <a:r>
-              <a:rPr lang="ko-KR" altLang="en-US" sz="3200" dirty="0" err="1" smtClean="0">
-                <a:latin typeface="KoPubWorld돋움체 Light" panose="00000300000000000000" pitchFamily="2" charset="-127"/>
-                <a:ea typeface="KoPubWorld돋움체 Light" panose="00000300000000000000" pitchFamily="2" charset="-127"/>
-                <a:cs typeface="KoPubWorld돋움체 Light" panose="00000300000000000000" pitchFamily="2" charset="-127"/>
-              </a:rPr>
-              <a:t>애니원</a:t>
-            </a:r>
-            <a:r>
-              <a:rPr lang="ko-KR" altLang="en-US" sz="3200" dirty="0" smtClean="0">
-                <a:latin typeface="KoPubWorld돋움체 Light" panose="00000300000000000000" pitchFamily="2" charset="-127"/>
-                <a:ea typeface="KoPubWorld돋움체 Light" panose="00000300000000000000" pitchFamily="2" charset="-127"/>
-                <a:cs typeface="KoPubWorld돋움체 Light" panose="00000300000000000000" pitchFamily="2" charset="-127"/>
-              </a:rPr>
-              <a:t> 고등학교 게임과 </a:t>
-            </a:r>
-            <a:r>
-              <a:rPr lang="en-US" altLang="ko-KR" sz="3200" dirty="0" smtClean="0">
-                <a:latin typeface="KoPubWorld돋움체 Light" panose="00000300000000000000" pitchFamily="2" charset="-127"/>
-                <a:ea typeface="KoPubWorld돋움체 Light" panose="00000300000000000000" pitchFamily="2" charset="-127"/>
-                <a:cs typeface="KoPubWorld돋움체 Light" panose="00000300000000000000" pitchFamily="2" charset="-127"/>
-              </a:rPr>
-              <a:t>15</a:t>
-            </a:r>
-            <a:r>
-              <a:rPr lang="ko-KR" altLang="en-US" sz="3200" dirty="0" smtClean="0">
-                <a:latin typeface="KoPubWorld돋움체 Light" panose="00000300000000000000" pitchFamily="2" charset="-127"/>
-                <a:ea typeface="KoPubWorld돋움체 Light" panose="00000300000000000000" pitchFamily="2" charset="-127"/>
-                <a:cs typeface="KoPubWorld돋움체 Light" panose="00000300000000000000" pitchFamily="2" charset="-127"/>
-              </a:rPr>
-              <a:t>기 이민섭</a:t>
-            </a:r>
-            <a:endParaRPr lang="en-US" altLang="ko-KR" sz="3200" dirty="0" smtClean="0">
+              <a:rPr lang="en-US" altLang="ko-KR" sz="2800" dirty="0" smtClean="0">
+                <a:latin typeface="KoPubWorld돋움체 Light" panose="00000300000000000000" pitchFamily="2" charset="-127"/>
+                <a:ea typeface="KoPubWorld돋움체 Light" panose="00000300000000000000" pitchFamily="2" charset="-127"/>
+                <a:cs typeface="KoPubWorld돋움체 Light" panose="00000300000000000000" pitchFamily="2" charset="-127"/>
+              </a:rPr>
+              <a:t>4</a:t>
+            </a:r>
+            <a:r>
+              <a:rPr lang="ko-KR" altLang="en-US" sz="2800" dirty="0" smtClean="0">
+                <a:latin typeface="KoPubWorld돋움체 Light" panose="00000300000000000000" pitchFamily="2" charset="-127"/>
+                <a:ea typeface="KoPubWorld돋움체 Light" panose="00000300000000000000" pitchFamily="2" charset="-127"/>
+                <a:cs typeface="KoPubWorld돋움체 Light" panose="00000300000000000000" pitchFamily="2" charset="-127"/>
+              </a:rPr>
+              <a:t>일동안 기본적인 기능이 담긴 엔진을 제작</a:t>
+            </a:r>
+            <a:endParaRPr lang="en-US" altLang="ko-KR" sz="2800" dirty="0" smtClean="0">
               <a:latin typeface="KoPubWorld돋움체 Light" panose="00000300000000000000" pitchFamily="2" charset="-127"/>
               <a:ea typeface="KoPubWorld돋움체 Light" panose="00000300000000000000" pitchFamily="2" charset="-127"/>
               <a:cs typeface="KoPubWorld돋움체 Light" panose="00000300000000000000" pitchFamily="2" charset="-127"/>
@@ -13265,22 +12416,22 @@
           </a:p>
           <a:p>
             <a:r>
-              <a:rPr lang="en-US" altLang="ko-KR" sz="3200" dirty="0" smtClean="0">
-                <a:latin typeface="KoPubWorld돋움체 Light" panose="00000300000000000000" pitchFamily="2" charset="-127"/>
-                <a:ea typeface="KoPubWorld돋움체 Light" panose="00000300000000000000" pitchFamily="2" charset="-127"/>
-                <a:cs typeface="KoPubWorld돋움체 Light" panose="00000300000000000000" pitchFamily="2" charset="-127"/>
-              </a:rPr>
-              <a:t>2018</a:t>
-            </a:r>
-            <a:r>
-              <a:rPr lang="ko-KR" altLang="en-US" sz="3200" dirty="0" smtClean="0">
-                <a:latin typeface="KoPubWorld돋움체 Light" panose="00000300000000000000" pitchFamily="2" charset="-127"/>
-                <a:ea typeface="KoPubWorld돋움체 Light" panose="00000300000000000000" pitchFamily="2" charset="-127"/>
-                <a:cs typeface="KoPubWorld돋움체 Light" panose="00000300000000000000" pitchFamily="2" charset="-127"/>
-              </a:rPr>
-              <a:t>년 지방 기능 장려상</a:t>
-            </a:r>
-            <a:endParaRPr lang="en-US" altLang="ko-KR" sz="3200" dirty="0">
+              <a:rPr lang="ko-KR" altLang="en-US" sz="2800" dirty="0" err="1" smtClean="0">
+                <a:latin typeface="KoPubWorld돋움체 Light" panose="00000300000000000000" pitchFamily="2" charset="-127"/>
+                <a:ea typeface="KoPubWorld돋움체 Light" panose="00000300000000000000" pitchFamily="2" charset="-127"/>
+                <a:cs typeface="KoPubWorld돋움체 Light" panose="00000300000000000000" pitchFamily="2" charset="-127"/>
+              </a:rPr>
+              <a:t>유니티의</a:t>
+            </a:r>
+            <a:r>
+              <a:rPr lang="ko-KR" altLang="en-US" sz="2800" dirty="0" smtClean="0">
+                <a:latin typeface="KoPubWorld돋움체 Light" panose="00000300000000000000" pitchFamily="2" charset="-127"/>
+                <a:ea typeface="KoPubWorld돋움체 Light" panose="00000300000000000000" pitchFamily="2" charset="-127"/>
+                <a:cs typeface="KoPubWorld돋움체 Light" panose="00000300000000000000" pitchFamily="2" charset="-127"/>
+              </a:rPr>
+              <a:t> 키워드와 구조를 따라해서 만들려고 함</a:t>
+            </a:r>
+            <a:endParaRPr lang="en-US" altLang="ko-KR" sz="2800" dirty="0" smtClean="0">
               <a:latin typeface="KoPubWorld돋움체 Light" panose="00000300000000000000" pitchFamily="2" charset="-127"/>
               <a:ea typeface="KoPubWorld돋움체 Light" panose="00000300000000000000" pitchFamily="2" charset="-127"/>
               <a:cs typeface="KoPubWorld돋움체 Light" panose="00000300000000000000" pitchFamily="2" charset="-127"/>
@@ -13288,22 +12439,14 @@
           </a:p>
           <a:p>
             <a:r>
-              <a:rPr lang="en-US" altLang="ko-KR" sz="3200" dirty="0" smtClean="0">
-                <a:latin typeface="KoPubWorld돋움체 Light" panose="00000300000000000000" pitchFamily="2" charset="-127"/>
-                <a:ea typeface="KoPubWorld돋움체 Light" panose="00000300000000000000" pitchFamily="2" charset="-127"/>
-                <a:cs typeface="KoPubWorld돋움체 Light" panose="00000300000000000000" pitchFamily="2" charset="-127"/>
-              </a:rPr>
-              <a:t>2019</a:t>
-            </a:r>
-            <a:r>
-              <a:rPr lang="ko-KR" altLang="en-US" sz="3200" dirty="0" smtClean="0">
-                <a:latin typeface="KoPubWorld돋움체 Light" panose="00000300000000000000" pitchFamily="2" charset="-127"/>
-                <a:ea typeface="KoPubWorld돋움체 Light" panose="00000300000000000000" pitchFamily="2" charset="-127"/>
-                <a:cs typeface="KoPubWorld돋움체 Light" panose="00000300000000000000" pitchFamily="2" charset="-127"/>
-              </a:rPr>
-              <a:t>년 지방 기능 은상</a:t>
-            </a:r>
-            <a:endParaRPr lang="en-US" altLang="ko-KR" sz="3200" dirty="0" smtClean="0">
+              <a:rPr lang="ko-KR" altLang="en-US" sz="2800" dirty="0" smtClean="0">
+                <a:latin typeface="KoPubWorld돋움체 Light" panose="00000300000000000000" pitchFamily="2" charset="-127"/>
+                <a:ea typeface="KoPubWorld돋움체 Light" panose="00000300000000000000" pitchFamily="2" charset="-127"/>
+                <a:cs typeface="KoPubWorld돋움체 Light" panose="00000300000000000000" pitchFamily="2" charset="-127"/>
+              </a:rPr>
+              <a:t>시간이 남으면 만든 엔진으로 게임을 만들거나 네트워크 수업을 할 예정</a:t>
+            </a:r>
+            <a:endParaRPr lang="en-US" altLang="ko-KR" sz="2800" dirty="0" smtClean="0">
               <a:latin typeface="KoPubWorld돋움체 Light" panose="00000300000000000000" pitchFamily="2" charset="-127"/>
               <a:ea typeface="KoPubWorld돋움체 Light" panose="00000300000000000000" pitchFamily="2" charset="-127"/>
               <a:cs typeface="KoPubWorld돋움체 Light" panose="00000300000000000000" pitchFamily="2" charset="-127"/>
@@ -13311,53 +12454,21 @@
           </a:p>
           <a:p>
             <a:r>
-              <a:rPr lang="en-US" altLang="ko-KR" sz="3200" dirty="0" smtClean="0">
-                <a:latin typeface="KoPubWorld돋움체 Light" panose="00000300000000000000" pitchFamily="2" charset="-127"/>
-                <a:ea typeface="KoPubWorld돋움체 Light" panose="00000300000000000000" pitchFamily="2" charset="-127"/>
-                <a:cs typeface="KoPubWorld돋움체 Light" panose="00000300000000000000" pitchFamily="2" charset="-127"/>
-              </a:rPr>
-              <a:t>2019</a:t>
-            </a:r>
-            <a:r>
-              <a:rPr lang="ko-KR" altLang="en-US" sz="3200" dirty="0" smtClean="0">
-                <a:latin typeface="KoPubWorld돋움체 Light" panose="00000300000000000000" pitchFamily="2" charset="-127"/>
-                <a:ea typeface="KoPubWorld돋움체 Light" panose="00000300000000000000" pitchFamily="2" charset="-127"/>
-                <a:cs typeface="KoPubWorld돋움체 Light" panose="00000300000000000000" pitchFamily="2" charset="-127"/>
-              </a:rPr>
-              <a:t>년 전국 기능 장려상</a:t>
-            </a:r>
-            <a:endParaRPr lang="en-US" altLang="ko-KR" sz="3200" dirty="0" smtClean="0">
+              <a:rPr lang="ko-KR" altLang="en-US" sz="2800" dirty="0" smtClean="0">
+                <a:latin typeface="KoPubWorld돋움체 Light" panose="00000300000000000000" pitchFamily="2" charset="-127"/>
+                <a:ea typeface="KoPubWorld돋움체 Light" panose="00000300000000000000" pitchFamily="2" charset="-127"/>
+                <a:cs typeface="KoPubWorld돋움체 Light" panose="00000300000000000000" pitchFamily="2" charset="-127"/>
+              </a:rPr>
+              <a:t>이해가 안되거나 속도가 너무 빠르면 바로바로 말해주기</a:t>
+            </a:r>
+            <a:endParaRPr lang="en-US" altLang="ko-KR" sz="2800" dirty="0" smtClean="0">
               <a:latin typeface="KoPubWorld돋움체 Light" panose="00000300000000000000" pitchFamily="2" charset="-127"/>
               <a:ea typeface="KoPubWorld돋움체 Light" panose="00000300000000000000" pitchFamily="2" charset="-127"/>
               <a:cs typeface="KoPubWorld돋움체 Light" panose="00000300000000000000" pitchFamily="2" charset="-127"/>
             </a:endParaRPr>
           </a:p>
           <a:p>
-            <a:r>
-              <a:rPr lang="ko-KR" altLang="en-US" sz="3200" dirty="0" smtClean="0">
-                <a:latin typeface="KoPubWorld돋움체 Light" panose="00000300000000000000" pitchFamily="2" charset="-127"/>
-                <a:ea typeface="KoPubWorld돋움체 Light" panose="00000300000000000000" pitchFamily="2" charset="-127"/>
-                <a:cs typeface="KoPubWorld돋움체 Light" panose="00000300000000000000" pitchFamily="2" charset="-127"/>
-              </a:rPr>
-              <a:t>청강문화산업대학교 게임과 </a:t>
-            </a:r>
-            <a:r>
-              <a:rPr lang="en-US" altLang="ko-KR" sz="3200" dirty="0" smtClean="0">
-                <a:latin typeface="KoPubWorld돋움체 Light" panose="00000300000000000000" pitchFamily="2" charset="-127"/>
-                <a:ea typeface="KoPubWorld돋움체 Light" panose="00000300000000000000" pitchFamily="2" charset="-127"/>
-                <a:cs typeface="KoPubWorld돋움체 Light" panose="00000300000000000000" pitchFamily="2" charset="-127"/>
-              </a:rPr>
-              <a:t>2020</a:t>
-            </a:r>
-            <a:r>
-              <a:rPr lang="ko-KR" altLang="en-US" sz="3200" dirty="0" smtClean="0">
-                <a:latin typeface="KoPubWorld돋움체 Light" panose="00000300000000000000" pitchFamily="2" charset="-127"/>
-                <a:ea typeface="KoPubWorld돋움체 Light" panose="00000300000000000000" pitchFamily="2" charset="-127"/>
-                <a:cs typeface="KoPubWorld돋움체 Light" panose="00000300000000000000" pitchFamily="2" charset="-127"/>
-              </a:rPr>
-              <a:t>학번 예정</a:t>
-            </a:r>
-            <a:endParaRPr lang="ko-KR" altLang="en-US" sz="3200" dirty="0">
+            <a:endParaRPr lang="ko-KR" altLang="en-US" sz="2800" dirty="0">
               <a:latin typeface="KoPubWorld돋움체 Light" panose="00000300000000000000" pitchFamily="2" charset="-127"/>
               <a:ea typeface="KoPubWorld돋움체 Light" panose="00000300000000000000" pitchFamily="2" charset="-127"/>
               <a:cs typeface="KoPubWorld돋움체 Light" panose="00000300000000000000" pitchFamily="2" charset="-127"/>
@@ -13365,40 +12476,10 @@
           </a:p>
         </p:txBody>
       </p:sp>
-      <p:pic>
-        <p:nvPicPr>
-          <p:cNvPr id="5" name="그림 4"/>
-          <p:cNvPicPr>
-            <a:picLocks noChangeAspect="1"/>
-          </p:cNvPicPr>
-          <p:nvPr/>
-        </p:nvPicPr>
-        <p:blipFill>
-          <a:blip r:embed="rId2">
-            <a:extLst>
-              <a:ext uri="{28A0092B-C50C-407E-A947-70E740481C1C}">
-                <a14:useLocalDpi xmlns:a14="http://schemas.microsoft.com/office/drawing/2010/main" val="0"/>
-              </a:ext>
-            </a:extLst>
-          </a:blip>
-          <a:stretch>
-            <a:fillRect/>
-          </a:stretch>
-        </p:blipFill>
-        <p:spPr>
-          <a:xfrm>
-            <a:off x="7992207" y="1471978"/>
-            <a:ext cx="3932361" cy="2502412"/>
-          </a:xfrm>
-          <a:prstGeom prst="rect">
-            <a:avLst/>
-          </a:prstGeom>
-        </p:spPr>
-      </p:pic>
     </p:spTree>
     <p:extLst>
       <p:ext uri="{BB962C8B-B14F-4D97-AF65-F5344CB8AC3E}">
-        <p14:creationId xmlns:p14="http://schemas.microsoft.com/office/powerpoint/2010/main" val="299954733"/>
+        <p14:creationId xmlns:p14="http://schemas.microsoft.com/office/powerpoint/2010/main" val="1657296804"/>
       </p:ext>
     </p:extLst>
   </p:cSld>
@@ -13409,6 +12490,98 @@
 </file>
 
 <file path=ppt/slides/slide5.xml><?xml version="1.0" encoding="utf-8"?>
+<p:sld xmlns:a="http://schemas.openxmlformats.org/drawingml/2006/main" xmlns:r="http://schemas.openxmlformats.org/officeDocument/2006/relationships" xmlns:p="http://schemas.openxmlformats.org/presentationml/2006/main">
+  <p:cSld>
+    <p:spTree>
+      <p:nvGrpSpPr>
+        <p:cNvPr id="1" name=""/>
+        <p:cNvGrpSpPr/>
+        <p:nvPr/>
+      </p:nvGrpSpPr>
+      <p:grpSpPr>
+        <a:xfrm>
+          <a:off x="0" y="0"/>
+          <a:ext cx="0" cy="0"/>
+          <a:chOff x="0" y="0"/>
+          <a:chExt cx="0" cy="0"/>
+        </a:xfrm>
+      </p:grpSpPr>
+      <p:sp>
+        <p:nvSpPr>
+          <p:cNvPr id="2" name="제목 1"/>
+          <p:cNvSpPr>
+            <a:spLocks noGrp="1"/>
+          </p:cNvSpPr>
+          <p:nvPr>
+            <p:ph type="title"/>
+          </p:nvPr>
+        </p:nvSpPr>
+        <p:spPr>
+          <a:xfrm>
+            <a:off x="1176579" y="2426677"/>
+            <a:ext cx="10018713" cy="1752599"/>
+          </a:xfrm>
+        </p:spPr>
+        <p:txBody>
+          <a:bodyPr>
+            <a:noAutofit/>
+          </a:bodyPr>
+          <a:lstStyle/>
+          <a:p>
+            <a:r>
+              <a:rPr lang="en-US" altLang="ko-KR" sz="5400" dirty="0" smtClean="0">
+                <a:latin typeface="KoPubWorld돋움체 Light" panose="00000300000000000000" pitchFamily="2" charset="-127"/>
+                <a:ea typeface="KoPubWorld돋움체 Light" panose="00000300000000000000" pitchFamily="2" charset="-127"/>
+                <a:cs typeface="KoPubWorld돋움체 Light" panose="00000300000000000000" pitchFamily="2" charset="-127"/>
+              </a:rPr>
+              <a:t>GitHub</a:t>
+            </a:r>
+            <a:r>
+              <a:rPr lang="ko-KR" altLang="en-US" sz="5400" dirty="0" smtClean="0">
+                <a:latin typeface="KoPubWorld돋움체 Light" panose="00000300000000000000" pitchFamily="2" charset="-127"/>
+                <a:ea typeface="KoPubWorld돋움체 Light" panose="00000300000000000000" pitchFamily="2" charset="-127"/>
+                <a:cs typeface="KoPubWorld돋움체 Light" panose="00000300000000000000" pitchFamily="2" charset="-127"/>
+              </a:rPr>
+              <a:t>를 </a:t>
+            </a:r>
+            <a:r>
+              <a:rPr lang="ko-KR" altLang="en-US" sz="5400" dirty="0" smtClean="0">
+                <a:latin typeface="KoPubWorld돋움체 Light" panose="00000300000000000000" pitchFamily="2" charset="-127"/>
+                <a:ea typeface="KoPubWorld돋움체 Light" panose="00000300000000000000" pitchFamily="2" charset="-127"/>
+                <a:cs typeface="KoPubWorld돋움체 Light" panose="00000300000000000000" pitchFamily="2" charset="-127"/>
+              </a:rPr>
+              <a:t>사용해 보자</a:t>
+            </a:r>
+            <a:r>
+              <a:rPr lang="en-US" altLang="ko-KR" sz="5400" dirty="0" smtClean="0">
+                <a:latin typeface="KoPubWorld돋움체 Light" panose="00000300000000000000" pitchFamily="2" charset="-127"/>
+                <a:ea typeface="KoPubWorld돋움체 Light" panose="00000300000000000000" pitchFamily="2" charset="-127"/>
+                <a:cs typeface="KoPubWorld돋움체 Light" panose="00000300000000000000" pitchFamily="2" charset="-127"/>
+              </a:rPr>
+              <a:t>!</a:t>
+            </a:r>
+            <a:endParaRPr lang="ko-KR" altLang="en-US" sz="5400" dirty="0">
+              <a:latin typeface="KoPubWorld돋움체 Light" panose="00000300000000000000" pitchFamily="2" charset="-127"/>
+              <a:ea typeface="KoPubWorld돋움체 Light" panose="00000300000000000000" pitchFamily="2" charset="-127"/>
+              <a:cs typeface="KoPubWorld돋움체 Light" panose="00000300000000000000" pitchFamily="2" charset="-127"/>
+            </a:endParaRPr>
+          </a:p>
+        </p:txBody>
+      </p:sp>
+    </p:spTree>
+    <p:extLst>
+      <p:ext uri="{BB962C8B-B14F-4D97-AF65-F5344CB8AC3E}">
+        <p14:creationId xmlns:p14="http://schemas.microsoft.com/office/powerpoint/2010/main" val="849515374"/>
+      </p:ext>
+    </p:extLst>
+  </p:cSld>
+  <p:clrMapOvr>
+    <a:masterClrMapping/>
+  </p:clrMapOvr>
+</p:sld>
+</file>
+
+<file path=ppt/slides/slide6.xml><?xml version="1.0" encoding="utf-8"?>
 <p:sld xmlns:a="http://schemas.openxmlformats.org/drawingml/2006/main" xmlns:r="http://schemas.openxmlformats.org/officeDocument/2006/relationships" xmlns:p="http://schemas.openxmlformats.org/presentationml/2006/main">
   <p:cSld>
     <p:spTree>
@@ -13730,185 +12903,6 @@
 </p:sld>
 </file>
 
-<file path=ppt/slides/slide6.xml><?xml version="1.0" encoding="utf-8"?>
-<p:sld xmlns:a="http://schemas.openxmlformats.org/drawingml/2006/main" xmlns:r="http://schemas.openxmlformats.org/officeDocument/2006/relationships" xmlns:p="http://schemas.openxmlformats.org/presentationml/2006/main">
-  <p:cSld>
-    <p:spTree>
-      <p:nvGrpSpPr>
-        <p:cNvPr id="1" name=""/>
-        <p:cNvGrpSpPr/>
-        <p:nvPr/>
-      </p:nvGrpSpPr>
-      <p:grpSpPr>
-        <a:xfrm>
-          <a:off x="0" y="0"/>
-          <a:ext cx="0" cy="0"/>
-          <a:chOff x="0" y="0"/>
-          <a:chExt cx="0" cy="0"/>
-        </a:xfrm>
-      </p:grpSpPr>
-      <p:sp>
-        <p:nvSpPr>
-          <p:cNvPr id="2" name="제목 1"/>
-          <p:cNvSpPr>
-            <a:spLocks noGrp="1"/>
-          </p:cNvSpPr>
-          <p:nvPr>
-            <p:ph type="title"/>
-          </p:nvPr>
-        </p:nvSpPr>
-        <p:spPr>
-          <a:xfrm>
-            <a:off x="1484310" y="0"/>
-            <a:ext cx="10018713" cy="1752599"/>
-          </a:xfrm>
-        </p:spPr>
-        <p:txBody>
-          <a:bodyPr>
-            <a:normAutofit/>
-          </a:bodyPr>
-          <a:lstStyle/>
-          <a:p>
-            <a:r>
-              <a:rPr lang="en-US" altLang="ko-KR" sz="6000" dirty="0" smtClean="0">
-                <a:latin typeface="KoPubWorld돋움체 Light" panose="00000300000000000000" pitchFamily="2" charset="-127"/>
-                <a:ea typeface="KoPubWorld돋움체 Light" panose="00000300000000000000" pitchFamily="2" charset="-127"/>
-                <a:cs typeface="KoPubWorld돋움체 Light" panose="00000300000000000000" pitchFamily="2" charset="-127"/>
-              </a:rPr>
-              <a:t>GitHub </a:t>
-            </a:r>
-            <a:r>
-              <a:rPr lang="ko-KR" altLang="en-US" sz="6000" dirty="0" smtClean="0">
-                <a:latin typeface="KoPubWorld돋움체 Light" panose="00000300000000000000" pitchFamily="2" charset="-127"/>
-                <a:ea typeface="KoPubWorld돋움체 Light" panose="00000300000000000000" pitchFamily="2" charset="-127"/>
-                <a:cs typeface="KoPubWorld돋움체 Light" panose="00000300000000000000" pitchFamily="2" charset="-127"/>
-              </a:rPr>
-              <a:t>계정 생성</a:t>
-            </a:r>
-            <a:endParaRPr lang="ko-KR" altLang="en-US" sz="6000" dirty="0">
-              <a:latin typeface="KoPubWorld돋움체 Light" panose="00000300000000000000" pitchFamily="2" charset="-127"/>
-              <a:ea typeface="KoPubWorld돋움체 Light" panose="00000300000000000000" pitchFamily="2" charset="-127"/>
-              <a:cs typeface="KoPubWorld돋움체 Light" panose="00000300000000000000" pitchFamily="2" charset="-127"/>
-            </a:endParaRPr>
-          </a:p>
-        </p:txBody>
-      </p:sp>
-      <p:sp>
-        <p:nvSpPr>
-          <p:cNvPr id="3" name="내용 개체 틀 2"/>
-          <p:cNvSpPr>
-            <a:spLocks noGrp="1"/>
-          </p:cNvSpPr>
-          <p:nvPr>
-            <p:ph idx="1"/>
-          </p:nvPr>
-        </p:nvSpPr>
-        <p:spPr/>
-        <p:txBody>
-          <a:bodyPr>
-            <a:normAutofit/>
-          </a:bodyPr>
-          <a:lstStyle/>
-          <a:p>
-            <a:r>
-              <a:rPr lang="en-US" altLang="ko-KR" sz="3200" dirty="0" smtClean="0">
-                <a:latin typeface="KoPubWorld돋움체 Light" panose="00000300000000000000" pitchFamily="2" charset="-127"/>
-                <a:ea typeface="KoPubWorld돋움체 Light" panose="00000300000000000000" pitchFamily="2" charset="-127"/>
-                <a:cs typeface="KoPubWorld돋움체 Light" panose="00000300000000000000" pitchFamily="2" charset="-127"/>
-              </a:rPr>
-              <a:t>GitHub </a:t>
-            </a:r>
-            <a:r>
-              <a:rPr lang="ko-KR" altLang="en-US" sz="3200" dirty="0" smtClean="0">
-                <a:latin typeface="KoPubWorld돋움체 Light" panose="00000300000000000000" pitchFamily="2" charset="-127"/>
-                <a:ea typeface="KoPubWorld돋움체 Light" panose="00000300000000000000" pitchFamily="2" charset="-127"/>
-                <a:cs typeface="KoPubWorld돋움체 Light" panose="00000300000000000000" pitchFamily="2" charset="-127"/>
-              </a:rPr>
-              <a:t>홈페이지에 가서 </a:t>
-            </a:r>
-            <a:r>
-              <a:rPr lang="en-US" altLang="ko-KR" sz="3200" dirty="0" err="1" smtClean="0">
-                <a:latin typeface="KoPubWorld돋움체 Light" panose="00000300000000000000" pitchFamily="2" charset="-127"/>
-                <a:ea typeface="KoPubWorld돋움체 Light" panose="00000300000000000000" pitchFamily="2" charset="-127"/>
-                <a:cs typeface="KoPubWorld돋움체 Light" panose="00000300000000000000" pitchFamily="2" charset="-127"/>
-              </a:rPr>
-              <a:t>SignUp</a:t>
-            </a:r>
-            <a:r>
-              <a:rPr lang="en-US" altLang="ko-KR" sz="3200" dirty="0" smtClean="0">
-                <a:latin typeface="KoPubWorld돋움체 Light" panose="00000300000000000000" pitchFamily="2" charset="-127"/>
-                <a:ea typeface="KoPubWorld돋움체 Light" panose="00000300000000000000" pitchFamily="2" charset="-127"/>
-                <a:cs typeface="KoPubWorld돋움체 Light" panose="00000300000000000000" pitchFamily="2" charset="-127"/>
-              </a:rPr>
-              <a:t> </a:t>
-            </a:r>
-            <a:r>
-              <a:rPr lang="ko-KR" altLang="en-US" sz="3200" dirty="0" smtClean="0">
-                <a:latin typeface="KoPubWorld돋움체 Light" panose="00000300000000000000" pitchFamily="2" charset="-127"/>
-                <a:ea typeface="KoPubWorld돋움체 Light" panose="00000300000000000000" pitchFamily="2" charset="-127"/>
-                <a:cs typeface="KoPubWorld돋움체 Light" panose="00000300000000000000" pitchFamily="2" charset="-127"/>
-              </a:rPr>
-              <a:t>버튼 누르고 계정 만들면 됨</a:t>
-            </a:r>
-            <a:endParaRPr lang="en-US" altLang="ko-KR" sz="3200" dirty="0" smtClean="0">
-              <a:latin typeface="KoPubWorld돋움체 Light" panose="00000300000000000000" pitchFamily="2" charset="-127"/>
-              <a:ea typeface="KoPubWorld돋움체 Light" panose="00000300000000000000" pitchFamily="2" charset="-127"/>
-              <a:cs typeface="KoPubWorld돋움체 Light" panose="00000300000000000000" pitchFamily="2" charset="-127"/>
-            </a:endParaRPr>
-          </a:p>
-          <a:p>
-            <a:endParaRPr lang="en-US" altLang="ko-KR" sz="3200" dirty="0">
-              <a:latin typeface="KoPubWorld돋움체 Light" panose="00000300000000000000" pitchFamily="2" charset="-127"/>
-              <a:ea typeface="KoPubWorld돋움체 Light" panose="00000300000000000000" pitchFamily="2" charset="-127"/>
-              <a:cs typeface="KoPubWorld돋움체 Light" panose="00000300000000000000" pitchFamily="2" charset="-127"/>
-            </a:endParaRPr>
-          </a:p>
-          <a:p>
-            <a:r>
-              <a:rPr lang="ko-KR" altLang="en-US" sz="3200" dirty="0" smtClean="0">
-                <a:latin typeface="KoPubWorld돋움체 Light" panose="00000300000000000000" pitchFamily="2" charset="-127"/>
-                <a:ea typeface="KoPubWorld돋움체 Light" panose="00000300000000000000" pitchFamily="2" charset="-127"/>
-                <a:cs typeface="KoPubWorld돋움체 Light" panose="00000300000000000000" pitchFamily="2" charset="-127"/>
-              </a:rPr>
-              <a:t>이번 특강에 만들 엔진은 </a:t>
-            </a:r>
-            <a:r>
-              <a:rPr lang="ko-KR" altLang="en-US" sz="3200" dirty="0" err="1" smtClean="0">
-                <a:latin typeface="KoPubWorld돋움체 Light" panose="00000300000000000000" pitchFamily="2" charset="-127"/>
-                <a:ea typeface="KoPubWorld돋움체 Light" panose="00000300000000000000" pitchFamily="2" charset="-127"/>
-                <a:cs typeface="KoPubWorld돋움체 Light" panose="00000300000000000000" pitchFamily="2" charset="-127"/>
-              </a:rPr>
-              <a:t>깃허브를</a:t>
-            </a:r>
-            <a:r>
-              <a:rPr lang="ko-KR" altLang="en-US" sz="3200" dirty="0" smtClean="0">
-                <a:latin typeface="KoPubWorld돋움체 Light" panose="00000300000000000000" pitchFamily="2" charset="-127"/>
-                <a:ea typeface="KoPubWorld돋움체 Light" panose="00000300000000000000" pitchFamily="2" charset="-127"/>
-                <a:cs typeface="KoPubWorld돋움체 Light" panose="00000300000000000000" pitchFamily="2" charset="-127"/>
-              </a:rPr>
-              <a:t> 통해 관리할 것임</a:t>
-            </a:r>
-            <a:endParaRPr lang="en-US" altLang="ko-KR" sz="3200" dirty="0" smtClean="0">
-              <a:latin typeface="KoPubWorld돋움체 Light" panose="00000300000000000000" pitchFamily="2" charset="-127"/>
-              <a:ea typeface="KoPubWorld돋움체 Light" panose="00000300000000000000" pitchFamily="2" charset="-127"/>
-              <a:cs typeface="KoPubWorld돋움체 Light" panose="00000300000000000000" pitchFamily="2" charset="-127"/>
-            </a:endParaRPr>
-          </a:p>
-        </p:txBody>
-      </p:sp>
-    </p:spTree>
-    <p:extLst>
-      <p:ext uri="{BB962C8B-B14F-4D97-AF65-F5344CB8AC3E}">
-        <p14:creationId xmlns:p14="http://schemas.microsoft.com/office/powerpoint/2010/main" val="2245450800"/>
-      </p:ext>
-    </p:extLst>
-  </p:cSld>
-  <p:clrMapOvr>
-    <a:masterClrMapping/>
-  </p:clrMapOvr>
-</p:sld>
-</file>
-
 <file path=ppt/slides/slide7.xml><?xml version="1.0" encoding="utf-8"?>
 <p:sld xmlns:a="http://schemas.openxmlformats.org/drawingml/2006/main" xmlns:r="http://schemas.openxmlformats.org/officeDocument/2006/relationships" xmlns:p="http://schemas.openxmlformats.org/presentationml/2006/main">
   <p:cSld>
@@ -13962,7 +12956,7 @@
                 <a:ea typeface="KoPubWorld돋움체 Light" panose="00000300000000000000" pitchFamily="2" charset="-127"/>
                 <a:cs typeface="KoPubWorld돋움체 Light" panose="00000300000000000000" pitchFamily="2" charset="-127"/>
               </a:rPr>
-              <a:t>사용방법</a:t>
+              <a:t>계정 생성</a:t>
             </a:r>
             <a:endParaRPr lang="ko-KR" altLang="en-US" sz="6000" dirty="0">
               <a:latin typeface="KoPubWorld돋움체 Light" panose="00000300000000000000" pitchFamily="2" charset="-127"/>
@@ -13984,16 +12978,26 @@
         </p:nvSpPr>
         <p:spPr/>
         <p:txBody>
-          <a:bodyPr/>
+          <a:bodyPr>
+            <a:normAutofit/>
+          </a:bodyPr>
           <a:lstStyle/>
           <a:p>
             <a:r>
+              <a:rPr lang="en-US" altLang="ko-KR" sz="3200" dirty="0" smtClean="0">
+                <a:latin typeface="KoPubWorld돋움체 Light" panose="00000300000000000000" pitchFamily="2" charset="-127"/>
+                <a:ea typeface="KoPubWorld돋움체 Light" panose="00000300000000000000" pitchFamily="2" charset="-127"/>
+                <a:cs typeface="KoPubWorld돋움체 Light" panose="00000300000000000000" pitchFamily="2" charset="-127"/>
+              </a:rPr>
+              <a:t>GitHub </a:t>
+            </a:r>
+            <a:r>
               <a:rPr lang="ko-KR" altLang="en-US" sz="3200" dirty="0" smtClean="0">
                 <a:latin typeface="KoPubWorld돋움체 Light" panose="00000300000000000000" pitchFamily="2" charset="-127"/>
                 <a:ea typeface="KoPubWorld돋움체 Light" panose="00000300000000000000" pitchFamily="2" charset="-127"/>
                 <a:cs typeface="KoPubWorld돋움체 Light" panose="00000300000000000000" pitchFamily="2" charset="-127"/>
               </a:rPr>
-              <a:t>기본적으로 </a:t>
+              <a:t>홈페이지에 가서 </a:t>
             </a:r>
             <a:r>
               <a:rPr lang="en-US" altLang="ko-KR" sz="3200" dirty="0" err="1" smtClean="0">
@@ -14001,7 +13005,15 @@
                 <a:ea typeface="KoPubWorld돋움체 Light" panose="00000300000000000000" pitchFamily="2" charset="-127"/>
                 <a:cs typeface="KoPubWorld돋움체 Light" panose="00000300000000000000" pitchFamily="2" charset="-127"/>
               </a:rPr>
-              <a:t>git</a:t>
+              <a:t>SignUp</a:t>
+            </a:r>
+            <a:r>
+              <a:rPr lang="en-US" altLang="ko-KR" sz="3200" dirty="0" smtClean="0">
+                <a:latin typeface="KoPubWorld돋움체 Light" panose="00000300000000000000" pitchFamily="2" charset="-127"/>
+                <a:ea typeface="KoPubWorld돋움체 Light" panose="00000300000000000000" pitchFamily="2" charset="-127"/>
+                <a:cs typeface="KoPubWorld돋움체 Light" panose="00000300000000000000" pitchFamily="2" charset="-127"/>
+              </a:rPr>
+              <a:t> </a:t>
             </a:r>
             <a:r>
               <a:rPr lang="ko-KR" altLang="en-US" sz="3200" dirty="0" smtClean="0">
@@ -14009,23 +13021,7 @@
                 <a:ea typeface="KoPubWorld돋움체 Light" panose="00000300000000000000" pitchFamily="2" charset="-127"/>
                 <a:cs typeface="KoPubWorld돋움체 Light" panose="00000300000000000000" pitchFamily="2" charset="-127"/>
               </a:rPr>
-              <a:t>은 </a:t>
-            </a:r>
-            <a:r>
-              <a:rPr lang="en-US" altLang="ko-KR" sz="3200" dirty="0" smtClean="0">
-                <a:latin typeface="KoPubWorld돋움체 Light" panose="00000300000000000000" pitchFamily="2" charset="-127"/>
-                <a:ea typeface="KoPubWorld돋움체 Light" panose="00000300000000000000" pitchFamily="2" charset="-127"/>
-                <a:cs typeface="KoPubWorld돋움체 Light" panose="00000300000000000000" pitchFamily="2" charset="-127"/>
-              </a:rPr>
-              <a:t>CLI</a:t>
-            </a:r>
-            <a:r>
-              <a:rPr lang="ko-KR" altLang="en-US" sz="3200" dirty="0" smtClean="0">
-                <a:latin typeface="KoPubWorld돋움체 Light" panose="00000300000000000000" pitchFamily="2" charset="-127"/>
-                <a:ea typeface="KoPubWorld돋움체 Light" panose="00000300000000000000" pitchFamily="2" charset="-127"/>
-                <a:cs typeface="KoPubWorld돋움체 Light" panose="00000300000000000000" pitchFamily="2" charset="-127"/>
-              </a:rPr>
-              <a:t>를 통해 제어함</a:t>
+              <a:t>버튼 누르고 계정 만들면 됨</a:t>
             </a:r>
             <a:endParaRPr lang="en-US" altLang="ko-KR" sz="3200" dirty="0" smtClean="0">
               <a:latin typeface="KoPubWorld돋움체 Light" panose="00000300000000000000" pitchFamily="2" charset="-127"/>
@@ -14034,21 +13030,28 @@
             </a:endParaRPr>
           </a:p>
           <a:p>
+            <a:endParaRPr lang="en-US" altLang="ko-KR" sz="3200" dirty="0">
+              <a:latin typeface="KoPubWorld돋움체 Light" panose="00000300000000000000" pitchFamily="2" charset="-127"/>
+              <a:ea typeface="KoPubWorld돋움체 Light" panose="00000300000000000000" pitchFamily="2" charset="-127"/>
+              <a:cs typeface="KoPubWorld돋움체 Light" panose="00000300000000000000" pitchFamily="2" charset="-127"/>
+            </a:endParaRPr>
+          </a:p>
+          <a:p>
             <a:r>
               <a:rPr lang="ko-KR" altLang="en-US" sz="3200" dirty="0" smtClean="0">
                 <a:latin typeface="KoPubWorld돋움체 Light" panose="00000300000000000000" pitchFamily="2" charset="-127"/>
                 <a:ea typeface="KoPubWorld돋움체 Light" panose="00000300000000000000" pitchFamily="2" charset="-127"/>
                 <a:cs typeface="KoPubWorld돋움체 Light" panose="00000300000000000000" pitchFamily="2" charset="-127"/>
               </a:rPr>
-              <a:t>그런데 나는 </a:t>
-            </a:r>
-            <a:r>
-              <a:rPr lang="en-US" altLang="ko-KR" sz="3200" dirty="0" smtClean="0">
-                <a:latin typeface="KoPubWorld돋움체 Light" panose="00000300000000000000" pitchFamily="2" charset="-127"/>
-                <a:ea typeface="KoPubWorld돋움체 Light" panose="00000300000000000000" pitchFamily="2" charset="-127"/>
-                <a:cs typeface="KoPubWorld돋움체 Light" panose="00000300000000000000" pitchFamily="2" charset="-127"/>
-              </a:rPr>
-              <a:t>CLI</a:t>
+              <a:t>이번 특강에 만들 엔진은 </a:t>
+            </a:r>
+            <a:r>
+              <a:rPr lang="ko-KR" altLang="en-US" sz="3200" dirty="0" err="1" smtClean="0">
+                <a:latin typeface="KoPubWorld돋움체 Light" panose="00000300000000000000" pitchFamily="2" charset="-127"/>
+                <a:ea typeface="KoPubWorld돋움체 Light" panose="00000300000000000000" pitchFamily="2" charset="-127"/>
+                <a:cs typeface="KoPubWorld돋움체 Light" panose="00000300000000000000" pitchFamily="2" charset="-127"/>
+              </a:rPr>
+              <a:t>깃허브를</a:t>
             </a:r>
             <a:r>
               <a:rPr lang="ko-KR" altLang="en-US" sz="3200" dirty="0" smtClean="0">
@@ -14056,23 +13059,7 @@
                 <a:ea typeface="KoPubWorld돋움체 Light" panose="00000300000000000000" pitchFamily="2" charset="-127"/>
                 <a:cs typeface="KoPubWorld돋움체 Light" panose="00000300000000000000" pitchFamily="2" charset="-127"/>
               </a:rPr>
-              <a:t>로 </a:t>
-            </a:r>
-            <a:r>
-              <a:rPr lang="ko-KR" altLang="en-US" sz="3200" dirty="0" err="1" smtClean="0">
-                <a:latin typeface="KoPubWorld돋움체 Light" panose="00000300000000000000" pitchFamily="2" charset="-127"/>
-                <a:ea typeface="KoPubWorld돋움체 Light" panose="00000300000000000000" pitchFamily="2" charset="-127"/>
-                <a:cs typeface="KoPubWorld돋움체 Light" panose="00000300000000000000" pitchFamily="2" charset="-127"/>
-              </a:rPr>
-              <a:t>제어할줄</a:t>
-            </a:r>
-            <a:r>
-              <a:rPr lang="ko-KR" altLang="en-US" sz="3200" dirty="0" smtClean="0">
-                <a:latin typeface="KoPubWorld돋움체 Light" panose="00000300000000000000" pitchFamily="2" charset="-127"/>
-                <a:ea typeface="KoPubWorld돋움체 Light" panose="00000300000000000000" pitchFamily="2" charset="-127"/>
-                <a:cs typeface="KoPubWorld돋움체 Light" panose="00000300000000000000" pitchFamily="2" charset="-127"/>
-              </a:rPr>
-              <a:t> 모름</a:t>
+              <a:t> 통해 관리할 것임</a:t>
             </a:r>
             <a:endParaRPr lang="en-US" altLang="ko-KR" sz="3200" dirty="0" smtClean="0">
               <a:latin typeface="KoPubWorld돋움체 Light" panose="00000300000000000000" pitchFamily="2" charset="-127"/>
@@ -14080,81 +13067,12 @@
               <a:cs typeface="KoPubWorld돋움체 Light" panose="00000300000000000000" pitchFamily="2" charset="-127"/>
             </a:endParaRPr>
           </a:p>
-          <a:p>
-            <a:r>
-              <a:rPr lang="ko-KR" altLang="en-US" sz="3200" dirty="0" smtClean="0">
-                <a:latin typeface="KoPubWorld돋움체 Light" panose="00000300000000000000" pitchFamily="2" charset="-127"/>
-                <a:ea typeface="KoPubWorld돋움체 Light" panose="00000300000000000000" pitchFamily="2" charset="-127"/>
-                <a:cs typeface="KoPubWorld돋움체 Light" panose="00000300000000000000" pitchFamily="2" charset="-127"/>
-              </a:rPr>
-              <a:t>그래서 </a:t>
-            </a:r>
-            <a:r>
-              <a:rPr lang="en-US" altLang="ko-KR" sz="3200" dirty="0" smtClean="0">
-                <a:latin typeface="KoPubWorld돋움체 Light" panose="00000300000000000000" pitchFamily="2" charset="-127"/>
-                <a:ea typeface="KoPubWorld돋움체 Light" panose="00000300000000000000" pitchFamily="2" charset="-127"/>
-                <a:cs typeface="KoPubWorld돋움체 Light" panose="00000300000000000000" pitchFamily="2" charset="-127"/>
-              </a:rPr>
-              <a:t>GUI </a:t>
-            </a:r>
-            <a:r>
-              <a:rPr lang="ko-KR" altLang="en-US" sz="3200" dirty="0" smtClean="0">
-                <a:latin typeface="KoPubWorld돋움체 Light" panose="00000300000000000000" pitchFamily="2" charset="-127"/>
-                <a:ea typeface="KoPubWorld돋움체 Light" panose="00000300000000000000" pitchFamily="2" charset="-127"/>
-                <a:cs typeface="KoPubWorld돋움체 Light" panose="00000300000000000000" pitchFamily="2" charset="-127"/>
-              </a:rPr>
-              <a:t>애플리케이션을 사용할 것임</a:t>
-            </a:r>
-            <a:endParaRPr lang="en-US" altLang="ko-KR" sz="3200" dirty="0" smtClean="0">
-              <a:latin typeface="KoPubWorld돋움체 Light" panose="00000300000000000000" pitchFamily="2" charset="-127"/>
-              <a:ea typeface="KoPubWorld돋움체 Light" panose="00000300000000000000" pitchFamily="2" charset="-127"/>
-              <a:cs typeface="KoPubWorld돋움체 Light" panose="00000300000000000000" pitchFamily="2" charset="-127"/>
-            </a:endParaRPr>
-          </a:p>
-          <a:p>
-            <a:r>
-              <a:rPr lang="ko-KR" altLang="en-US" sz="3200" dirty="0" smtClean="0">
-                <a:latin typeface="KoPubWorld돋움체 Light" panose="00000300000000000000" pitchFamily="2" charset="-127"/>
-                <a:ea typeface="KoPubWorld돋움체 Light" panose="00000300000000000000" pitchFamily="2" charset="-127"/>
-                <a:cs typeface="KoPubWorld돋움체 Light" panose="00000300000000000000" pitchFamily="2" charset="-127"/>
-              </a:rPr>
-              <a:t>많은 애플리케이션 중 </a:t>
-            </a:r>
-            <a:r>
-              <a:rPr lang="ko-KR" altLang="en-US" sz="3200" dirty="0" err="1" smtClean="0">
-                <a:latin typeface="KoPubWorld돋움체 Light" panose="00000300000000000000" pitchFamily="2" charset="-127"/>
-                <a:ea typeface="KoPubWorld돋움체 Light" panose="00000300000000000000" pitchFamily="2" charset="-127"/>
-                <a:cs typeface="KoPubWorld돋움체 Light" panose="00000300000000000000" pitchFamily="2" charset="-127"/>
-              </a:rPr>
-              <a:t>소스트리를</a:t>
-            </a:r>
-            <a:r>
-              <a:rPr lang="ko-KR" altLang="en-US" sz="3200" dirty="0" smtClean="0">
-                <a:latin typeface="KoPubWorld돋움체 Light" panose="00000300000000000000" pitchFamily="2" charset="-127"/>
-                <a:ea typeface="KoPubWorld돋움체 Light" panose="00000300000000000000" pitchFamily="2" charset="-127"/>
-                <a:cs typeface="KoPubWorld돋움체 Light" panose="00000300000000000000" pitchFamily="2" charset="-127"/>
-              </a:rPr>
-              <a:t> 사용할 것임</a:t>
-            </a:r>
-            <a:endParaRPr lang="en-US" altLang="ko-KR" sz="3200" dirty="0" smtClean="0">
-              <a:latin typeface="KoPubWorld돋움체 Light" panose="00000300000000000000" pitchFamily="2" charset="-127"/>
-              <a:ea typeface="KoPubWorld돋움체 Light" panose="00000300000000000000" pitchFamily="2" charset="-127"/>
-              <a:cs typeface="KoPubWorld돋움체 Light" panose="00000300000000000000" pitchFamily="2" charset="-127"/>
-            </a:endParaRPr>
-          </a:p>
-          <a:p>
-            <a:endParaRPr lang="en-US" altLang="ko-KR" dirty="0" smtClean="0">
-              <a:latin typeface="KoPubWorld돋움체 Light" panose="00000300000000000000" pitchFamily="2" charset="-127"/>
-              <a:ea typeface="KoPubWorld돋움체 Light" panose="00000300000000000000" pitchFamily="2" charset="-127"/>
-              <a:cs typeface="KoPubWorld돋움체 Light" panose="00000300000000000000" pitchFamily="2" charset="-127"/>
-            </a:endParaRPr>
-          </a:p>
         </p:txBody>
       </p:sp>
     </p:spTree>
     <p:extLst>
       <p:ext uri="{BB962C8B-B14F-4D97-AF65-F5344CB8AC3E}">
-        <p14:creationId xmlns:p14="http://schemas.microsoft.com/office/powerpoint/2010/main" val="2845602229"/>
+        <p14:creationId xmlns:p14="http://schemas.microsoft.com/office/powerpoint/2010/main" val="2245450800"/>
       </p:ext>
     </p:extLst>
   </p:cSld>
@@ -14204,12 +13122,12 @@
           <a:lstStyle/>
           <a:p>
             <a:r>
-              <a:rPr lang="ko-KR" altLang="en-US" sz="6000" dirty="0" err="1" smtClean="0">
-                <a:latin typeface="KoPubWorld돋움체 Light" panose="00000300000000000000" pitchFamily="2" charset="-127"/>
-                <a:ea typeface="KoPubWorld돋움체 Light" panose="00000300000000000000" pitchFamily="2" charset="-127"/>
-                <a:cs typeface="KoPubWorld돋움체 Light" panose="00000300000000000000" pitchFamily="2" charset="-127"/>
-              </a:rPr>
-              <a:t>소스트리</a:t>
+              <a:rPr lang="en-US" altLang="ko-KR" sz="6000" dirty="0" smtClean="0">
+                <a:latin typeface="KoPubWorld돋움체 Light" panose="00000300000000000000" pitchFamily="2" charset="-127"/>
+                <a:ea typeface="KoPubWorld돋움체 Light" panose="00000300000000000000" pitchFamily="2" charset="-127"/>
+                <a:cs typeface="KoPubWorld돋움체 Light" panose="00000300000000000000" pitchFamily="2" charset="-127"/>
+              </a:rPr>
+              <a:t>GitHub </a:t>
             </a:r>
             <a:r>
               <a:rPr lang="ko-KR" altLang="en-US" sz="6000" dirty="0" smtClean="0">
@@ -14217,7 +13135,7 @@
                 <a:ea typeface="KoPubWorld돋움체 Light" panose="00000300000000000000" pitchFamily="2" charset="-127"/>
                 <a:cs typeface="KoPubWorld돋움체 Light" panose="00000300000000000000" pitchFamily="2" charset="-127"/>
               </a:rPr>
-              <a:t> 설치</a:t>
+              <a:t>사용방법</a:t>
             </a:r>
             <a:endParaRPr lang="ko-KR" altLang="en-US" sz="6000" dirty="0">
               <a:latin typeface="KoPubWorld돋움체 Light" panose="00000300000000000000" pitchFamily="2" charset="-127"/>
@@ -14237,58 +13155,99 @@
             <p:ph idx="1"/>
           </p:nvPr>
         </p:nvSpPr>
-        <p:spPr>
-          <a:xfrm>
-            <a:off x="1484310" y="2666999"/>
-            <a:ext cx="10569145" cy="3124201"/>
-          </a:xfrm>
-        </p:spPr>
-        <p:txBody>
-          <a:bodyPr>
-            <a:normAutofit/>
-          </a:bodyPr>
+        <p:spPr/>
+        <p:txBody>
+          <a:bodyPr/>
           <a:lstStyle/>
           <a:p>
             <a:r>
-              <a:rPr lang="ko-KR" altLang="en-US" sz="2800" dirty="0" err="1" smtClean="0">
-                <a:latin typeface="KoPubWorld돋움체 Light" panose="00000300000000000000" pitchFamily="2" charset="-127"/>
-                <a:ea typeface="KoPubWorld돋움체 Light" panose="00000300000000000000" pitchFamily="2" charset="-127"/>
-                <a:cs typeface="KoPubWorld돋움체 Light" panose="00000300000000000000" pitchFamily="2" charset="-127"/>
-              </a:rPr>
-              <a:t>소스트리</a:t>
-            </a:r>
-            <a:r>
-              <a:rPr lang="ko-KR" altLang="en-US" sz="2800" dirty="0" smtClean="0">
-                <a:latin typeface="KoPubWorld돋움체 Light" panose="00000300000000000000" pitchFamily="2" charset="-127"/>
-                <a:ea typeface="KoPubWorld돋움체 Light" panose="00000300000000000000" pitchFamily="2" charset="-127"/>
-                <a:cs typeface="KoPubWorld돋움체 Light" panose="00000300000000000000" pitchFamily="2" charset="-127"/>
-              </a:rPr>
-              <a:t> 홈페이지에 가서</a:t>
-            </a:r>
-            <a:r>
-              <a:rPr lang="en-US" altLang="ko-KR" sz="2800" dirty="0" smtClean="0">
-                <a:latin typeface="KoPubWorld돋움체 Light" panose="00000300000000000000" pitchFamily="2" charset="-127"/>
-                <a:ea typeface="KoPubWorld돋움체 Light" panose="00000300000000000000" pitchFamily="2" charset="-127"/>
-                <a:cs typeface="KoPubWorld돋움체 Light" panose="00000300000000000000" pitchFamily="2" charset="-127"/>
-              </a:rPr>
-              <a:t>Download for Windows </a:t>
-            </a:r>
-            <a:r>
-              <a:rPr lang="ko-KR" altLang="en-US" sz="2800" dirty="0" smtClean="0">
-                <a:latin typeface="KoPubWorld돋움체 Light" panose="00000300000000000000" pitchFamily="2" charset="-127"/>
-                <a:ea typeface="KoPubWorld돋움체 Light" panose="00000300000000000000" pitchFamily="2" charset="-127"/>
-                <a:cs typeface="KoPubWorld돋움체 Light" panose="00000300000000000000" pitchFamily="2" charset="-127"/>
-              </a:rPr>
-              <a:t>눌러서 설치하면 됨</a:t>
-            </a:r>
-            <a:endParaRPr lang="en-US" altLang="ko-KR" sz="2800" dirty="0" smtClean="0">
+              <a:rPr lang="ko-KR" altLang="en-US" sz="3200" dirty="0" smtClean="0">
+                <a:latin typeface="KoPubWorld돋움체 Light" panose="00000300000000000000" pitchFamily="2" charset="-127"/>
+                <a:ea typeface="KoPubWorld돋움체 Light" panose="00000300000000000000" pitchFamily="2" charset="-127"/>
+                <a:cs typeface="KoPubWorld돋움체 Light" panose="00000300000000000000" pitchFamily="2" charset="-127"/>
+              </a:rPr>
+              <a:t>기본적으로 </a:t>
+            </a:r>
+            <a:r>
+              <a:rPr lang="en-US" altLang="ko-KR" sz="3200" dirty="0" err="1" smtClean="0">
+                <a:latin typeface="KoPubWorld돋움체 Light" panose="00000300000000000000" pitchFamily="2" charset="-127"/>
+                <a:ea typeface="KoPubWorld돋움체 Light" panose="00000300000000000000" pitchFamily="2" charset="-127"/>
+                <a:cs typeface="KoPubWorld돋움체 Light" panose="00000300000000000000" pitchFamily="2" charset="-127"/>
+              </a:rPr>
+              <a:t>git</a:t>
+            </a:r>
+            <a:r>
+              <a:rPr lang="ko-KR" altLang="en-US" sz="3200" dirty="0" smtClean="0">
+                <a:latin typeface="KoPubWorld돋움체 Light" panose="00000300000000000000" pitchFamily="2" charset="-127"/>
+                <a:ea typeface="KoPubWorld돋움체 Light" panose="00000300000000000000" pitchFamily="2" charset="-127"/>
+                <a:cs typeface="KoPubWorld돋움체 Light" panose="00000300000000000000" pitchFamily="2" charset="-127"/>
+              </a:rPr>
+              <a:t>은 </a:t>
+            </a:r>
+            <a:r>
+              <a:rPr lang="en-US" altLang="ko-KR" sz="3200" dirty="0" smtClean="0">
+                <a:latin typeface="KoPubWorld돋움체 Light" panose="00000300000000000000" pitchFamily="2" charset="-127"/>
+                <a:ea typeface="KoPubWorld돋움체 Light" panose="00000300000000000000" pitchFamily="2" charset="-127"/>
+                <a:cs typeface="KoPubWorld돋움체 Light" panose="00000300000000000000" pitchFamily="2" charset="-127"/>
+              </a:rPr>
+              <a:t>CLI</a:t>
+            </a:r>
+            <a:r>
+              <a:rPr lang="ko-KR" altLang="en-US" sz="3200" dirty="0" smtClean="0">
+                <a:latin typeface="KoPubWorld돋움체 Light" panose="00000300000000000000" pitchFamily="2" charset="-127"/>
+                <a:ea typeface="KoPubWorld돋움체 Light" panose="00000300000000000000" pitchFamily="2" charset="-127"/>
+                <a:cs typeface="KoPubWorld돋움체 Light" panose="00000300000000000000" pitchFamily="2" charset="-127"/>
+              </a:rPr>
+              <a:t>를 통해 제어함</a:t>
+            </a:r>
+            <a:endParaRPr lang="en-US" altLang="ko-KR" sz="3200" dirty="0" smtClean="0">
               <a:latin typeface="KoPubWorld돋움체 Light" panose="00000300000000000000" pitchFamily="2" charset="-127"/>
               <a:ea typeface="KoPubWorld돋움체 Light" panose="00000300000000000000" pitchFamily="2" charset="-127"/>
               <a:cs typeface="KoPubWorld돋움체 Light" panose="00000300000000000000" pitchFamily="2" charset="-127"/>
             </a:endParaRPr>
           </a:p>
           <a:p>
-            <a:endParaRPr lang="en-US" altLang="ko-KR" sz="2800" dirty="0">
+            <a:r>
+              <a:rPr lang="ko-KR" altLang="en-US" sz="3200" dirty="0" smtClean="0">
+                <a:latin typeface="KoPubWorld돋움체 Light" panose="00000300000000000000" pitchFamily="2" charset="-127"/>
+                <a:ea typeface="KoPubWorld돋움체 Light" panose="00000300000000000000" pitchFamily="2" charset="-127"/>
+                <a:cs typeface="KoPubWorld돋움체 Light" panose="00000300000000000000" pitchFamily="2" charset="-127"/>
+              </a:rPr>
+              <a:t>그런데 나는 </a:t>
+            </a:r>
+            <a:r>
+              <a:rPr lang="en-US" altLang="ko-KR" sz="3200" dirty="0" smtClean="0">
+                <a:latin typeface="KoPubWorld돋움체 Light" panose="00000300000000000000" pitchFamily="2" charset="-127"/>
+                <a:ea typeface="KoPubWorld돋움체 Light" panose="00000300000000000000" pitchFamily="2" charset="-127"/>
+                <a:cs typeface="KoPubWorld돋움체 Light" panose="00000300000000000000" pitchFamily="2" charset="-127"/>
+              </a:rPr>
+              <a:t>CLI</a:t>
+            </a:r>
+            <a:r>
+              <a:rPr lang="ko-KR" altLang="en-US" sz="3200" dirty="0" smtClean="0">
+                <a:latin typeface="KoPubWorld돋움체 Light" panose="00000300000000000000" pitchFamily="2" charset="-127"/>
+                <a:ea typeface="KoPubWorld돋움체 Light" panose="00000300000000000000" pitchFamily="2" charset="-127"/>
+                <a:cs typeface="KoPubWorld돋움체 Light" panose="00000300000000000000" pitchFamily="2" charset="-127"/>
+              </a:rPr>
+              <a:t>로 </a:t>
+            </a:r>
+            <a:r>
+              <a:rPr lang="ko-KR" altLang="en-US" sz="3200" dirty="0" err="1" smtClean="0">
+                <a:latin typeface="KoPubWorld돋움체 Light" panose="00000300000000000000" pitchFamily="2" charset="-127"/>
+                <a:ea typeface="KoPubWorld돋움체 Light" panose="00000300000000000000" pitchFamily="2" charset="-127"/>
+                <a:cs typeface="KoPubWorld돋움체 Light" panose="00000300000000000000" pitchFamily="2" charset="-127"/>
+              </a:rPr>
+              <a:t>제어할줄</a:t>
+            </a:r>
+            <a:r>
+              <a:rPr lang="ko-KR" altLang="en-US" sz="3200" dirty="0" smtClean="0">
+                <a:latin typeface="KoPubWorld돋움체 Light" panose="00000300000000000000" pitchFamily="2" charset="-127"/>
+                <a:ea typeface="KoPubWorld돋움체 Light" panose="00000300000000000000" pitchFamily="2" charset="-127"/>
+                <a:cs typeface="KoPubWorld돋움체 Light" panose="00000300000000000000" pitchFamily="2" charset="-127"/>
+              </a:rPr>
+              <a:t> 모름</a:t>
+            </a:r>
+            <a:endParaRPr lang="en-US" altLang="ko-KR" sz="3200" dirty="0" smtClean="0">
               <a:latin typeface="KoPubWorld돋움체 Light" panose="00000300000000000000" pitchFamily="2" charset="-127"/>
               <a:ea typeface="KoPubWorld돋움체 Light" panose="00000300000000000000" pitchFamily="2" charset="-127"/>
               <a:cs typeface="KoPubWorld돋움체 Light" panose="00000300000000000000" pitchFamily="2" charset="-127"/>
@@ -14296,49 +13255,79 @@
           </a:p>
           <a:p>
             <a:r>
-              <a:rPr lang="ko-KR" altLang="en-US" sz="2800" dirty="0" err="1" smtClean="0">
-                <a:latin typeface="KoPubWorld돋움체 Light" panose="00000300000000000000" pitchFamily="2" charset="-127"/>
-                <a:ea typeface="KoPubWorld돋움체 Light" panose="00000300000000000000" pitchFamily="2" charset="-127"/>
-                <a:cs typeface="KoPubWorld돋움체 Light" panose="00000300000000000000" pitchFamily="2" charset="-127"/>
-              </a:rPr>
-              <a:t>소스트리</a:t>
-            </a:r>
-            <a:r>
-              <a:rPr lang="ko-KR" altLang="en-US" sz="2800" dirty="0" smtClean="0">
-                <a:latin typeface="KoPubWorld돋움체 Light" panose="00000300000000000000" pitchFamily="2" charset="-127"/>
-                <a:ea typeface="KoPubWorld돋움체 Light" panose="00000300000000000000" pitchFamily="2" charset="-127"/>
-                <a:cs typeface="KoPubWorld돋움체 Light" panose="00000300000000000000" pitchFamily="2" charset="-127"/>
-              </a:rPr>
-              <a:t> 설치하고 </a:t>
-            </a:r>
-            <a:r>
-              <a:rPr lang="ko-KR" altLang="en-US" sz="2800" dirty="0" err="1" smtClean="0">
-                <a:latin typeface="KoPubWorld돋움체 Light" panose="00000300000000000000" pitchFamily="2" charset="-127"/>
-                <a:ea typeface="KoPubWorld돋움체 Light" panose="00000300000000000000" pitchFamily="2" charset="-127"/>
-                <a:cs typeface="KoPubWorld돋움체 Light" panose="00000300000000000000" pitchFamily="2" charset="-127"/>
-              </a:rPr>
-              <a:t>깃허브</a:t>
-            </a:r>
-            <a:r>
-              <a:rPr lang="ko-KR" altLang="en-US" sz="2800" dirty="0" smtClean="0">
-                <a:latin typeface="KoPubWorld돋움체 Light" panose="00000300000000000000" pitchFamily="2" charset="-127"/>
-                <a:ea typeface="KoPubWorld돋움체 Light" panose="00000300000000000000" pitchFamily="2" charset="-127"/>
-                <a:cs typeface="KoPubWorld돋움체 Light" panose="00000300000000000000" pitchFamily="2" charset="-127"/>
-              </a:rPr>
-              <a:t> 계정으로 로그인 까지 해야함</a:t>
-            </a:r>
-            <a:endParaRPr lang="en-US" altLang="ko-KR" sz="2800" dirty="0" smtClean="0">
+              <a:rPr lang="ko-KR" altLang="en-US" sz="3200" dirty="0" smtClean="0">
+                <a:latin typeface="KoPubWorld돋움체 Light" panose="00000300000000000000" pitchFamily="2" charset="-127"/>
+                <a:ea typeface="KoPubWorld돋움체 Light" panose="00000300000000000000" pitchFamily="2" charset="-127"/>
+                <a:cs typeface="KoPubWorld돋움체 Light" panose="00000300000000000000" pitchFamily="2" charset="-127"/>
+              </a:rPr>
+              <a:t>그래서 </a:t>
+            </a:r>
+            <a:r>
+              <a:rPr lang="en-US" altLang="ko-KR" sz="3200" dirty="0" smtClean="0">
+                <a:latin typeface="KoPubWorld돋움체 Light" panose="00000300000000000000" pitchFamily="2" charset="-127"/>
+                <a:ea typeface="KoPubWorld돋움체 Light" panose="00000300000000000000" pitchFamily="2" charset="-127"/>
+                <a:cs typeface="KoPubWorld돋움체 Light" panose="00000300000000000000" pitchFamily="2" charset="-127"/>
+              </a:rPr>
+              <a:t>GUI </a:t>
+            </a:r>
+            <a:r>
+              <a:rPr lang="ko-KR" altLang="en-US" sz="3200" dirty="0" smtClean="0">
+                <a:latin typeface="KoPubWorld돋움체 Light" panose="00000300000000000000" pitchFamily="2" charset="-127"/>
+                <a:ea typeface="KoPubWorld돋움체 Light" panose="00000300000000000000" pitchFamily="2" charset="-127"/>
+                <a:cs typeface="KoPubWorld돋움체 Light" panose="00000300000000000000" pitchFamily="2" charset="-127"/>
+              </a:rPr>
+              <a:t>애플리케이션을 사용할 것임</a:t>
+            </a:r>
+            <a:endParaRPr lang="en-US" altLang="ko-KR" sz="3200" dirty="0" smtClean="0">
               <a:latin typeface="KoPubWorld돋움체 Light" panose="00000300000000000000" pitchFamily="2" charset="-127"/>
               <a:ea typeface="KoPubWorld돋움체 Light" panose="00000300000000000000" pitchFamily="2" charset="-127"/>
               <a:cs typeface="KoPubWorld돋움체 Light" panose="00000300000000000000" pitchFamily="2" charset="-127"/>
             </a:endParaRPr>
           </a:p>
+          <a:p>
+            <a:r>
+              <a:rPr lang="ko-KR" altLang="en-US" sz="3200" dirty="0" smtClean="0">
+                <a:latin typeface="KoPubWorld돋움체 Light" panose="00000300000000000000" pitchFamily="2" charset="-127"/>
+                <a:ea typeface="KoPubWorld돋움체 Light" panose="00000300000000000000" pitchFamily="2" charset="-127"/>
+                <a:cs typeface="KoPubWorld돋움체 Light" panose="00000300000000000000" pitchFamily="2" charset="-127"/>
+              </a:rPr>
+              <a:t>많은 애플리케이션 중 </a:t>
+            </a:r>
+            <a:r>
+              <a:rPr lang="ko-KR" altLang="en-US" sz="3200" dirty="0" err="1" smtClean="0">
+                <a:latin typeface="KoPubWorld돋움체 Light" panose="00000300000000000000" pitchFamily="2" charset="-127"/>
+                <a:ea typeface="KoPubWorld돋움체 Light" panose="00000300000000000000" pitchFamily="2" charset="-127"/>
+                <a:cs typeface="KoPubWorld돋움체 Light" panose="00000300000000000000" pitchFamily="2" charset="-127"/>
+              </a:rPr>
+              <a:t>소스트리를</a:t>
+            </a:r>
+            <a:r>
+              <a:rPr lang="ko-KR" altLang="en-US" sz="3200" dirty="0" smtClean="0">
+                <a:latin typeface="KoPubWorld돋움체 Light" panose="00000300000000000000" pitchFamily="2" charset="-127"/>
+                <a:ea typeface="KoPubWorld돋움체 Light" panose="00000300000000000000" pitchFamily="2" charset="-127"/>
+                <a:cs typeface="KoPubWorld돋움체 Light" panose="00000300000000000000" pitchFamily="2" charset="-127"/>
+              </a:rPr>
+              <a:t> 사용할 것임</a:t>
+            </a:r>
+            <a:endParaRPr lang="en-US" altLang="ko-KR" sz="3200" dirty="0" smtClean="0">
+              <a:latin typeface="KoPubWorld돋움체 Light" panose="00000300000000000000" pitchFamily="2" charset="-127"/>
+              <a:ea typeface="KoPubWorld돋움체 Light" panose="00000300000000000000" pitchFamily="2" charset="-127"/>
+              <a:cs typeface="KoPubWorld돋움체 Light" panose="00000300000000000000" pitchFamily="2" charset="-127"/>
+            </a:endParaRPr>
+          </a:p>
+          <a:p>
+            <a:endParaRPr lang="en-US" altLang="ko-KR" dirty="0" smtClean="0">
+              <a:latin typeface="KoPubWorld돋움체 Light" panose="00000300000000000000" pitchFamily="2" charset="-127"/>
+              <a:ea typeface="KoPubWorld돋움체 Light" panose="00000300000000000000" pitchFamily="2" charset="-127"/>
+              <a:cs typeface="KoPubWorld돋움체 Light" panose="00000300000000000000" pitchFamily="2" charset="-127"/>
+            </a:endParaRPr>
+          </a:p>
         </p:txBody>
       </p:sp>
     </p:spTree>
     <p:extLst>
       <p:ext uri="{BB962C8B-B14F-4D97-AF65-F5344CB8AC3E}">
-        <p14:creationId xmlns:p14="http://schemas.microsoft.com/office/powerpoint/2010/main" val="4290361223"/>
+        <p14:creationId xmlns:p14="http://schemas.microsoft.com/office/powerpoint/2010/main" val="2845602229"/>
       </p:ext>
     </p:extLst>
   </p:cSld>
@@ -14388,12 +13377,12 @@
           <a:lstStyle/>
           <a:p>
             <a:r>
-              <a:rPr lang="en-US" altLang="ko-KR" sz="6000" dirty="0" smtClean="0">
-                <a:latin typeface="KoPubWorld돋움체 Light" panose="00000300000000000000" pitchFamily="2" charset="-127"/>
-                <a:ea typeface="KoPubWorld돋움체 Light" panose="00000300000000000000" pitchFamily="2" charset="-127"/>
-                <a:cs typeface="KoPubWorld돋움체 Light" panose="00000300000000000000" pitchFamily="2" charset="-127"/>
-              </a:rPr>
-              <a:t>GitHub </a:t>
+              <a:rPr lang="ko-KR" altLang="en-US" sz="6000" dirty="0" err="1" smtClean="0">
+                <a:latin typeface="KoPubWorld돋움체 Light" panose="00000300000000000000" pitchFamily="2" charset="-127"/>
+                <a:ea typeface="KoPubWorld돋움체 Light" panose="00000300000000000000" pitchFamily="2" charset="-127"/>
+                <a:cs typeface="KoPubWorld돋움체 Light" panose="00000300000000000000" pitchFamily="2" charset="-127"/>
+              </a:rPr>
+              <a:t>소스트리</a:t>
             </a:r>
             <a:r>
               <a:rPr lang="ko-KR" altLang="en-US" sz="6000" dirty="0" smtClean="0">
@@ -14401,15 +13390,7 @@
                 <a:ea typeface="KoPubWorld돋움체 Light" panose="00000300000000000000" pitchFamily="2" charset="-127"/>
                 <a:cs typeface="KoPubWorld돋움체 Light" panose="00000300000000000000" pitchFamily="2" charset="-127"/>
               </a:rPr>
-              <a:t>저장소 생성 </a:t>
-            </a:r>
-            <a:r>
-              <a:rPr lang="en-US" altLang="ko-KR" sz="6000" dirty="0" smtClean="0">
-                <a:latin typeface="KoPubWorld돋움체 Light" panose="00000300000000000000" pitchFamily="2" charset="-127"/>
-                <a:ea typeface="KoPubWorld돋움체 Light" panose="00000300000000000000" pitchFamily="2" charset="-127"/>
-                <a:cs typeface="KoPubWorld돋움체 Light" panose="00000300000000000000" pitchFamily="2" charset="-127"/>
-              </a:rPr>
-              <a:t>- 1</a:t>
+              <a:t> 설치</a:t>
             </a:r>
             <a:endParaRPr lang="ko-KR" altLang="en-US" sz="6000" dirty="0">
               <a:latin typeface="KoPubWorld돋움체 Light" panose="00000300000000000000" pitchFamily="2" charset="-127"/>
@@ -14431,8 +13412,8 @@
         </p:nvSpPr>
         <p:spPr>
           <a:xfrm>
-            <a:off x="1484310" y="3733799"/>
-            <a:ext cx="10621099" cy="3124201"/>
+            <a:off x="1484310" y="2666999"/>
+            <a:ext cx="10569145" cy="3124201"/>
           </a:xfrm>
         </p:spPr>
         <p:txBody>
@@ -14442,12 +13423,28 @@
           <a:lstStyle/>
           <a:p>
             <a:r>
+              <a:rPr lang="ko-KR" altLang="en-US" sz="2800" dirty="0" err="1" smtClean="0">
+                <a:latin typeface="KoPubWorld돋움체 Light" panose="00000300000000000000" pitchFamily="2" charset="-127"/>
+                <a:ea typeface="KoPubWorld돋움체 Light" panose="00000300000000000000" pitchFamily="2" charset="-127"/>
+                <a:cs typeface="KoPubWorld돋움체 Light" panose="00000300000000000000" pitchFamily="2" charset="-127"/>
+              </a:rPr>
+              <a:t>소스트리</a:t>
+            </a:r>
+            <a:r>
+              <a:rPr lang="ko-KR" altLang="en-US" sz="2800" dirty="0" smtClean="0">
+                <a:latin typeface="KoPubWorld돋움체 Light" panose="00000300000000000000" pitchFamily="2" charset="-127"/>
+                <a:ea typeface="KoPubWorld돋움체 Light" panose="00000300000000000000" pitchFamily="2" charset="-127"/>
+                <a:cs typeface="KoPubWorld돋움체 Light" panose="00000300000000000000" pitchFamily="2" charset="-127"/>
+              </a:rPr>
+              <a:t> 홈페이지에 가서</a:t>
+            </a:r>
+            <a:r>
               <a:rPr lang="en-US" altLang="ko-KR" sz="2800" dirty="0" smtClean="0">
                 <a:latin typeface="KoPubWorld돋움체 Light" panose="00000300000000000000" pitchFamily="2" charset="-127"/>
                 <a:ea typeface="KoPubWorld돋움체 Light" panose="00000300000000000000" pitchFamily="2" charset="-127"/>
                 <a:cs typeface="KoPubWorld돋움체 Light" panose="00000300000000000000" pitchFamily="2" charset="-127"/>
               </a:rPr>
-              <a:t>GitHub </a:t>
+              <a:t>Download for Windows </a:t>
             </a:r>
             <a:r>
               <a:rPr lang="ko-KR" altLang="en-US" sz="2800" dirty="0" smtClean="0">
@@ -14455,23 +13452,7 @@
                 <a:ea typeface="KoPubWorld돋움체 Light" panose="00000300000000000000" pitchFamily="2" charset="-127"/>
                 <a:cs typeface="KoPubWorld돋움체 Light" panose="00000300000000000000" pitchFamily="2" charset="-127"/>
               </a:rPr>
-              <a:t>홈페이지에 가서 로그인 하고 왼쪽에</a:t>
-            </a:r>
-            <a:r>
-              <a:rPr lang="en-US" altLang="ko-KR" sz="2800" dirty="0" smtClean="0">
-                <a:latin typeface="KoPubWorld돋움체 Light" panose="00000300000000000000" pitchFamily="2" charset="-127"/>
-                <a:ea typeface="KoPubWorld돋움체 Light" panose="00000300000000000000" pitchFamily="2" charset="-127"/>
-                <a:cs typeface="KoPubWorld돋움체 Light" panose="00000300000000000000" pitchFamily="2" charset="-127"/>
-              </a:rPr>
-              <a:t>Repositories New </a:t>
-            </a:r>
-            <a:r>
-              <a:rPr lang="ko-KR" altLang="en-US" sz="2800" dirty="0" smtClean="0">
-                <a:latin typeface="KoPubWorld돋움체 Light" panose="00000300000000000000" pitchFamily="2" charset="-127"/>
-                <a:ea typeface="KoPubWorld돋움체 Light" panose="00000300000000000000" pitchFamily="2" charset="-127"/>
-                <a:cs typeface="KoPubWorld돋움체 Light" panose="00000300000000000000" pitchFamily="2" charset="-127"/>
-              </a:rPr>
-              <a:t>버튼 클릭</a:t>
+              <a:t>눌러서 설치하면 됨</a:t>
             </a:r>
             <a:endParaRPr lang="en-US" altLang="ko-KR" sz="2800" dirty="0" smtClean="0">
               <a:latin typeface="KoPubWorld돋움체 Light" panose="00000300000000000000" pitchFamily="2" charset="-127"/>
@@ -14479,42 +13460,58 @@
               <a:cs typeface="KoPubWorld돋움체 Light" panose="00000300000000000000" pitchFamily="2" charset="-127"/>
             </a:endParaRPr>
           </a:p>
-        </p:txBody>
-      </p:sp>
-      <p:pic>
-        <p:nvPicPr>
-          <p:cNvPr id="4" name="그림 3"/>
-          <p:cNvPicPr>
-            <a:picLocks noChangeAspect="1"/>
-          </p:cNvPicPr>
-          <p:nvPr/>
-        </p:nvPicPr>
-        <p:blipFill>
-          <a:blip r:embed="rId2">
-            <a:extLst>
-              <a:ext uri="{28A0092B-C50C-407E-A947-70E740481C1C}">
-                <a14:useLocalDpi xmlns:a14="http://schemas.microsoft.com/office/drawing/2010/main" val="0"/>
-              </a:ext>
-            </a:extLst>
-          </a:blip>
-          <a:stretch>
-            <a:fillRect/>
-          </a:stretch>
-        </p:blipFill>
-        <p:spPr>
-          <a:xfrm>
-            <a:off x="4377865" y="2074717"/>
-            <a:ext cx="4231601" cy="2128624"/>
-          </a:xfrm>
-          <a:prstGeom prst="rect">
-            <a:avLst/>
-          </a:prstGeom>
-        </p:spPr>
-      </p:pic>
+          <a:p>
+            <a:endParaRPr lang="en-US" altLang="ko-KR" sz="2800" dirty="0">
+              <a:latin typeface="KoPubWorld돋움체 Light" panose="00000300000000000000" pitchFamily="2" charset="-127"/>
+              <a:ea typeface="KoPubWorld돋움체 Light" panose="00000300000000000000" pitchFamily="2" charset="-127"/>
+              <a:cs typeface="KoPubWorld돋움체 Light" panose="00000300000000000000" pitchFamily="2" charset="-127"/>
+            </a:endParaRPr>
+          </a:p>
+          <a:p>
+            <a:r>
+              <a:rPr lang="ko-KR" altLang="en-US" sz="2800" dirty="0" err="1" smtClean="0">
+                <a:latin typeface="KoPubWorld돋움체 Light" panose="00000300000000000000" pitchFamily="2" charset="-127"/>
+                <a:ea typeface="KoPubWorld돋움체 Light" panose="00000300000000000000" pitchFamily="2" charset="-127"/>
+                <a:cs typeface="KoPubWorld돋움체 Light" panose="00000300000000000000" pitchFamily="2" charset="-127"/>
+              </a:rPr>
+              <a:t>소스트리</a:t>
+            </a:r>
+            <a:r>
+              <a:rPr lang="ko-KR" altLang="en-US" sz="2800" dirty="0" smtClean="0">
+                <a:latin typeface="KoPubWorld돋움체 Light" panose="00000300000000000000" pitchFamily="2" charset="-127"/>
+                <a:ea typeface="KoPubWorld돋움체 Light" panose="00000300000000000000" pitchFamily="2" charset="-127"/>
+                <a:cs typeface="KoPubWorld돋움체 Light" panose="00000300000000000000" pitchFamily="2" charset="-127"/>
+              </a:rPr>
+              <a:t> 설치하고 </a:t>
+            </a:r>
+            <a:r>
+              <a:rPr lang="ko-KR" altLang="en-US" sz="2800" dirty="0" err="1" smtClean="0">
+                <a:latin typeface="KoPubWorld돋움체 Light" panose="00000300000000000000" pitchFamily="2" charset="-127"/>
+                <a:ea typeface="KoPubWorld돋움체 Light" panose="00000300000000000000" pitchFamily="2" charset="-127"/>
+                <a:cs typeface="KoPubWorld돋움체 Light" panose="00000300000000000000" pitchFamily="2" charset="-127"/>
+              </a:rPr>
+              <a:t>깃허브</a:t>
+            </a:r>
+            <a:r>
+              <a:rPr lang="ko-KR" altLang="en-US" sz="2800" dirty="0" smtClean="0">
+                <a:latin typeface="KoPubWorld돋움체 Light" panose="00000300000000000000" pitchFamily="2" charset="-127"/>
+                <a:ea typeface="KoPubWorld돋움체 Light" panose="00000300000000000000" pitchFamily="2" charset="-127"/>
+                <a:cs typeface="KoPubWorld돋움체 Light" panose="00000300000000000000" pitchFamily="2" charset="-127"/>
+              </a:rPr>
+              <a:t> 계정으로 로그인 까지 해야함</a:t>
+            </a:r>
+            <a:endParaRPr lang="en-US" altLang="ko-KR" sz="2800" dirty="0" smtClean="0">
+              <a:latin typeface="KoPubWorld돋움체 Light" panose="00000300000000000000" pitchFamily="2" charset="-127"/>
+              <a:ea typeface="KoPubWorld돋움체 Light" panose="00000300000000000000" pitchFamily="2" charset="-127"/>
+              <a:cs typeface="KoPubWorld돋움체 Light" panose="00000300000000000000" pitchFamily="2" charset="-127"/>
+            </a:endParaRPr>
+          </a:p>
+        </p:txBody>
+      </p:sp>
     </p:spTree>
     <p:extLst>
       <p:ext uri="{BB962C8B-B14F-4D97-AF65-F5344CB8AC3E}">
-        <p14:creationId xmlns:p14="http://schemas.microsoft.com/office/powerpoint/2010/main" val="3156514853"/>
+        <p14:creationId xmlns:p14="http://schemas.microsoft.com/office/powerpoint/2010/main" val="4290361223"/>
       </p:ext>
     </p:extLst>
   </p:cSld>
@@ -15337,6 +14334,15 @@
 </file>
 
 <file path=customXml/item1.xml><?xml version="1.0" encoding="utf-8"?>
+<?mso-contentType ?>
+<FormTemplates xmlns="http://schemas.microsoft.com/sharepoint/v3/contenttype/forms">
+  <Display>DocumentLibraryForm</Display>
+  <Edit>DocumentLibraryForm</Edit>
+  <New>DocumentLibraryForm</New>
+</FormTemplates>
+</file>
+
+<file path=customXml/item2.xml><?xml version="1.0" encoding="utf-8"?>
 <ct:contentTypeSchema xmlns:ct="http://schemas.microsoft.com/office/2006/metadata/contentType" xmlns:ma="http://schemas.microsoft.com/office/2006/metadata/properties/metaAttributes" ct:_="" ma:_="" ma:contentTypeName="Document" ma:contentTypeID="0x01010079F111ED35F8CC479449609E8A0923A6" ma:contentTypeVersion="11" ma:contentTypeDescription="Create a new document." ma:contentTypeScope="" ma:versionID="9677210f24a1be23c92c90fd886aa0aa">
   <xsd:schema xmlns:xsd="http://www.w3.org/2001/XMLSchema" xmlns:xs="http://www.w3.org/2001/XMLSchema" xmlns:p="http://schemas.microsoft.com/office/2006/metadata/properties" xmlns:ns2="71af3243-3dd4-4a8d-8c0d-dd76da1f02a5" xmlns:ns3="16c05727-aa75-4e4a-9b5f-8a80a1165891" targetNamespace="http://schemas.microsoft.com/office/2006/metadata/properties" ma:root="true" ma:fieldsID="60e05723c5c1908df1a1a4ebf11d344e" ns2:_="" ns3:_="">
     <xsd:import namespace="71af3243-3dd4-4a8d-8c0d-dd76da1f02a5"/>
@@ -15547,15 +14553,6 @@
 </ct:contentTypeSchema>
 </file>
 
-<file path=customXml/item2.xml><?xml version="1.0" encoding="utf-8"?>
-<?mso-contentType ?>
-<FormTemplates xmlns="http://schemas.microsoft.com/sharepoint/v3/contenttype/forms">
-  <Display>DocumentLibraryForm</Display>
-  <Edit>DocumentLibraryForm</Edit>
-  <New>DocumentLibraryForm</New>
-</FormTemplates>
-</file>
-
 <file path=customXml/item3.xml><?xml version="1.0" encoding="utf-8"?>
 <p:properties xmlns:p="http://schemas.microsoft.com/office/2006/metadata/properties" xmlns:xsi="http://www.w3.org/2001/XMLSchema-instance" xmlns:pc="http://schemas.microsoft.com/office/infopath/2007/PartnerControls">
   <documentManagement>
@@ -15565,6 +14562,14 @@
 </file>
 
 <file path=customXml/itemProps1.xml><?xml version="1.0" encoding="utf-8"?>
+<ds:datastoreItem xmlns:ds="http://schemas.openxmlformats.org/officeDocument/2006/customXml" ds:itemID="{33315AA3-EAE3-44ED-8368-BAC2FFFB4817}">
+  <ds:schemaRefs>
+    <ds:schemaRef ds:uri="http://schemas.microsoft.com/sharepoint/v3/contenttype/forms"/>
+  </ds:schemaRefs>
+</ds:datastoreItem>
+</file>
+
+<file path=customXml/itemProps2.xml><?xml version="1.0" encoding="utf-8"?>
 <ds:datastoreItem xmlns:ds="http://schemas.openxmlformats.org/officeDocument/2006/customXml" ds:itemID="{627C19A7-3107-4CB2-BD0D-F7C79BE028CC}">
   <ds:schemaRefs>
     <ds:schemaRef ds:uri="http://schemas.microsoft.com/office/2006/metadata/contentType"/>
@@ -15579,14 +14584,6 @@
     <ds:schemaRef ds:uri="http://purl.org/dc/elements/1.1/"/>
     <ds:schemaRef ds:uri="http://purl.org/dc/terms/"/>
     <ds:schemaRef ds:uri="http://schemas.microsoft.com/internal/obd"/>
-  </ds:schemaRefs>
-</ds:datastoreItem>
-</file>
-
-<file path=customXml/itemProps2.xml><?xml version="1.0" encoding="utf-8"?>
-<ds:datastoreItem xmlns:ds="http://schemas.openxmlformats.org/officeDocument/2006/customXml" ds:itemID="{33315AA3-EAE3-44ED-8368-BAC2FFFB4817}">
-  <ds:schemaRefs>
-    <ds:schemaRef ds:uri="http://schemas.microsoft.com/sharepoint/v3/contenttype/forms"/>
   </ds:schemaRefs>
 </ds:datastoreItem>
 </file>

--- a/애니원 고등학교 강의 자료1.pptx
+++ b/애니원 고등학교 강의 자료1.pptx
@@ -239,7 +239,7 @@
                 <a:latin typeface="맑은 고딕" panose="020B0503020000020004" pitchFamily="50" charset="-127"/>
                 <a:ea typeface="맑은 고딕" panose="020B0503020000020004" pitchFamily="50" charset="-127"/>
               </a:rPr>
-              <a:t>2020-02-05</a:t>
+              <a:t>2020-02-06</a:t>
             </a:fld>
             <a:endParaRPr lang="ko-KR" altLang="en-US" dirty="0">
               <a:latin typeface="맑은 고딕" panose="020B0503020000020004" pitchFamily="50" charset="-127"/>
@@ -426,7 +426,7 @@
             <a:fld id="{F982D051-E7AC-4810-90EF-69A20AD37526}" type="datetime1">
               <a:rPr lang="ko-KR" altLang="en-US" smtClean="0"/>
               <a:pPr/>
-              <a:t>2020-02-05</a:t>
+              <a:t>2020-02-06</a:t>
             </a:fld>
             <a:endParaRPr lang="ko-KR" altLang="en-US" dirty="0"/>
           </a:p>
@@ -1310,7 +1310,7 @@
             <a:fld id="{EEB2207E-CB41-4C91-B7CD-77F94AAA1D8A}" type="datetime1">
               <a:rPr lang="ko-KR" altLang="en-US" smtClean="0"/>
               <a:pPr/>
-              <a:t>2020-02-05</a:t>
+              <a:t>2020-02-06</a:t>
             </a:fld>
             <a:endParaRPr lang="ko-KR" altLang="en-US" dirty="0"/>
           </a:p>
@@ -1611,7 +1611,7 @@
             <a:fld id="{279AEAF1-139C-43D6-A1AE-EB03D6288722}" type="datetime1">
               <a:rPr lang="ko-KR" altLang="en-US" smtClean="0"/>
               <a:pPr/>
-              <a:t>2020-02-05</a:t>
+              <a:t>2020-02-06</a:t>
             </a:fld>
             <a:endParaRPr lang="ko-KR" altLang="en-US" dirty="0"/>
           </a:p>
@@ -1863,7 +1863,7 @@
             <a:fld id="{E4BDD81A-B9EA-4E7B-9806-24597CC5581A}" type="datetime1">
               <a:rPr lang="ko-KR" altLang="en-US" smtClean="0"/>
               <a:pPr/>
-              <a:t>2020-02-05</a:t>
+              <a:t>2020-02-06</a:t>
             </a:fld>
             <a:endParaRPr lang="ko-KR" altLang="en-US" dirty="0"/>
           </a:p>
@@ -2421,7 +2421,7 @@
             <a:fld id="{4838EC3F-749E-40F0-9FC4-13DD48752285}" type="datetime1">
               <a:rPr lang="ko-KR" altLang="en-US" smtClean="0"/>
               <a:pPr/>
-              <a:t>2020-02-05</a:t>
+              <a:t>2020-02-06</a:t>
             </a:fld>
             <a:endParaRPr lang="ko-KR" altLang="en-US" dirty="0"/>
           </a:p>
@@ -2685,7 +2685,7 @@
             <a:fld id="{2FB0C9B0-519D-4017-A833-70329831492C}" type="datetime1">
               <a:rPr lang="ko-KR" altLang="en-US" smtClean="0"/>
               <a:pPr/>
-              <a:t>2020-02-05</a:t>
+              <a:t>2020-02-06</a:t>
             </a:fld>
             <a:endParaRPr lang="ko-KR" altLang="en-US" dirty="0"/>
           </a:p>
@@ -3234,7 +3234,7 @@
             <a:fld id="{DD5CDD6C-5731-4FEC-B57E-BD3C1113222C}" type="datetime1">
               <a:rPr lang="ko-KR" altLang="en-US" smtClean="0"/>
               <a:pPr/>
-              <a:t>2020-02-05</a:t>
+              <a:t>2020-02-06</a:t>
             </a:fld>
             <a:endParaRPr lang="ko-KR" altLang="en-US" dirty="0"/>
           </a:p>
@@ -3546,7 +3546,7 @@
             <a:fld id="{80B24BF9-F119-47BE-81AC-69885F34D01E}" type="datetime1">
               <a:rPr lang="ko-KR" altLang="en-US" smtClean="0"/>
               <a:pPr/>
-              <a:t>2020-02-05</a:t>
+              <a:t>2020-02-06</a:t>
             </a:fld>
             <a:endParaRPr lang="ko-KR" altLang="en-US" dirty="0"/>
           </a:p>
@@ -3724,7 +3724,7 @@
             <a:fld id="{E322ECF5-B670-4E41-8562-EC4E8C060A69}" type="datetime1">
               <a:rPr lang="ko-KR" altLang="en-US" smtClean="0"/>
               <a:pPr/>
-              <a:t>2020-02-05</a:t>
+              <a:t>2020-02-06</a:t>
             </a:fld>
             <a:endParaRPr lang="ko-KR" altLang="en-US" dirty="0"/>
           </a:p>
@@ -3908,7 +3908,7 @@
             <a:fld id="{05286E99-FDF3-4278-8385-23074F8A8372}" type="datetime1">
               <a:rPr lang="ko-KR" altLang="en-US" smtClean="0"/>
               <a:pPr/>
-              <a:t>2020-02-05</a:t>
+              <a:t>2020-02-06</a:t>
             </a:fld>
             <a:endParaRPr lang="ko-KR" altLang="en-US" dirty="0"/>
           </a:p>
@@ -4082,7 +4082,7 @@
             <a:fld id="{0576D295-1BE8-4422-BBA3-4C4166E1FFBA}" type="datetime1">
               <a:rPr lang="ko-KR" altLang="en-US" smtClean="0"/>
               <a:pPr/>
-              <a:t>2020-02-05</a:t>
+              <a:t>2020-02-06</a:t>
             </a:fld>
             <a:endParaRPr lang="ko-KR" altLang="en-US" dirty="0"/>
           </a:p>
@@ -4337,7 +4337,7 @@
             <a:fld id="{B518F889-CF6D-48B4-9DBA-7DAFA8901B75}" type="datetime1">
               <a:rPr lang="ko-KR" altLang="en-US" smtClean="0"/>
               <a:pPr/>
-              <a:t>2020-02-05</a:t>
+              <a:t>2020-02-06</a:t>
             </a:fld>
             <a:endParaRPr lang="ko-KR" altLang="en-US" dirty="0"/>
           </a:p>
@@ -4638,7 +4638,7 @@
             <a:fld id="{9EF13524-8E5F-4A18-81DB-5C7BE141FE1E}" type="datetime1">
               <a:rPr lang="ko-KR" altLang="en-US" smtClean="0"/>
               <a:pPr/>
-              <a:t>2020-02-05</a:t>
+              <a:t>2020-02-06</a:t>
             </a:fld>
             <a:endParaRPr lang="ko-KR" altLang="en-US" dirty="0"/>
           </a:p>
@@ -5084,7 +5084,7 @@
             <a:fld id="{55ED2EB9-DB8A-41FB-9C3A-C831B0BB6AA9}" type="datetime1">
               <a:rPr lang="ko-KR" altLang="en-US" smtClean="0"/>
               <a:pPr/>
-              <a:t>2020-02-05</a:t>
+              <a:t>2020-02-06</a:t>
             </a:fld>
             <a:endParaRPr lang="ko-KR" altLang="en-US" dirty="0"/>
           </a:p>
@@ -5206,7 +5206,7 @@
             <a:fld id="{3FF0D3B1-2164-4F34-BF9E-E14C52C38144}" type="datetime1">
               <a:rPr lang="ko-KR" altLang="en-US" smtClean="0"/>
               <a:pPr/>
-              <a:t>2020-02-05</a:t>
+              <a:t>2020-02-06</a:t>
             </a:fld>
             <a:endParaRPr lang="ko-KR" altLang="en-US" dirty="0"/>
           </a:p>
@@ -5304,7 +5304,7 @@
             <a:fld id="{3F7823E7-13E4-45D6-9E0C-8EEAB8B26D64}" type="datetime1">
               <a:rPr lang="ko-KR" altLang="en-US" smtClean="0"/>
               <a:pPr/>
-              <a:t>2020-02-05</a:t>
+              <a:t>2020-02-06</a:t>
             </a:fld>
             <a:endParaRPr lang="ko-KR" altLang="en-US" dirty="0"/>
           </a:p>
@@ -5591,7 +5591,7 @@
             <a:fld id="{FD12C05C-C40A-4C9C-84B1-0ECF8370CE26}" type="datetime1">
               <a:rPr lang="ko-KR" altLang="en-US" smtClean="0"/>
               <a:pPr/>
-              <a:t>2020-02-05</a:t>
+              <a:t>2020-02-06</a:t>
             </a:fld>
             <a:endParaRPr lang="ko-KR" altLang="en-US" dirty="0"/>
           </a:p>
@@ -5887,7 +5887,7 @@
             <a:fld id="{E7712BA4-0DC9-4120-89EB-458D19650DFC}" type="datetime1">
               <a:rPr lang="ko-KR" altLang="en-US" smtClean="0"/>
               <a:pPr/>
-              <a:t>2020-02-05</a:t>
+              <a:t>2020-02-06</a:t>
             </a:fld>
             <a:endParaRPr lang="ko-KR" altLang="en-US" dirty="0"/>
           </a:p>
@@ -6420,7 +6420,7 @@
             <a:fld id="{97C58CB5-B5AE-4D5E-9590-3F33817D9FD0}" type="datetime1">
               <a:rPr lang="ko-KR" altLang="en-US" smtClean="0"/>
               <a:pPr/>
-              <a:t>2020-02-05</a:t>
+              <a:t>2020-02-06</a:t>
             </a:fld>
             <a:endParaRPr lang="ko-KR" altLang="en-US" dirty="0"/>
           </a:p>
@@ -6966,7 +6966,7 @@
                 <a16:creationId xmlns:a16="http://schemas.microsoft.com/office/drawing/2014/main" id="{E5A92FE9-DB05-4D0D-AF5A-BE8664B9FFB4}"/>
               </a:ext>
               <a:ext uri="{C183D7F6-B498-43B3-948B-1728B52AA6E4}">
-                <adec:decorative xmlns="" xmlns:adec="http://schemas.microsoft.com/office/drawing/2017/decorative" val="1"/>
+                <adec:decorative xmlns:adec="http://schemas.microsoft.com/office/drawing/2017/decorative" xmlns="" val="1"/>
               </a:ext>
             </a:extLst>
           </p:cNvPr>
@@ -7029,7 +7029,7 @@
                 <a16:creationId xmlns:a16="http://schemas.microsoft.com/office/drawing/2014/main" id="{53D9B26A-5143-49A7-BA98-D871D5BD719A}"/>
               </a:ext>
               <a:ext uri="{C183D7F6-B498-43B3-948B-1728B52AA6E4}">
-                <adec:decorative xmlns="" xmlns:adec="http://schemas.microsoft.com/office/drawing/2017/decorative" val="1"/>
+                <adec:decorative xmlns:adec="http://schemas.microsoft.com/office/drawing/2017/decorative" xmlns="" val="1"/>
               </a:ext>
             </a:extLst>
           </p:cNvPr>
@@ -7060,7 +7060,7 @@
                   <a16:creationId xmlns:a16="http://schemas.microsoft.com/office/drawing/2014/main" id="{68B85E55-A2A1-4682-B891-F201358A92D5}"/>
                 </a:ext>
                 <a:ext uri="{C183D7F6-B498-43B3-948B-1728B52AA6E4}">
-                  <adec:decorative xmlns="" xmlns:adec="http://schemas.microsoft.com/office/drawing/2017/decorative" val="1"/>
+                  <adec:decorative xmlns:adec="http://schemas.microsoft.com/office/drawing/2017/decorative" xmlns="" val="1"/>
                 </a:ext>
               </a:extLst>
             </p:cNvPr>
@@ -7121,7 +7121,7 @@
                   <a16:creationId xmlns:a16="http://schemas.microsoft.com/office/drawing/2014/main" id="{45EF6EDB-9B5D-49E9-96FA-1AE08BF95E57}"/>
                 </a:ext>
                 <a:ext uri="{C183D7F6-B498-43B3-948B-1728B52AA6E4}">
-                  <adec:decorative xmlns="" xmlns:adec="http://schemas.microsoft.com/office/drawing/2017/decorative" val="1"/>
+                  <adec:decorative xmlns:adec="http://schemas.microsoft.com/office/drawing/2017/decorative" xmlns="" val="1"/>
                 </a:ext>
               </a:extLst>
             </p:cNvPr>
@@ -7185,7 +7185,7 @@
                   <a16:creationId xmlns:a16="http://schemas.microsoft.com/office/drawing/2014/main" id="{38338226-D6E2-4EEE-B271-DB4BD096DBA1}"/>
                 </a:ext>
                 <a:ext uri="{C183D7F6-B498-43B3-948B-1728B52AA6E4}">
-                  <adec:decorative xmlns="" xmlns:adec="http://schemas.microsoft.com/office/drawing/2017/decorative" val="1"/>
+                  <adec:decorative xmlns:adec="http://schemas.microsoft.com/office/drawing/2017/decorative" xmlns="" val="1"/>
                 </a:ext>
               </a:extLst>
             </p:cNvPr>
@@ -7243,7 +7243,7 @@
                   <a16:creationId xmlns:a16="http://schemas.microsoft.com/office/drawing/2014/main" id="{4878FB48-17B3-4A11-8025-DE0945CD4E71}"/>
                 </a:ext>
                 <a:ext uri="{C183D7F6-B498-43B3-948B-1728B52AA6E4}">
-                  <adec:decorative xmlns="" xmlns:adec="http://schemas.microsoft.com/office/drawing/2017/decorative" val="1"/>
+                  <adec:decorative xmlns:adec="http://schemas.microsoft.com/office/drawing/2017/decorative" xmlns="" val="1"/>
                 </a:ext>
               </a:extLst>
             </p:cNvPr>
@@ -7303,7 +7303,7 @@
                   <a16:creationId xmlns:a16="http://schemas.microsoft.com/office/drawing/2014/main" id="{4150A21C-DD6D-4D3C-9E95-7A3CA263BEB9}"/>
                 </a:ext>
                 <a:ext uri="{C183D7F6-B498-43B3-948B-1728B52AA6E4}">
-                  <adec:decorative xmlns="" xmlns:adec="http://schemas.microsoft.com/office/drawing/2017/decorative" val="1"/>
+                  <adec:decorative xmlns:adec="http://schemas.microsoft.com/office/drawing/2017/decorative" xmlns="" val="1"/>
                 </a:ext>
               </a:extLst>
             </p:cNvPr>
@@ -7369,7 +7369,7 @@
                   <a16:creationId xmlns:a16="http://schemas.microsoft.com/office/drawing/2014/main" id="{7505BF04-104D-4180-A284-42FCD6B04DD6}"/>
                 </a:ext>
                 <a:ext uri="{C183D7F6-B498-43B3-948B-1728B52AA6E4}">
-                  <adec:decorative xmlns="" xmlns:adec="http://schemas.microsoft.com/office/drawing/2017/decorative" val="1"/>
+                  <adec:decorative xmlns:adec="http://schemas.microsoft.com/office/drawing/2017/decorative" xmlns="" val="1"/>
                 </a:ext>
               </a:extLst>
             </p:cNvPr>
@@ -11746,15 +11746,7 @@
                 <a:ea typeface="KoPubWorld돋움체 Light" panose="00000300000000000000" pitchFamily="2" charset="-127"/>
                 <a:cs typeface="KoPubWorld돋움체 Light" panose="00000300000000000000" pitchFamily="2" charset="-127"/>
               </a:rPr>
-              <a:t>프로젝트로 불러와야 </a:t>
-            </a:r>
-            <a:r>
-              <a:rPr lang="ko-KR" altLang="en-US" dirty="0" smtClean="0">
-                <a:latin typeface="KoPubWorld돋움체 Light" panose="00000300000000000000" pitchFamily="2" charset="-127"/>
-                <a:ea typeface="KoPubWorld돋움체 Light" panose="00000300000000000000" pitchFamily="2" charset="-127"/>
-                <a:cs typeface="KoPubWorld돋움체 Light" panose="00000300000000000000" pitchFamily="2" charset="-127"/>
-              </a:rPr>
-              <a:t>함</a:t>
+              <a:t>프로젝트로 불러와야 함</a:t>
             </a:r>
             <a:endParaRPr lang="en-US" altLang="ko-KR" dirty="0" smtClean="0">
               <a:latin typeface="KoPubWorld돋움체 Light" panose="00000300000000000000" pitchFamily="2" charset="-127"/>
@@ -12542,15 +12534,7 @@
                 <a:ea typeface="KoPubWorld돋움체 Light" panose="00000300000000000000" pitchFamily="2" charset="-127"/>
                 <a:cs typeface="KoPubWorld돋움체 Light" panose="00000300000000000000" pitchFamily="2" charset="-127"/>
               </a:rPr>
-              <a:t>를 </a:t>
-            </a:r>
-            <a:r>
-              <a:rPr lang="ko-KR" altLang="en-US" sz="5400" dirty="0" smtClean="0">
-                <a:latin typeface="KoPubWorld돋움체 Light" panose="00000300000000000000" pitchFamily="2" charset="-127"/>
-                <a:ea typeface="KoPubWorld돋움체 Light" panose="00000300000000000000" pitchFamily="2" charset="-127"/>
-                <a:cs typeface="KoPubWorld돋움체 Light" panose="00000300000000000000" pitchFamily="2" charset="-127"/>
-              </a:rPr>
-              <a:t>사용해 보자</a:t>
+              <a:t>를 사용해 보자</a:t>
             </a:r>
             <a:r>
               <a:rPr lang="en-US" altLang="ko-KR" sz="5400" dirty="0" smtClean="0">
@@ -14334,15 +14318,6 @@
 </file>
 
 <file path=customXml/item1.xml><?xml version="1.0" encoding="utf-8"?>
-<?mso-contentType ?>
-<FormTemplates xmlns="http://schemas.microsoft.com/sharepoint/v3/contenttype/forms">
-  <Display>DocumentLibraryForm</Display>
-  <Edit>DocumentLibraryForm</Edit>
-  <New>DocumentLibraryForm</New>
-</FormTemplates>
-</file>
-
-<file path=customXml/item2.xml><?xml version="1.0" encoding="utf-8"?>
 <ct:contentTypeSchema xmlns:ct="http://schemas.microsoft.com/office/2006/metadata/contentType" xmlns:ma="http://schemas.microsoft.com/office/2006/metadata/properties/metaAttributes" ct:_="" ma:_="" ma:contentTypeName="Document" ma:contentTypeID="0x01010079F111ED35F8CC479449609E8A0923A6" ma:contentTypeVersion="11" ma:contentTypeDescription="Create a new document." ma:contentTypeScope="" ma:versionID="9677210f24a1be23c92c90fd886aa0aa">
   <xsd:schema xmlns:xsd="http://www.w3.org/2001/XMLSchema" xmlns:xs="http://www.w3.org/2001/XMLSchema" xmlns:p="http://schemas.microsoft.com/office/2006/metadata/properties" xmlns:ns2="71af3243-3dd4-4a8d-8c0d-dd76da1f02a5" xmlns:ns3="16c05727-aa75-4e4a-9b5f-8a80a1165891" targetNamespace="http://schemas.microsoft.com/office/2006/metadata/properties" ma:root="true" ma:fieldsID="60e05723c5c1908df1a1a4ebf11d344e" ns2:_="" ns3:_="">
     <xsd:import namespace="71af3243-3dd4-4a8d-8c0d-dd76da1f02a5"/>
@@ -14553,6 +14528,15 @@
 </ct:contentTypeSchema>
 </file>
 
+<file path=customXml/item2.xml><?xml version="1.0" encoding="utf-8"?>
+<?mso-contentType ?>
+<FormTemplates xmlns="http://schemas.microsoft.com/sharepoint/v3/contenttype/forms">
+  <Display>DocumentLibraryForm</Display>
+  <Edit>DocumentLibraryForm</Edit>
+  <New>DocumentLibraryForm</New>
+</FormTemplates>
+</file>
+
 <file path=customXml/item3.xml><?xml version="1.0" encoding="utf-8"?>
 <p:properties xmlns:p="http://schemas.microsoft.com/office/2006/metadata/properties" xmlns:xsi="http://www.w3.org/2001/XMLSchema-instance" xmlns:pc="http://schemas.microsoft.com/office/infopath/2007/PartnerControls">
   <documentManagement>
@@ -14562,14 +14546,6 @@
 </file>
 
 <file path=customXml/itemProps1.xml><?xml version="1.0" encoding="utf-8"?>
-<ds:datastoreItem xmlns:ds="http://schemas.openxmlformats.org/officeDocument/2006/customXml" ds:itemID="{33315AA3-EAE3-44ED-8368-BAC2FFFB4817}">
-  <ds:schemaRefs>
-    <ds:schemaRef ds:uri="http://schemas.microsoft.com/sharepoint/v3/contenttype/forms"/>
-  </ds:schemaRefs>
-</ds:datastoreItem>
-</file>
-
-<file path=customXml/itemProps2.xml><?xml version="1.0" encoding="utf-8"?>
 <ds:datastoreItem xmlns:ds="http://schemas.openxmlformats.org/officeDocument/2006/customXml" ds:itemID="{627C19A7-3107-4CB2-BD0D-F7C79BE028CC}">
   <ds:schemaRefs>
     <ds:schemaRef ds:uri="http://schemas.microsoft.com/office/2006/metadata/contentType"/>
@@ -14584,6 +14560,14 @@
     <ds:schemaRef ds:uri="http://purl.org/dc/elements/1.1/"/>
     <ds:schemaRef ds:uri="http://purl.org/dc/terms/"/>
     <ds:schemaRef ds:uri="http://schemas.microsoft.com/internal/obd"/>
+  </ds:schemaRefs>
+</ds:datastoreItem>
+</file>
+
+<file path=customXml/itemProps2.xml><?xml version="1.0" encoding="utf-8"?>
+<ds:datastoreItem xmlns:ds="http://schemas.openxmlformats.org/officeDocument/2006/customXml" ds:itemID="{33315AA3-EAE3-44ED-8368-BAC2FFFB4817}">
+  <ds:schemaRefs>
+    <ds:schemaRef ds:uri="http://schemas.microsoft.com/sharepoint/v3/contenttype/forms"/>
   </ds:schemaRefs>
 </ds:datastoreItem>
 </file>
